--- a/presentation/projects/King Oak College.pptx
+++ b/presentation/projects/King Oak College.pptx
@@ -1,28 +1,28 @@
 
 <file path=ppt/presentation.xml><?xml version="1.0" encoding="utf-8"?>
-<p:presentation xmlns:a="http://schemas.openxmlformats.org/drawingml/2006/main" xmlns:r="http://schemas.openxmlformats.org/officeDocument/2006/relationships" xmlns:mc="http://schemas.openxmlformats.org/markup-compatibility/2006" xmlns:mv="urn:schemas-microsoft-com:mac:vml" xmlns:p="http://schemas.openxmlformats.org/presentationml/2006/main" xmlns:c="http://schemas.openxmlformats.org/drawingml/2006/chart" xmlns:dgm="http://schemas.openxmlformats.org/drawingml/2006/diagram" xmlns:o="urn:schemas-microsoft-com:office:office" xmlns:v="urn:schemas-microsoft-com:vml" xmlns:pvml="urn:schemas-microsoft-com:office:powerpoint" xmlns:com="http://schemas.openxmlformats.org/drawingml/2006/compatibility" xmlns:p14="http://schemas.microsoft.com/office/powerpoint/2010/main" autoCompressPictures="0" strictFirstAndLastChars="0" saveSubsetFonts="1">
+<p:presentation xmlns:a="http://schemas.openxmlformats.org/drawingml/2006/main" xmlns:r="http://schemas.openxmlformats.org/officeDocument/2006/relationships" xmlns:p="http://schemas.openxmlformats.org/presentationml/2006/main" strictFirstAndLastChars="0" saveSubsetFonts="1" autoCompressPictures="0">
   <p:sldMasterIdLst>
-    <p:sldMasterId id="2147483659" r:id="rId3"/>
+    <p:sldMasterId id="2147483659" r:id="rId1"/>
   </p:sldMasterIdLst>
   <p:notesMasterIdLst>
-    <p:notesMasterId r:id="rId4"/>
+    <p:notesMasterId r:id="rId12"/>
   </p:notesMasterIdLst>
   <p:sldIdLst>
-    <p:sldId id="256" r:id="rId5"/>
-    <p:sldId id="257" r:id="rId6"/>
-    <p:sldId id="258" r:id="rId7"/>
-    <p:sldId id="259" r:id="rId8"/>
-    <p:sldId id="260" r:id="rId9"/>
-    <p:sldId id="261" r:id="rId10"/>
-    <p:sldId id="262" r:id="rId11"/>
-    <p:sldId id="263" r:id="rId12"/>
-    <p:sldId id="264" r:id="rId13"/>
-    <p:sldId id="265" r:id="rId14"/>
+    <p:sldId id="256" r:id="rId2"/>
+    <p:sldId id="257" r:id="rId3"/>
+    <p:sldId id="258" r:id="rId4"/>
+    <p:sldId id="259" r:id="rId5"/>
+    <p:sldId id="260" r:id="rId6"/>
+    <p:sldId id="261" r:id="rId7"/>
+    <p:sldId id="262" r:id="rId8"/>
+    <p:sldId id="263" r:id="rId9"/>
+    <p:sldId id="264" r:id="rId10"/>
+    <p:sldId id="265" r:id="rId11"/>
   </p:sldIdLst>
-  <p:sldSz cy="5143500" cx="9144000"/>
+  <p:sldSz cx="9144000" cy="5143500" type="screen16x9"/>
   <p:notesSz cx="6858000" cy="9144000"/>
   <p:defaultTextStyle>
-    <a:defPPr lvl="0" marR="0" rtl="0" algn="l">
+    <a:defPPr marR="0" lvl="0" algn="l" rtl="0">
       <a:lnSpc>
         <a:spcPct val="100000"/>
       </a:lnSpc>
@@ -33,7 +33,7 @@
         <a:spcPts val="0"/>
       </a:spcAft>
     </a:defPPr>
-    <a:lvl1pPr lvl="0" marR="0" rtl="0" algn="l">
+    <a:lvl1pPr marR="0" lvl="0" algn="l" rtl="0">
       <a:lnSpc>
         <a:spcPct val="100000"/>
       </a:lnSpc>
@@ -44,7 +44,7 @@
         <a:spcPts val="0"/>
       </a:spcAft>
       <a:buNone/>
-      <a:defRPr b="0" i="0" sz="1400" u="none" cap="none" strike="noStrike">
+      <a:defRPr sz="1400" b="0" i="0" u="none" strike="noStrike" cap="none">
         <a:solidFill>
           <a:srgbClr val="000000"/>
         </a:solidFill>
@@ -54,7 +54,7 @@
         <a:sym typeface="Arial"/>
       </a:defRPr>
     </a:lvl1pPr>
-    <a:lvl2pPr lvl="1" marR="0" rtl="0" algn="l">
+    <a:lvl2pPr marR="0" lvl="1" algn="l" rtl="0">
       <a:lnSpc>
         <a:spcPct val="100000"/>
       </a:lnSpc>
@@ -65,7 +65,7 @@
         <a:spcPts val="0"/>
       </a:spcAft>
       <a:buNone/>
-      <a:defRPr b="0" i="0" sz="1400" u="none" cap="none" strike="noStrike">
+      <a:defRPr sz="1400" b="0" i="0" u="none" strike="noStrike" cap="none">
         <a:solidFill>
           <a:srgbClr val="000000"/>
         </a:solidFill>
@@ -75,7 +75,7 @@
         <a:sym typeface="Arial"/>
       </a:defRPr>
     </a:lvl2pPr>
-    <a:lvl3pPr lvl="2" marR="0" rtl="0" algn="l">
+    <a:lvl3pPr marR="0" lvl="2" algn="l" rtl="0">
       <a:lnSpc>
         <a:spcPct val="100000"/>
       </a:lnSpc>
@@ -86,7 +86,7 @@
         <a:spcPts val="0"/>
       </a:spcAft>
       <a:buNone/>
-      <a:defRPr b="0" i="0" sz="1400" u="none" cap="none" strike="noStrike">
+      <a:defRPr sz="1400" b="0" i="0" u="none" strike="noStrike" cap="none">
         <a:solidFill>
           <a:srgbClr val="000000"/>
         </a:solidFill>
@@ -96,7 +96,7 @@
         <a:sym typeface="Arial"/>
       </a:defRPr>
     </a:lvl3pPr>
-    <a:lvl4pPr lvl="3" marR="0" rtl="0" algn="l">
+    <a:lvl4pPr marR="0" lvl="3" algn="l" rtl="0">
       <a:lnSpc>
         <a:spcPct val="100000"/>
       </a:lnSpc>
@@ -107,7 +107,7 @@
         <a:spcPts val="0"/>
       </a:spcAft>
       <a:buNone/>
-      <a:defRPr b="0" i="0" sz="1400" u="none" cap="none" strike="noStrike">
+      <a:defRPr sz="1400" b="0" i="0" u="none" strike="noStrike" cap="none">
         <a:solidFill>
           <a:srgbClr val="000000"/>
         </a:solidFill>
@@ -117,7 +117,7 @@
         <a:sym typeface="Arial"/>
       </a:defRPr>
     </a:lvl4pPr>
-    <a:lvl5pPr lvl="4" marR="0" rtl="0" algn="l">
+    <a:lvl5pPr marR="0" lvl="4" algn="l" rtl="0">
       <a:lnSpc>
         <a:spcPct val="100000"/>
       </a:lnSpc>
@@ -128,7 +128,7 @@
         <a:spcPts val="0"/>
       </a:spcAft>
       <a:buNone/>
-      <a:defRPr b="0" i="0" sz="1400" u="none" cap="none" strike="noStrike">
+      <a:defRPr sz="1400" b="0" i="0" u="none" strike="noStrike" cap="none">
         <a:solidFill>
           <a:srgbClr val="000000"/>
         </a:solidFill>
@@ -138,7 +138,7 @@
         <a:sym typeface="Arial"/>
       </a:defRPr>
     </a:lvl5pPr>
-    <a:lvl6pPr lvl="5" marR="0" rtl="0" algn="l">
+    <a:lvl6pPr marR="0" lvl="5" algn="l" rtl="0">
       <a:lnSpc>
         <a:spcPct val="100000"/>
       </a:lnSpc>
@@ -149,7 +149,7 @@
         <a:spcPts val="0"/>
       </a:spcAft>
       <a:buNone/>
-      <a:defRPr b="0" i="0" sz="1400" u="none" cap="none" strike="noStrike">
+      <a:defRPr sz="1400" b="0" i="0" u="none" strike="noStrike" cap="none">
         <a:solidFill>
           <a:srgbClr val="000000"/>
         </a:solidFill>
@@ -159,7 +159,7 @@
         <a:sym typeface="Arial"/>
       </a:defRPr>
     </a:lvl6pPr>
-    <a:lvl7pPr lvl="6" marR="0" rtl="0" algn="l">
+    <a:lvl7pPr marR="0" lvl="6" algn="l" rtl="0">
       <a:lnSpc>
         <a:spcPct val="100000"/>
       </a:lnSpc>
@@ -170,7 +170,7 @@
         <a:spcPts val="0"/>
       </a:spcAft>
       <a:buNone/>
-      <a:defRPr b="0" i="0" sz="1400" u="none" cap="none" strike="noStrike">
+      <a:defRPr sz="1400" b="0" i="0" u="none" strike="noStrike" cap="none">
         <a:solidFill>
           <a:srgbClr val="000000"/>
         </a:solidFill>
@@ -180,7 +180,7 @@
         <a:sym typeface="Arial"/>
       </a:defRPr>
     </a:lvl7pPr>
-    <a:lvl8pPr lvl="7" marR="0" rtl="0" algn="l">
+    <a:lvl8pPr marR="0" lvl="7" algn="l" rtl="0">
       <a:lnSpc>
         <a:spcPct val="100000"/>
       </a:lnSpc>
@@ -191,7 +191,7 @@
         <a:spcPts val="0"/>
       </a:spcAft>
       <a:buNone/>
-      <a:defRPr b="0" i="0" sz="1400" u="none" cap="none" strike="noStrike">
+      <a:defRPr sz="1400" b="0" i="0" u="none" strike="noStrike" cap="none">
         <a:solidFill>
           <a:srgbClr val="000000"/>
         </a:solidFill>
@@ -201,7 +201,7 @@
         <a:sym typeface="Arial"/>
       </a:defRPr>
     </a:lvl8pPr>
-    <a:lvl9pPr lvl="8" marR="0" rtl="0" algn="l">
+    <a:lvl9pPr marR="0" lvl="8" algn="l" rtl="0">
       <a:lnSpc>
         <a:spcPct val="100000"/>
       </a:lnSpc>
@@ -212,7 +212,7 @@
         <a:spcPts val="0"/>
       </a:spcAft>
       <a:buNone/>
-      <a:defRPr b="0" i="0" sz="1400" u="none" cap="none" strike="noStrike">
+      <a:defRPr sz="1400" b="0" i="0" u="none" strike="noStrike" cap="none">
         <a:solidFill>
           <a:srgbClr val="000000"/>
         </a:solidFill>
@@ -227,11 +227,16 @@
 </file>
 
 <file path=ppt/notesMasters/notesMaster1.xml><?xml version="1.0" encoding="utf-8"?>
-<p:notesMaster xmlns:a="http://schemas.openxmlformats.org/drawingml/2006/main" xmlns:r="http://schemas.openxmlformats.org/officeDocument/2006/relationships" xmlns:mc="http://schemas.openxmlformats.org/markup-compatibility/2006" xmlns:mv="urn:schemas-microsoft-com:mac:vml" xmlns:p="http://schemas.openxmlformats.org/presentationml/2006/main" xmlns:c="http://schemas.openxmlformats.org/drawingml/2006/chart" xmlns:dgm="http://schemas.openxmlformats.org/drawingml/2006/diagram" xmlns:o="urn:schemas-microsoft-com:office:office" xmlns:v="urn:schemas-microsoft-com:vml" xmlns:pvml="urn:schemas-microsoft-com:office:powerpoint" xmlns:com="http://schemas.openxmlformats.org/drawingml/2006/compatibility" xmlns:p14="http://schemas.microsoft.com/office/powerpoint/2010/main">
+<p:notesMaster xmlns:a="http://schemas.openxmlformats.org/drawingml/2006/main" xmlns:r="http://schemas.openxmlformats.org/officeDocument/2006/relationships" xmlns:p="http://schemas.openxmlformats.org/presentationml/2006/main">
   <p:cSld>
+    <p:bg>
+      <p:bgRef idx="1001">
+        <a:schemeClr val="bg1"/>
+      </p:bgRef>
+    </p:bg>
     <p:spTree>
       <p:nvGrpSpPr>
-        <p:cNvPr id="2" name="Shape 2"/>
+        <p:cNvPr id="1" name="Shape 2"/>
         <p:cNvGrpSpPr/>
         <p:nvPr/>
       </p:nvGrpSpPr>
@@ -246,9 +251,11 @@
       <p:sp>
         <p:nvSpPr>
           <p:cNvPr id="3" name="Shape 3"/>
-          <p:cNvSpPr/>
+          <p:cNvSpPr>
+            <a:spLocks noGrp="1" noRot="1" noChangeAspect="1"/>
+          </p:cNvSpPr>
           <p:nvPr>
-            <p:ph idx="2" type="sldImg"/>
+            <p:ph type="sldImg" idx="2"/>
           </p:nvPr>
         </p:nvSpPr>
         <p:spPr>
@@ -257,8 +264,13 @@
             <a:ext cx="6096075" cy="3429000"/>
           </a:xfrm>
           <a:custGeom>
+            <a:avLst/>
+            <a:gdLst/>
+            <a:ahLst/>
+            <a:cxnLst/>
+            <a:rect l="0" t="0" r="0" b="0"/>
             <a:pathLst>
-              <a:path extrusionOk="0" h="120000" w="120000">
+              <a:path w="120000" h="120000" extrusionOk="0">
                 <a:moveTo>
                   <a:pt x="0" y="0"/>
                 </a:moveTo>
@@ -276,23 +288,25 @@
             </a:pathLst>
           </a:custGeom>
           <a:noFill/>
-          <a:ln cap="flat" cmpd="sng" w="9525">
+          <a:ln w="9525" cap="flat" cmpd="sng">
             <a:solidFill>
               <a:srgbClr val="000000"/>
             </a:solidFill>
             <a:prstDash val="solid"/>
             <a:round/>
-            <a:headEnd len="med" w="med" type="none"/>
-            <a:tailEnd len="med" w="med" type="none"/>
+            <a:headEnd type="none" w="med" len="med"/>
+            <a:tailEnd type="none" w="med" len="med"/>
           </a:ln>
         </p:spPr>
       </p:sp>
       <p:sp>
         <p:nvSpPr>
           <p:cNvPr id="4" name="Shape 4"/>
-          <p:cNvSpPr txBox="1"/>
+          <p:cNvSpPr txBox="1">
+            <a:spLocks noGrp="1"/>
+          </p:cNvSpPr>
           <p:nvPr>
-            <p:ph idx="1" type="body"/>
+            <p:ph type="body" idx="1"/>
           </p:nvPr>
         </p:nvSpPr>
         <p:spPr>
@@ -309,7 +323,7 @@
           </a:ln>
         </p:spPr>
         <p:txBody>
-          <a:bodyPr anchorCtr="0" anchor="t" bIns="91425" lIns="91425" rIns="91425" tIns="91425"/>
+          <a:bodyPr lIns="91425" tIns="91425" rIns="91425" bIns="91425" anchor="t" anchorCtr="0"/>
           <a:lstStyle>
             <a:lvl1pPr lvl="0">
               <a:spcBef>
@@ -366,21 +380,120 @@
               <a:defRPr sz="1100"/>
             </a:lvl9pPr>
           </a:lstStyle>
-          <a:p/>
+          <a:p>
+            <a:endParaRPr/>
+          </a:p>
         </p:txBody>
       </p:sp>
     </p:spTree>
+    <p:extLst>
+      <p:ext uri="{BB962C8B-B14F-4D97-AF65-F5344CB8AC3E}">
+        <p14:creationId xmlns:p14="http://schemas.microsoft.com/office/powerpoint/2010/main" val="662878187"/>
+      </p:ext>
+    </p:extLst>
   </p:cSld>
-  <p:clrMap accent1="accent1" accent2="accent2" accent3="accent3" accent4="accent4" accent5="accent5" accent6="accent6" bg1="lt1" bg2="dk2" tx1="dk1" tx2="lt2" folHlink="folHlink" hlink="hlink"/>
+  <p:clrMap bg1="lt1" tx1="dk1" bg2="dk2" tx2="lt2" accent1="accent1" accent2="accent2" accent3="accent3" accent4="accent4" accent5="accent5" accent6="accent6" hlink="hlink" folHlink="folHlink"/>
+  <p:notesStyle>
+    <a:lvl1pPr marL="0" algn="l" defTabSz="914400" rtl="0" eaLnBrk="1" latinLnBrk="0" hangingPunct="1">
+      <a:defRPr sz="1200" kern="1200">
+        <a:solidFill>
+          <a:schemeClr val="tx1"/>
+        </a:solidFill>
+        <a:latin typeface="+mn-lt"/>
+        <a:ea typeface="+mn-ea"/>
+        <a:cs typeface="+mn-cs"/>
+      </a:defRPr>
+    </a:lvl1pPr>
+    <a:lvl2pPr marL="457200" algn="l" defTabSz="914400" rtl="0" eaLnBrk="1" latinLnBrk="0" hangingPunct="1">
+      <a:defRPr sz="1200" kern="1200">
+        <a:solidFill>
+          <a:schemeClr val="tx1"/>
+        </a:solidFill>
+        <a:latin typeface="+mn-lt"/>
+        <a:ea typeface="+mn-ea"/>
+        <a:cs typeface="+mn-cs"/>
+      </a:defRPr>
+    </a:lvl2pPr>
+    <a:lvl3pPr marL="914400" algn="l" defTabSz="914400" rtl="0" eaLnBrk="1" latinLnBrk="0" hangingPunct="1">
+      <a:defRPr sz="1200" kern="1200">
+        <a:solidFill>
+          <a:schemeClr val="tx1"/>
+        </a:solidFill>
+        <a:latin typeface="+mn-lt"/>
+        <a:ea typeface="+mn-ea"/>
+        <a:cs typeface="+mn-cs"/>
+      </a:defRPr>
+    </a:lvl3pPr>
+    <a:lvl4pPr marL="1371600" algn="l" defTabSz="914400" rtl="0" eaLnBrk="1" latinLnBrk="0" hangingPunct="1">
+      <a:defRPr sz="1200" kern="1200">
+        <a:solidFill>
+          <a:schemeClr val="tx1"/>
+        </a:solidFill>
+        <a:latin typeface="+mn-lt"/>
+        <a:ea typeface="+mn-ea"/>
+        <a:cs typeface="+mn-cs"/>
+      </a:defRPr>
+    </a:lvl4pPr>
+    <a:lvl5pPr marL="1828800" algn="l" defTabSz="914400" rtl="0" eaLnBrk="1" latinLnBrk="0" hangingPunct="1">
+      <a:defRPr sz="1200" kern="1200">
+        <a:solidFill>
+          <a:schemeClr val="tx1"/>
+        </a:solidFill>
+        <a:latin typeface="+mn-lt"/>
+        <a:ea typeface="+mn-ea"/>
+        <a:cs typeface="+mn-cs"/>
+      </a:defRPr>
+    </a:lvl5pPr>
+    <a:lvl6pPr marL="2286000" algn="l" defTabSz="914400" rtl="0" eaLnBrk="1" latinLnBrk="0" hangingPunct="1">
+      <a:defRPr sz="1200" kern="1200">
+        <a:solidFill>
+          <a:schemeClr val="tx1"/>
+        </a:solidFill>
+        <a:latin typeface="+mn-lt"/>
+        <a:ea typeface="+mn-ea"/>
+        <a:cs typeface="+mn-cs"/>
+      </a:defRPr>
+    </a:lvl6pPr>
+    <a:lvl7pPr marL="2743200" algn="l" defTabSz="914400" rtl="0" eaLnBrk="1" latinLnBrk="0" hangingPunct="1">
+      <a:defRPr sz="1200" kern="1200">
+        <a:solidFill>
+          <a:schemeClr val="tx1"/>
+        </a:solidFill>
+        <a:latin typeface="+mn-lt"/>
+        <a:ea typeface="+mn-ea"/>
+        <a:cs typeface="+mn-cs"/>
+      </a:defRPr>
+    </a:lvl7pPr>
+    <a:lvl8pPr marL="3200400" algn="l" defTabSz="914400" rtl="0" eaLnBrk="1" latinLnBrk="0" hangingPunct="1">
+      <a:defRPr sz="1200" kern="1200">
+        <a:solidFill>
+          <a:schemeClr val="tx1"/>
+        </a:solidFill>
+        <a:latin typeface="+mn-lt"/>
+        <a:ea typeface="+mn-ea"/>
+        <a:cs typeface="+mn-cs"/>
+      </a:defRPr>
+    </a:lvl8pPr>
+    <a:lvl9pPr marL="3657600" algn="l" defTabSz="914400" rtl="0" eaLnBrk="1" latinLnBrk="0" hangingPunct="1">
+      <a:defRPr sz="1200" kern="1200">
+        <a:solidFill>
+          <a:schemeClr val="tx1"/>
+        </a:solidFill>
+        <a:latin typeface="+mn-lt"/>
+        <a:ea typeface="+mn-ea"/>
+        <a:cs typeface="+mn-cs"/>
+      </a:defRPr>
+    </a:lvl9pPr>
+  </p:notesStyle>
 </p:notesMaster>
 </file>
 
 <file path=ppt/notesSlides/notesSlide1.xml><?xml version="1.0" encoding="utf-8"?>
-<p:notes xmlns:a="http://schemas.openxmlformats.org/drawingml/2006/main" xmlns:r="http://schemas.openxmlformats.org/officeDocument/2006/relationships" xmlns:mc="http://schemas.openxmlformats.org/markup-compatibility/2006" xmlns:mv="urn:schemas-microsoft-com:mac:vml" xmlns:p="http://schemas.openxmlformats.org/presentationml/2006/main" xmlns:c="http://schemas.openxmlformats.org/drawingml/2006/chart" xmlns:dgm="http://schemas.openxmlformats.org/drawingml/2006/diagram" xmlns:o="urn:schemas-microsoft-com:office:office" xmlns:v="urn:schemas-microsoft-com:vml" xmlns:pvml="urn:schemas-microsoft-com:office:powerpoint" xmlns:com="http://schemas.openxmlformats.org/drawingml/2006/compatibility" xmlns:p14="http://schemas.microsoft.com/office/powerpoint/2010/main" showMasterPhAnim="0" showMasterSp="0">
+<p:notes xmlns:a="http://schemas.openxmlformats.org/drawingml/2006/main" xmlns:r="http://schemas.openxmlformats.org/officeDocument/2006/relationships" xmlns:p="http://schemas.openxmlformats.org/presentationml/2006/main" showMasterSp="0" showMasterPhAnim="0">
   <p:cSld>
     <p:spTree>
       <p:nvGrpSpPr>
-        <p:cNvPr id="50" name="Shape 50"/>
+        <p:cNvPr id="1" name="Shape 50"/>
         <p:cNvGrpSpPr/>
         <p:nvPr/>
       </p:nvGrpSpPr>
@@ -395,19 +508,26 @@
       <p:sp>
         <p:nvSpPr>
           <p:cNvPr id="51" name="Shape 51"/>
-          <p:cNvSpPr/>
+          <p:cNvSpPr>
+            <a:spLocks noGrp="1" noRot="1" noChangeAspect="1"/>
+          </p:cNvSpPr>
           <p:nvPr>
-            <p:ph idx="2" type="sldImg"/>
+            <p:ph type="sldImg" idx="2"/>
           </p:nvPr>
         </p:nvSpPr>
         <p:spPr>
           <a:xfrm>
-            <a:off x="381300" y="685800"/>
-            <a:ext cx="6096075" cy="3429000"/>
+            <a:off x="381000" y="685800"/>
+            <a:ext cx="6096000" cy="3429000"/>
           </a:xfrm>
           <a:custGeom>
+            <a:avLst/>
+            <a:gdLst/>
+            <a:ahLst/>
+            <a:cxnLst/>
+            <a:rect l="0" t="0" r="0" b="0"/>
             <a:pathLst>
-              <a:path extrusionOk="0" h="120000" w="120000">
+              <a:path w="120000" h="120000" extrusionOk="0">
                 <a:moveTo>
                   <a:pt x="0" y="0"/>
                 </a:moveTo>
@@ -429,9 +549,11 @@
       <p:sp>
         <p:nvSpPr>
           <p:cNvPr id="52" name="Shape 52"/>
-          <p:cNvSpPr txBox="1"/>
+          <p:cNvSpPr txBox="1">
+            <a:spLocks noGrp="1"/>
+          </p:cNvSpPr>
           <p:nvPr>
-            <p:ph idx="1" type="body"/>
+            <p:ph type="body" idx="1"/>
           </p:nvPr>
         </p:nvSpPr>
         <p:spPr>
@@ -444,7 +566,7 @@
           </a:prstGeom>
         </p:spPr>
         <p:txBody>
-          <a:bodyPr anchorCtr="0" anchor="t" bIns="91425" lIns="91425" rIns="91425" tIns="91425">
+          <a:bodyPr lIns="91425" tIns="91425" rIns="91425" bIns="91425" anchor="t" anchorCtr="0">
             <a:noAutofit/>
           </a:bodyPr>
           <a:lstStyle/>
@@ -455,14 +577,16 @@
               </a:spcBef>
               <a:buNone/>
             </a:pPr>
-            <a:r>
-              <a:t/>
-            </a:r>
             <a:endParaRPr/>
           </a:p>
         </p:txBody>
       </p:sp>
     </p:spTree>
+    <p:extLst>
+      <p:ext uri="{BB962C8B-B14F-4D97-AF65-F5344CB8AC3E}">
+        <p14:creationId xmlns:p14="http://schemas.microsoft.com/office/powerpoint/2010/main" val="836958135"/>
+      </p:ext>
+    </p:extLst>
   </p:cSld>
   <p:clrMapOvr>
     <a:masterClrMapping/>
@@ -471,11 +595,11 @@
 </file>
 
 <file path=ppt/notesSlides/notesSlide10.xml><?xml version="1.0" encoding="utf-8"?>
-<p:notes xmlns:a="http://schemas.openxmlformats.org/drawingml/2006/main" xmlns:r="http://schemas.openxmlformats.org/officeDocument/2006/relationships" xmlns:mc="http://schemas.openxmlformats.org/markup-compatibility/2006" xmlns:mv="urn:schemas-microsoft-com:mac:vml" xmlns:p="http://schemas.openxmlformats.org/presentationml/2006/main" xmlns:c="http://schemas.openxmlformats.org/drawingml/2006/chart" xmlns:dgm="http://schemas.openxmlformats.org/drawingml/2006/diagram" xmlns:o="urn:schemas-microsoft-com:office:office" xmlns:v="urn:schemas-microsoft-com:vml" xmlns:pvml="urn:schemas-microsoft-com:office:powerpoint" xmlns:com="http://schemas.openxmlformats.org/drawingml/2006/compatibility" xmlns:p14="http://schemas.microsoft.com/office/powerpoint/2010/main" showMasterPhAnim="0" showMasterSp="0">
+<p:notes xmlns:a="http://schemas.openxmlformats.org/drawingml/2006/main" xmlns:r="http://schemas.openxmlformats.org/officeDocument/2006/relationships" xmlns:p="http://schemas.openxmlformats.org/presentationml/2006/main" showMasterSp="0" showMasterPhAnim="0">
   <p:cSld>
     <p:spTree>
       <p:nvGrpSpPr>
-        <p:cNvPr id="128" name="Shape 128"/>
+        <p:cNvPr id="1" name="Shape 128"/>
         <p:cNvGrpSpPr/>
         <p:nvPr/>
       </p:nvGrpSpPr>
@@ -490,19 +614,26 @@
       <p:sp>
         <p:nvSpPr>
           <p:cNvPr id="129" name="Shape 129"/>
-          <p:cNvSpPr/>
+          <p:cNvSpPr>
+            <a:spLocks noGrp="1" noRot="1" noChangeAspect="1"/>
+          </p:cNvSpPr>
           <p:nvPr>
-            <p:ph idx="2" type="sldImg"/>
+            <p:ph type="sldImg" idx="2"/>
           </p:nvPr>
         </p:nvSpPr>
         <p:spPr>
           <a:xfrm>
-            <a:off x="381300" y="685800"/>
+            <a:off x="381000" y="685800"/>
             <a:ext cx="6096000" cy="3429000"/>
           </a:xfrm>
           <a:custGeom>
+            <a:avLst/>
+            <a:gdLst/>
+            <a:ahLst/>
+            <a:cxnLst/>
+            <a:rect l="0" t="0" r="0" b="0"/>
             <a:pathLst>
-              <a:path extrusionOk="0" h="120000" w="120000">
+              <a:path w="120000" h="120000" extrusionOk="0">
                 <a:moveTo>
                   <a:pt x="0" y="0"/>
                 </a:moveTo>
@@ -524,9 +655,11 @@
       <p:sp>
         <p:nvSpPr>
           <p:cNvPr id="130" name="Shape 130"/>
-          <p:cNvSpPr txBox="1"/>
+          <p:cNvSpPr txBox="1">
+            <a:spLocks noGrp="1"/>
+          </p:cNvSpPr>
           <p:nvPr>
-            <p:ph idx="1" type="body"/>
+            <p:ph type="body" idx="1"/>
           </p:nvPr>
         </p:nvSpPr>
         <p:spPr>
@@ -539,7 +672,7 @@
           </a:prstGeom>
         </p:spPr>
         <p:txBody>
-          <a:bodyPr anchorCtr="0" anchor="t" bIns="91425" lIns="91425" rIns="91425" tIns="91425">
+          <a:bodyPr lIns="91425" tIns="91425" rIns="91425" bIns="91425" anchor="t" anchorCtr="0">
             <a:noAutofit/>
           </a:bodyPr>
           <a:lstStyle/>
@@ -550,14 +683,16 @@
               </a:spcBef>
               <a:buNone/>
             </a:pPr>
-            <a:r>
-              <a:t/>
-            </a:r>
             <a:endParaRPr/>
           </a:p>
         </p:txBody>
       </p:sp>
     </p:spTree>
+    <p:extLst>
+      <p:ext uri="{BB962C8B-B14F-4D97-AF65-F5344CB8AC3E}">
+        <p14:creationId xmlns:p14="http://schemas.microsoft.com/office/powerpoint/2010/main" val="1856245295"/>
+      </p:ext>
+    </p:extLst>
   </p:cSld>
   <p:clrMapOvr>
     <a:masterClrMapping/>
@@ -566,11 +701,11 @@
 </file>
 
 <file path=ppt/notesSlides/notesSlide2.xml><?xml version="1.0" encoding="utf-8"?>
-<p:notes xmlns:a="http://schemas.openxmlformats.org/drawingml/2006/main" xmlns:r="http://schemas.openxmlformats.org/officeDocument/2006/relationships" xmlns:mc="http://schemas.openxmlformats.org/markup-compatibility/2006" xmlns:mv="urn:schemas-microsoft-com:mac:vml" xmlns:p="http://schemas.openxmlformats.org/presentationml/2006/main" xmlns:c="http://schemas.openxmlformats.org/drawingml/2006/chart" xmlns:dgm="http://schemas.openxmlformats.org/drawingml/2006/diagram" xmlns:o="urn:schemas-microsoft-com:office:office" xmlns:v="urn:schemas-microsoft-com:vml" xmlns:pvml="urn:schemas-microsoft-com:office:powerpoint" xmlns:com="http://schemas.openxmlformats.org/drawingml/2006/compatibility" xmlns:p14="http://schemas.microsoft.com/office/powerpoint/2010/main" showMasterPhAnim="0" showMasterSp="0">
+<p:notes xmlns:a="http://schemas.openxmlformats.org/drawingml/2006/main" xmlns:r="http://schemas.openxmlformats.org/officeDocument/2006/relationships" xmlns:p="http://schemas.openxmlformats.org/presentationml/2006/main" showMasterSp="0" showMasterPhAnim="0">
   <p:cSld>
     <p:spTree>
       <p:nvGrpSpPr>
-        <p:cNvPr id="56" name="Shape 56"/>
+        <p:cNvPr id="1" name="Shape 56"/>
         <p:cNvGrpSpPr/>
         <p:nvPr/>
       </p:nvGrpSpPr>
@@ -585,19 +720,26 @@
       <p:sp>
         <p:nvSpPr>
           <p:cNvPr id="57" name="Shape 57"/>
-          <p:cNvSpPr/>
+          <p:cNvSpPr>
+            <a:spLocks noGrp="1" noRot="1" noChangeAspect="1"/>
+          </p:cNvSpPr>
           <p:nvPr>
-            <p:ph idx="2" type="sldImg"/>
+            <p:ph type="sldImg" idx="2"/>
           </p:nvPr>
         </p:nvSpPr>
         <p:spPr>
           <a:xfrm>
-            <a:off x="381300" y="685800"/>
+            <a:off x="381000" y="685800"/>
             <a:ext cx="6096000" cy="3429000"/>
           </a:xfrm>
           <a:custGeom>
+            <a:avLst/>
+            <a:gdLst/>
+            <a:ahLst/>
+            <a:cxnLst/>
+            <a:rect l="0" t="0" r="0" b="0"/>
             <a:pathLst>
-              <a:path extrusionOk="0" h="120000" w="120000">
+              <a:path w="120000" h="120000" extrusionOk="0">
                 <a:moveTo>
                   <a:pt x="0" y="0"/>
                 </a:moveTo>
@@ -619,9 +761,11 @@
       <p:sp>
         <p:nvSpPr>
           <p:cNvPr id="58" name="Shape 58"/>
-          <p:cNvSpPr txBox="1"/>
+          <p:cNvSpPr txBox="1">
+            <a:spLocks noGrp="1"/>
+          </p:cNvSpPr>
           <p:nvPr>
-            <p:ph idx="1" type="body"/>
+            <p:ph type="body" idx="1"/>
           </p:nvPr>
         </p:nvSpPr>
         <p:spPr>
@@ -634,7 +778,7 @@
           </a:prstGeom>
         </p:spPr>
         <p:txBody>
-          <a:bodyPr anchorCtr="0" anchor="t" bIns="91425" lIns="91425" rIns="91425" tIns="91425">
+          <a:bodyPr lIns="91425" tIns="91425" rIns="91425" bIns="91425" anchor="t" anchorCtr="0">
             <a:noAutofit/>
           </a:bodyPr>
           <a:lstStyle/>
@@ -645,14 +789,16 @@
               </a:spcBef>
               <a:buNone/>
             </a:pPr>
-            <a:r>
-              <a:t/>
-            </a:r>
             <a:endParaRPr/>
           </a:p>
         </p:txBody>
       </p:sp>
     </p:spTree>
+    <p:extLst>
+      <p:ext uri="{BB962C8B-B14F-4D97-AF65-F5344CB8AC3E}">
+        <p14:creationId xmlns:p14="http://schemas.microsoft.com/office/powerpoint/2010/main" val="2639302848"/>
+      </p:ext>
+    </p:extLst>
   </p:cSld>
   <p:clrMapOvr>
     <a:masterClrMapping/>
@@ -661,11 +807,11 @@
 </file>
 
 <file path=ppt/notesSlides/notesSlide3.xml><?xml version="1.0" encoding="utf-8"?>
-<p:notes xmlns:a="http://schemas.openxmlformats.org/drawingml/2006/main" xmlns:r="http://schemas.openxmlformats.org/officeDocument/2006/relationships" xmlns:mc="http://schemas.openxmlformats.org/markup-compatibility/2006" xmlns:mv="urn:schemas-microsoft-com:mac:vml" xmlns:p="http://schemas.openxmlformats.org/presentationml/2006/main" xmlns:c="http://schemas.openxmlformats.org/drawingml/2006/chart" xmlns:dgm="http://schemas.openxmlformats.org/drawingml/2006/diagram" xmlns:o="urn:schemas-microsoft-com:office:office" xmlns:v="urn:schemas-microsoft-com:vml" xmlns:pvml="urn:schemas-microsoft-com:office:powerpoint" xmlns:com="http://schemas.openxmlformats.org/drawingml/2006/compatibility" xmlns:p14="http://schemas.microsoft.com/office/powerpoint/2010/main" showMasterPhAnim="0" showMasterSp="0">
+<p:notes xmlns:a="http://schemas.openxmlformats.org/drawingml/2006/main" xmlns:r="http://schemas.openxmlformats.org/officeDocument/2006/relationships" xmlns:p="http://schemas.openxmlformats.org/presentationml/2006/main" showMasterSp="0" showMasterPhAnim="0">
   <p:cSld>
     <p:spTree>
       <p:nvGrpSpPr>
-        <p:cNvPr id="65" name="Shape 65"/>
+        <p:cNvPr id="1" name="Shape 65"/>
         <p:cNvGrpSpPr/>
         <p:nvPr/>
       </p:nvGrpSpPr>
@@ -680,19 +826,26 @@
       <p:sp>
         <p:nvSpPr>
           <p:cNvPr id="66" name="Shape 66"/>
-          <p:cNvSpPr/>
+          <p:cNvSpPr>
+            <a:spLocks noGrp="1" noRot="1" noChangeAspect="1"/>
+          </p:cNvSpPr>
           <p:nvPr>
-            <p:ph idx="2" type="sldImg"/>
+            <p:ph type="sldImg" idx="2"/>
           </p:nvPr>
         </p:nvSpPr>
         <p:spPr>
           <a:xfrm>
-            <a:off x="381300" y="685800"/>
+            <a:off x="381000" y="685800"/>
             <a:ext cx="6096000" cy="3429000"/>
           </a:xfrm>
           <a:custGeom>
+            <a:avLst/>
+            <a:gdLst/>
+            <a:ahLst/>
+            <a:cxnLst/>
+            <a:rect l="0" t="0" r="0" b="0"/>
             <a:pathLst>
-              <a:path extrusionOk="0" h="120000" w="120000">
+              <a:path w="120000" h="120000" extrusionOk="0">
                 <a:moveTo>
                   <a:pt x="0" y="0"/>
                 </a:moveTo>
@@ -714,9 +867,11 @@
       <p:sp>
         <p:nvSpPr>
           <p:cNvPr id="67" name="Shape 67"/>
-          <p:cNvSpPr txBox="1"/>
+          <p:cNvSpPr txBox="1">
+            <a:spLocks noGrp="1"/>
+          </p:cNvSpPr>
           <p:nvPr>
-            <p:ph idx="1" type="body"/>
+            <p:ph type="body" idx="1"/>
           </p:nvPr>
         </p:nvSpPr>
         <p:spPr>
@@ -729,7 +884,7 @@
           </a:prstGeom>
         </p:spPr>
         <p:txBody>
-          <a:bodyPr anchorCtr="0" anchor="t" bIns="91425" lIns="91425" rIns="91425" tIns="91425">
+          <a:bodyPr lIns="91425" tIns="91425" rIns="91425" bIns="91425" anchor="t" anchorCtr="0">
             <a:noAutofit/>
           </a:bodyPr>
           <a:lstStyle/>
@@ -740,14 +895,16 @@
               </a:spcBef>
               <a:buNone/>
             </a:pPr>
-            <a:r>
-              <a:t/>
-            </a:r>
             <a:endParaRPr/>
           </a:p>
         </p:txBody>
       </p:sp>
     </p:spTree>
+    <p:extLst>
+      <p:ext uri="{BB962C8B-B14F-4D97-AF65-F5344CB8AC3E}">
+        <p14:creationId xmlns:p14="http://schemas.microsoft.com/office/powerpoint/2010/main" val="4271643861"/>
+      </p:ext>
+    </p:extLst>
   </p:cSld>
   <p:clrMapOvr>
     <a:masterClrMapping/>
@@ -756,11 +913,11 @@
 </file>
 
 <file path=ppt/notesSlides/notesSlide4.xml><?xml version="1.0" encoding="utf-8"?>
-<p:notes xmlns:a="http://schemas.openxmlformats.org/drawingml/2006/main" xmlns:r="http://schemas.openxmlformats.org/officeDocument/2006/relationships" xmlns:mc="http://schemas.openxmlformats.org/markup-compatibility/2006" xmlns:mv="urn:schemas-microsoft-com:mac:vml" xmlns:p="http://schemas.openxmlformats.org/presentationml/2006/main" xmlns:c="http://schemas.openxmlformats.org/drawingml/2006/chart" xmlns:dgm="http://schemas.openxmlformats.org/drawingml/2006/diagram" xmlns:o="urn:schemas-microsoft-com:office:office" xmlns:v="urn:schemas-microsoft-com:vml" xmlns:pvml="urn:schemas-microsoft-com:office:powerpoint" xmlns:com="http://schemas.openxmlformats.org/drawingml/2006/compatibility" xmlns:p14="http://schemas.microsoft.com/office/powerpoint/2010/main" showMasterPhAnim="0" showMasterSp="0">
+<p:notes xmlns:a="http://schemas.openxmlformats.org/drawingml/2006/main" xmlns:r="http://schemas.openxmlformats.org/officeDocument/2006/relationships" xmlns:p="http://schemas.openxmlformats.org/presentationml/2006/main" showMasterSp="0" showMasterPhAnim="0">
   <p:cSld>
     <p:spTree>
       <p:nvGrpSpPr>
-        <p:cNvPr id="78" name="Shape 78"/>
+        <p:cNvPr id="1" name="Shape 78"/>
         <p:cNvGrpSpPr/>
         <p:nvPr/>
       </p:nvGrpSpPr>
@@ -775,19 +932,26 @@
       <p:sp>
         <p:nvSpPr>
           <p:cNvPr id="79" name="Shape 79"/>
-          <p:cNvSpPr/>
+          <p:cNvSpPr>
+            <a:spLocks noGrp="1" noRot="1" noChangeAspect="1"/>
+          </p:cNvSpPr>
           <p:nvPr>
-            <p:ph idx="2" type="sldImg"/>
+            <p:ph type="sldImg" idx="2"/>
           </p:nvPr>
         </p:nvSpPr>
         <p:spPr>
           <a:xfrm>
-            <a:off x="381300" y="685800"/>
+            <a:off x="381000" y="685800"/>
             <a:ext cx="6096000" cy="3429000"/>
           </a:xfrm>
           <a:custGeom>
+            <a:avLst/>
+            <a:gdLst/>
+            <a:ahLst/>
+            <a:cxnLst/>
+            <a:rect l="0" t="0" r="0" b="0"/>
             <a:pathLst>
-              <a:path extrusionOk="0" h="120000" w="120000">
+              <a:path w="120000" h="120000" extrusionOk="0">
                 <a:moveTo>
                   <a:pt x="0" y="0"/>
                 </a:moveTo>
@@ -809,9 +973,11 @@
       <p:sp>
         <p:nvSpPr>
           <p:cNvPr id="80" name="Shape 80"/>
-          <p:cNvSpPr txBox="1"/>
+          <p:cNvSpPr txBox="1">
+            <a:spLocks noGrp="1"/>
+          </p:cNvSpPr>
           <p:nvPr>
-            <p:ph idx="1" type="body"/>
+            <p:ph type="body" idx="1"/>
           </p:nvPr>
         </p:nvSpPr>
         <p:spPr>
@@ -824,7 +990,7 @@
           </a:prstGeom>
         </p:spPr>
         <p:txBody>
-          <a:bodyPr anchorCtr="0" anchor="t" bIns="91425" lIns="91425" rIns="91425" tIns="91425">
+          <a:bodyPr lIns="91425" tIns="91425" rIns="91425" bIns="91425" anchor="t" anchorCtr="0">
             <a:noAutofit/>
           </a:bodyPr>
           <a:lstStyle/>
@@ -835,14 +1001,16 @@
               </a:spcBef>
               <a:buNone/>
             </a:pPr>
-            <a:r>
-              <a:t/>
-            </a:r>
             <a:endParaRPr/>
           </a:p>
         </p:txBody>
       </p:sp>
     </p:spTree>
+    <p:extLst>
+      <p:ext uri="{BB962C8B-B14F-4D97-AF65-F5344CB8AC3E}">
+        <p14:creationId xmlns:p14="http://schemas.microsoft.com/office/powerpoint/2010/main" val="822150701"/>
+      </p:ext>
+    </p:extLst>
   </p:cSld>
   <p:clrMapOvr>
     <a:masterClrMapping/>
@@ -851,11 +1019,11 @@
 </file>
 
 <file path=ppt/notesSlides/notesSlide5.xml><?xml version="1.0" encoding="utf-8"?>
-<p:notes xmlns:a="http://schemas.openxmlformats.org/drawingml/2006/main" xmlns:r="http://schemas.openxmlformats.org/officeDocument/2006/relationships" xmlns:mc="http://schemas.openxmlformats.org/markup-compatibility/2006" xmlns:mv="urn:schemas-microsoft-com:mac:vml" xmlns:p="http://schemas.openxmlformats.org/presentationml/2006/main" xmlns:c="http://schemas.openxmlformats.org/drawingml/2006/chart" xmlns:dgm="http://schemas.openxmlformats.org/drawingml/2006/diagram" xmlns:o="urn:schemas-microsoft-com:office:office" xmlns:v="urn:schemas-microsoft-com:vml" xmlns:pvml="urn:schemas-microsoft-com:office:powerpoint" xmlns:com="http://schemas.openxmlformats.org/drawingml/2006/compatibility" xmlns:p14="http://schemas.microsoft.com/office/powerpoint/2010/main" showMasterPhAnim="0" showMasterSp="0">
+<p:notes xmlns:a="http://schemas.openxmlformats.org/drawingml/2006/main" xmlns:r="http://schemas.openxmlformats.org/officeDocument/2006/relationships" xmlns:p="http://schemas.openxmlformats.org/presentationml/2006/main" showMasterSp="0" showMasterPhAnim="0">
   <p:cSld>
     <p:spTree>
       <p:nvGrpSpPr>
-        <p:cNvPr id="85" name="Shape 85"/>
+        <p:cNvPr id="1" name="Shape 85"/>
         <p:cNvGrpSpPr/>
         <p:nvPr/>
       </p:nvGrpSpPr>
@@ -870,19 +1038,26 @@
       <p:sp>
         <p:nvSpPr>
           <p:cNvPr id="86" name="Shape 86"/>
-          <p:cNvSpPr/>
+          <p:cNvSpPr>
+            <a:spLocks noGrp="1" noRot="1" noChangeAspect="1"/>
+          </p:cNvSpPr>
           <p:nvPr>
-            <p:ph idx="2" type="sldImg"/>
+            <p:ph type="sldImg" idx="2"/>
           </p:nvPr>
         </p:nvSpPr>
         <p:spPr>
           <a:xfrm>
-            <a:off x="381300" y="685800"/>
+            <a:off x="381000" y="685800"/>
             <a:ext cx="6096000" cy="3429000"/>
           </a:xfrm>
           <a:custGeom>
+            <a:avLst/>
+            <a:gdLst/>
+            <a:ahLst/>
+            <a:cxnLst/>
+            <a:rect l="0" t="0" r="0" b="0"/>
             <a:pathLst>
-              <a:path extrusionOk="0" h="120000" w="120000">
+              <a:path w="120000" h="120000" extrusionOk="0">
                 <a:moveTo>
                   <a:pt x="0" y="0"/>
                 </a:moveTo>
@@ -904,9 +1079,11 @@
       <p:sp>
         <p:nvSpPr>
           <p:cNvPr id="87" name="Shape 87"/>
-          <p:cNvSpPr txBox="1"/>
+          <p:cNvSpPr txBox="1">
+            <a:spLocks noGrp="1"/>
+          </p:cNvSpPr>
           <p:nvPr>
-            <p:ph idx="1" type="body"/>
+            <p:ph type="body" idx="1"/>
           </p:nvPr>
         </p:nvSpPr>
         <p:spPr>
@@ -919,7 +1096,7 @@
           </a:prstGeom>
         </p:spPr>
         <p:txBody>
-          <a:bodyPr anchorCtr="0" anchor="t" bIns="91425" lIns="91425" rIns="91425" tIns="91425">
+          <a:bodyPr lIns="91425" tIns="91425" rIns="91425" bIns="91425" anchor="t" anchorCtr="0">
             <a:noAutofit/>
           </a:bodyPr>
           <a:lstStyle/>
@@ -930,14 +1107,16 @@
               </a:spcBef>
               <a:buNone/>
             </a:pPr>
-            <a:r>
-              <a:t/>
-            </a:r>
             <a:endParaRPr/>
           </a:p>
         </p:txBody>
       </p:sp>
     </p:spTree>
+    <p:extLst>
+      <p:ext uri="{BB962C8B-B14F-4D97-AF65-F5344CB8AC3E}">
+        <p14:creationId xmlns:p14="http://schemas.microsoft.com/office/powerpoint/2010/main" val="2533010047"/>
+      </p:ext>
+    </p:extLst>
   </p:cSld>
   <p:clrMapOvr>
     <a:masterClrMapping/>
@@ -946,11 +1125,11 @@
 </file>
 
 <file path=ppt/notesSlides/notesSlide6.xml><?xml version="1.0" encoding="utf-8"?>
-<p:notes xmlns:a="http://schemas.openxmlformats.org/drawingml/2006/main" xmlns:r="http://schemas.openxmlformats.org/officeDocument/2006/relationships" xmlns:mc="http://schemas.openxmlformats.org/markup-compatibility/2006" xmlns:mv="urn:schemas-microsoft-com:mac:vml" xmlns:p="http://schemas.openxmlformats.org/presentationml/2006/main" xmlns:c="http://schemas.openxmlformats.org/drawingml/2006/chart" xmlns:dgm="http://schemas.openxmlformats.org/drawingml/2006/diagram" xmlns:o="urn:schemas-microsoft-com:office:office" xmlns:v="urn:schemas-microsoft-com:vml" xmlns:pvml="urn:schemas-microsoft-com:office:powerpoint" xmlns:com="http://schemas.openxmlformats.org/drawingml/2006/compatibility" xmlns:p14="http://schemas.microsoft.com/office/powerpoint/2010/main" showMasterPhAnim="0" showMasterSp="0">
+<p:notes xmlns:a="http://schemas.openxmlformats.org/drawingml/2006/main" xmlns:r="http://schemas.openxmlformats.org/officeDocument/2006/relationships" xmlns:p="http://schemas.openxmlformats.org/presentationml/2006/main" showMasterSp="0" showMasterPhAnim="0">
   <p:cSld>
     <p:spTree>
       <p:nvGrpSpPr>
-        <p:cNvPr id="96" name="Shape 96"/>
+        <p:cNvPr id="1" name="Shape 96"/>
         <p:cNvGrpSpPr/>
         <p:nvPr/>
       </p:nvGrpSpPr>
@@ -965,19 +1144,26 @@
       <p:sp>
         <p:nvSpPr>
           <p:cNvPr id="97" name="Shape 97"/>
-          <p:cNvSpPr/>
+          <p:cNvSpPr>
+            <a:spLocks noGrp="1" noRot="1" noChangeAspect="1"/>
+          </p:cNvSpPr>
           <p:nvPr>
-            <p:ph idx="2" type="sldImg"/>
+            <p:ph type="sldImg" idx="2"/>
           </p:nvPr>
         </p:nvSpPr>
         <p:spPr>
           <a:xfrm>
-            <a:off x="381300" y="685800"/>
+            <a:off x="381000" y="685800"/>
             <a:ext cx="6096000" cy="3429000"/>
           </a:xfrm>
           <a:custGeom>
+            <a:avLst/>
+            <a:gdLst/>
+            <a:ahLst/>
+            <a:cxnLst/>
+            <a:rect l="0" t="0" r="0" b="0"/>
             <a:pathLst>
-              <a:path extrusionOk="0" h="120000" w="120000">
+              <a:path w="120000" h="120000" extrusionOk="0">
                 <a:moveTo>
                   <a:pt x="0" y="0"/>
                 </a:moveTo>
@@ -999,9 +1185,11 @@
       <p:sp>
         <p:nvSpPr>
           <p:cNvPr id="98" name="Shape 98"/>
-          <p:cNvSpPr txBox="1"/>
+          <p:cNvSpPr txBox="1">
+            <a:spLocks noGrp="1"/>
+          </p:cNvSpPr>
           <p:nvPr>
-            <p:ph idx="1" type="body"/>
+            <p:ph type="body" idx="1"/>
           </p:nvPr>
         </p:nvSpPr>
         <p:spPr>
@@ -1014,7 +1202,7 @@
           </a:prstGeom>
         </p:spPr>
         <p:txBody>
-          <a:bodyPr anchorCtr="0" anchor="t" bIns="91425" lIns="91425" rIns="91425" tIns="91425">
+          <a:bodyPr lIns="91425" tIns="91425" rIns="91425" bIns="91425" anchor="t" anchorCtr="0">
             <a:noAutofit/>
           </a:bodyPr>
           <a:lstStyle/>
@@ -1025,14 +1213,16 @@
               </a:spcBef>
               <a:buNone/>
             </a:pPr>
-            <a:r>
-              <a:t/>
-            </a:r>
             <a:endParaRPr/>
           </a:p>
         </p:txBody>
       </p:sp>
     </p:spTree>
+    <p:extLst>
+      <p:ext uri="{BB962C8B-B14F-4D97-AF65-F5344CB8AC3E}">
+        <p14:creationId xmlns:p14="http://schemas.microsoft.com/office/powerpoint/2010/main" val="1488707422"/>
+      </p:ext>
+    </p:extLst>
   </p:cSld>
   <p:clrMapOvr>
     <a:masterClrMapping/>
@@ -1041,11 +1231,11 @@
 </file>
 
 <file path=ppt/notesSlides/notesSlide7.xml><?xml version="1.0" encoding="utf-8"?>
-<p:notes xmlns:a="http://schemas.openxmlformats.org/drawingml/2006/main" xmlns:r="http://schemas.openxmlformats.org/officeDocument/2006/relationships" xmlns:mc="http://schemas.openxmlformats.org/markup-compatibility/2006" xmlns:mv="urn:schemas-microsoft-com:mac:vml" xmlns:p="http://schemas.openxmlformats.org/presentationml/2006/main" xmlns:c="http://schemas.openxmlformats.org/drawingml/2006/chart" xmlns:dgm="http://schemas.openxmlformats.org/drawingml/2006/diagram" xmlns:o="urn:schemas-microsoft-com:office:office" xmlns:v="urn:schemas-microsoft-com:vml" xmlns:pvml="urn:schemas-microsoft-com:office:powerpoint" xmlns:com="http://schemas.openxmlformats.org/drawingml/2006/compatibility" xmlns:p14="http://schemas.microsoft.com/office/powerpoint/2010/main" showMasterPhAnim="0" showMasterSp="0">
+<p:notes xmlns:a="http://schemas.openxmlformats.org/drawingml/2006/main" xmlns:r="http://schemas.openxmlformats.org/officeDocument/2006/relationships" xmlns:p="http://schemas.openxmlformats.org/presentationml/2006/main" showMasterSp="0" showMasterPhAnim="0">
   <p:cSld>
     <p:spTree>
       <p:nvGrpSpPr>
-        <p:cNvPr id="107" name="Shape 107"/>
+        <p:cNvPr id="1" name="Shape 107"/>
         <p:cNvGrpSpPr/>
         <p:nvPr/>
       </p:nvGrpSpPr>
@@ -1060,19 +1250,26 @@
       <p:sp>
         <p:nvSpPr>
           <p:cNvPr id="108" name="Shape 108"/>
-          <p:cNvSpPr/>
+          <p:cNvSpPr>
+            <a:spLocks noGrp="1" noRot="1" noChangeAspect="1"/>
+          </p:cNvSpPr>
           <p:nvPr>
-            <p:ph idx="2" type="sldImg"/>
+            <p:ph type="sldImg" idx="2"/>
           </p:nvPr>
         </p:nvSpPr>
         <p:spPr>
           <a:xfrm>
-            <a:off x="381300" y="685800"/>
+            <a:off x="381000" y="685800"/>
             <a:ext cx="6096000" cy="3429000"/>
           </a:xfrm>
           <a:custGeom>
+            <a:avLst/>
+            <a:gdLst/>
+            <a:ahLst/>
+            <a:cxnLst/>
+            <a:rect l="0" t="0" r="0" b="0"/>
             <a:pathLst>
-              <a:path extrusionOk="0" h="120000" w="120000">
+              <a:path w="120000" h="120000" extrusionOk="0">
                 <a:moveTo>
                   <a:pt x="0" y="0"/>
                 </a:moveTo>
@@ -1094,9 +1291,11 @@
       <p:sp>
         <p:nvSpPr>
           <p:cNvPr id="109" name="Shape 109"/>
-          <p:cNvSpPr txBox="1"/>
+          <p:cNvSpPr txBox="1">
+            <a:spLocks noGrp="1"/>
+          </p:cNvSpPr>
           <p:nvPr>
-            <p:ph idx="1" type="body"/>
+            <p:ph type="body" idx="1"/>
           </p:nvPr>
         </p:nvSpPr>
         <p:spPr>
@@ -1109,7 +1308,7 @@
           </a:prstGeom>
         </p:spPr>
         <p:txBody>
-          <a:bodyPr anchorCtr="0" anchor="t" bIns="91425" lIns="91425" rIns="91425" tIns="91425">
+          <a:bodyPr lIns="91425" tIns="91425" rIns="91425" bIns="91425" anchor="t" anchorCtr="0">
             <a:noAutofit/>
           </a:bodyPr>
           <a:lstStyle/>
@@ -1120,14 +1319,16 @@
               </a:spcBef>
               <a:buNone/>
             </a:pPr>
-            <a:r>
-              <a:t/>
-            </a:r>
             <a:endParaRPr/>
           </a:p>
         </p:txBody>
       </p:sp>
     </p:spTree>
+    <p:extLst>
+      <p:ext uri="{BB962C8B-B14F-4D97-AF65-F5344CB8AC3E}">
+        <p14:creationId xmlns:p14="http://schemas.microsoft.com/office/powerpoint/2010/main" val="4268255264"/>
+      </p:ext>
+    </p:extLst>
   </p:cSld>
   <p:clrMapOvr>
     <a:masterClrMapping/>
@@ -1136,11 +1337,11 @@
 </file>
 
 <file path=ppt/notesSlides/notesSlide8.xml><?xml version="1.0" encoding="utf-8"?>
-<p:notes xmlns:a="http://schemas.openxmlformats.org/drawingml/2006/main" xmlns:r="http://schemas.openxmlformats.org/officeDocument/2006/relationships" xmlns:mc="http://schemas.openxmlformats.org/markup-compatibility/2006" xmlns:mv="urn:schemas-microsoft-com:mac:vml" xmlns:p="http://schemas.openxmlformats.org/presentationml/2006/main" xmlns:c="http://schemas.openxmlformats.org/drawingml/2006/chart" xmlns:dgm="http://schemas.openxmlformats.org/drawingml/2006/diagram" xmlns:o="urn:schemas-microsoft-com:office:office" xmlns:v="urn:schemas-microsoft-com:vml" xmlns:pvml="urn:schemas-microsoft-com:office:powerpoint" xmlns:com="http://schemas.openxmlformats.org/drawingml/2006/compatibility" xmlns:p14="http://schemas.microsoft.com/office/powerpoint/2010/main" showMasterPhAnim="0" showMasterSp="0">
+<p:notes xmlns:a="http://schemas.openxmlformats.org/drawingml/2006/main" xmlns:r="http://schemas.openxmlformats.org/officeDocument/2006/relationships" xmlns:p="http://schemas.openxmlformats.org/presentationml/2006/main" showMasterSp="0" showMasterPhAnim="0">
   <p:cSld>
     <p:spTree>
       <p:nvGrpSpPr>
-        <p:cNvPr id="113" name="Shape 113"/>
+        <p:cNvPr id="1" name="Shape 113"/>
         <p:cNvGrpSpPr/>
         <p:nvPr/>
       </p:nvGrpSpPr>
@@ -1155,19 +1356,26 @@
       <p:sp>
         <p:nvSpPr>
           <p:cNvPr id="114" name="Shape 114"/>
-          <p:cNvSpPr/>
+          <p:cNvSpPr>
+            <a:spLocks noGrp="1" noRot="1" noChangeAspect="1"/>
+          </p:cNvSpPr>
           <p:nvPr>
-            <p:ph idx="2" type="sldImg"/>
+            <p:ph type="sldImg" idx="2"/>
           </p:nvPr>
         </p:nvSpPr>
         <p:spPr>
           <a:xfrm>
-            <a:off x="381300" y="685800"/>
+            <a:off x="381000" y="685800"/>
             <a:ext cx="6096000" cy="3429000"/>
           </a:xfrm>
           <a:custGeom>
+            <a:avLst/>
+            <a:gdLst/>
+            <a:ahLst/>
+            <a:cxnLst/>
+            <a:rect l="0" t="0" r="0" b="0"/>
             <a:pathLst>
-              <a:path extrusionOk="0" h="120000" w="120000">
+              <a:path w="120000" h="120000" extrusionOk="0">
                 <a:moveTo>
                   <a:pt x="0" y="0"/>
                 </a:moveTo>
@@ -1189,9 +1397,11 @@
       <p:sp>
         <p:nvSpPr>
           <p:cNvPr id="115" name="Shape 115"/>
-          <p:cNvSpPr txBox="1"/>
+          <p:cNvSpPr txBox="1">
+            <a:spLocks noGrp="1"/>
+          </p:cNvSpPr>
           <p:nvPr>
-            <p:ph idx="1" type="body"/>
+            <p:ph type="body" idx="1"/>
           </p:nvPr>
         </p:nvSpPr>
         <p:spPr>
@@ -1204,7 +1414,7 @@
           </a:prstGeom>
         </p:spPr>
         <p:txBody>
-          <a:bodyPr anchorCtr="0" anchor="t" bIns="91425" lIns="91425" rIns="91425" tIns="91425">
+          <a:bodyPr lIns="91425" tIns="91425" rIns="91425" bIns="91425" anchor="t" anchorCtr="0">
             <a:noAutofit/>
           </a:bodyPr>
           <a:lstStyle/>
@@ -1215,14 +1425,16 @@
               </a:spcBef>
               <a:buNone/>
             </a:pPr>
-            <a:r>
-              <a:t/>
-            </a:r>
             <a:endParaRPr/>
           </a:p>
         </p:txBody>
       </p:sp>
     </p:spTree>
+    <p:extLst>
+      <p:ext uri="{BB962C8B-B14F-4D97-AF65-F5344CB8AC3E}">
+        <p14:creationId xmlns:p14="http://schemas.microsoft.com/office/powerpoint/2010/main" val="3394768039"/>
+      </p:ext>
+    </p:extLst>
   </p:cSld>
   <p:clrMapOvr>
     <a:masterClrMapping/>
@@ -1231,11 +1443,11 @@
 </file>
 
 <file path=ppt/notesSlides/notesSlide9.xml><?xml version="1.0" encoding="utf-8"?>
-<p:notes xmlns:a="http://schemas.openxmlformats.org/drawingml/2006/main" xmlns:r="http://schemas.openxmlformats.org/officeDocument/2006/relationships" xmlns:mc="http://schemas.openxmlformats.org/markup-compatibility/2006" xmlns:mv="urn:schemas-microsoft-com:mac:vml" xmlns:p="http://schemas.openxmlformats.org/presentationml/2006/main" xmlns:c="http://schemas.openxmlformats.org/drawingml/2006/chart" xmlns:dgm="http://schemas.openxmlformats.org/drawingml/2006/diagram" xmlns:o="urn:schemas-microsoft-com:office:office" xmlns:v="urn:schemas-microsoft-com:vml" xmlns:pvml="urn:schemas-microsoft-com:office:powerpoint" xmlns:com="http://schemas.openxmlformats.org/drawingml/2006/compatibility" xmlns:p14="http://schemas.microsoft.com/office/powerpoint/2010/main" showMasterPhAnim="0" showMasterSp="0">
+<p:notes xmlns:a="http://schemas.openxmlformats.org/drawingml/2006/main" xmlns:r="http://schemas.openxmlformats.org/officeDocument/2006/relationships" xmlns:p="http://schemas.openxmlformats.org/presentationml/2006/main" showMasterSp="0" showMasterPhAnim="0">
   <p:cSld>
     <p:spTree>
       <p:nvGrpSpPr>
-        <p:cNvPr id="122" name="Shape 122"/>
+        <p:cNvPr id="1" name="Shape 122"/>
         <p:cNvGrpSpPr/>
         <p:nvPr/>
       </p:nvGrpSpPr>
@@ -1250,19 +1462,26 @@
       <p:sp>
         <p:nvSpPr>
           <p:cNvPr id="123" name="Shape 123"/>
-          <p:cNvSpPr/>
+          <p:cNvSpPr>
+            <a:spLocks noGrp="1" noRot="1" noChangeAspect="1"/>
+          </p:cNvSpPr>
           <p:nvPr>
-            <p:ph idx="2" type="sldImg"/>
+            <p:ph type="sldImg" idx="2"/>
           </p:nvPr>
         </p:nvSpPr>
         <p:spPr>
           <a:xfrm>
-            <a:off x="381300" y="685800"/>
+            <a:off x="381000" y="685800"/>
             <a:ext cx="6096000" cy="3429000"/>
           </a:xfrm>
           <a:custGeom>
+            <a:avLst/>
+            <a:gdLst/>
+            <a:ahLst/>
+            <a:cxnLst/>
+            <a:rect l="0" t="0" r="0" b="0"/>
             <a:pathLst>
-              <a:path extrusionOk="0" h="120000" w="120000">
+              <a:path w="120000" h="120000" extrusionOk="0">
                 <a:moveTo>
                   <a:pt x="0" y="0"/>
                 </a:moveTo>
@@ -1284,9 +1503,11 @@
       <p:sp>
         <p:nvSpPr>
           <p:cNvPr id="124" name="Shape 124"/>
-          <p:cNvSpPr txBox="1"/>
+          <p:cNvSpPr txBox="1">
+            <a:spLocks noGrp="1"/>
+          </p:cNvSpPr>
           <p:nvPr>
-            <p:ph idx="1" type="body"/>
+            <p:ph type="body" idx="1"/>
           </p:nvPr>
         </p:nvSpPr>
         <p:spPr>
@@ -1299,7 +1520,7 @@
           </a:prstGeom>
         </p:spPr>
         <p:txBody>
-          <a:bodyPr anchorCtr="0" anchor="t" bIns="91425" lIns="91425" rIns="91425" tIns="91425">
+          <a:bodyPr lIns="91425" tIns="91425" rIns="91425" bIns="91425" anchor="t" anchorCtr="0">
             <a:noAutofit/>
           </a:bodyPr>
           <a:lstStyle/>
@@ -1310,14 +1531,16 @@
               </a:spcBef>
               <a:buNone/>
             </a:pPr>
-            <a:r>
-              <a:t/>
-            </a:r>
             <a:endParaRPr/>
           </a:p>
         </p:txBody>
       </p:sp>
     </p:spTree>
+    <p:extLst>
+      <p:ext uri="{BB962C8B-B14F-4D97-AF65-F5344CB8AC3E}">
+        <p14:creationId xmlns:p14="http://schemas.microsoft.com/office/powerpoint/2010/main" val="2922828791"/>
+      </p:ext>
+    </p:extLst>
   </p:cSld>
   <p:clrMapOvr>
     <a:masterClrMapping/>
@@ -1326,11 +1549,11 @@
 </file>
 
 <file path=ppt/slideLayouts/slideLayout1.xml><?xml version="1.0" encoding="utf-8"?>
-<p:sldLayout xmlns:a="http://schemas.openxmlformats.org/drawingml/2006/main" xmlns:r="http://schemas.openxmlformats.org/officeDocument/2006/relationships" xmlns:mc="http://schemas.openxmlformats.org/markup-compatibility/2006" xmlns:mv="urn:schemas-microsoft-com:mac:vml" xmlns:p="http://schemas.openxmlformats.org/presentationml/2006/main" xmlns:c="http://schemas.openxmlformats.org/drawingml/2006/chart" xmlns:dgm="http://schemas.openxmlformats.org/drawingml/2006/diagram" xmlns:o="urn:schemas-microsoft-com:office:office" xmlns:v="urn:schemas-microsoft-com:vml" xmlns:pvml="urn:schemas-microsoft-com:office:powerpoint" xmlns:com="http://schemas.openxmlformats.org/drawingml/2006/compatibility" xmlns:p14="http://schemas.microsoft.com/office/powerpoint/2010/main" type="title">
+<p:sldLayout xmlns:a="http://schemas.openxmlformats.org/drawingml/2006/main" xmlns:r="http://schemas.openxmlformats.org/officeDocument/2006/relationships" xmlns:p="http://schemas.openxmlformats.org/presentationml/2006/main" type="title">
   <p:cSld name="Title slide">
     <p:spTree>
       <p:nvGrpSpPr>
-        <p:cNvPr id="9" name="Shape 9"/>
+        <p:cNvPr id="1" name="Shape 9"/>
         <p:cNvGrpSpPr/>
         <p:nvPr/>
       </p:nvGrpSpPr>
@@ -1345,7 +1568,9 @@
       <p:sp>
         <p:nvSpPr>
           <p:cNvPr id="10" name="Shape 10"/>
-          <p:cNvSpPr txBox="1"/>
+          <p:cNvSpPr txBox="1">
+            <a:spLocks noGrp="1"/>
+          </p:cNvSpPr>
           <p:nvPr>
             <p:ph type="ctrTitle"/>
           </p:nvPr>
@@ -1360,7 +1585,7 @@
           </a:prstGeom>
         </p:spPr>
         <p:txBody>
-          <a:bodyPr anchorCtr="0" anchor="b" bIns="91425" lIns="91425" rIns="91425" tIns="91425"/>
+          <a:bodyPr lIns="91425" tIns="91425" rIns="91425" bIns="91425" anchor="b" anchorCtr="0"/>
           <a:lstStyle>
             <a:lvl1pPr lvl="0" algn="ctr">
               <a:spcBef>
@@ -1426,15 +1651,19 @@
               <a:defRPr sz="5200"/>
             </a:lvl9pPr>
           </a:lstStyle>
-          <a:p/>
+          <a:p>
+            <a:endParaRPr/>
+          </a:p>
         </p:txBody>
       </p:sp>
       <p:sp>
         <p:nvSpPr>
           <p:cNvPr id="11" name="Shape 11"/>
-          <p:cNvSpPr txBox="1"/>
+          <p:cNvSpPr txBox="1">
+            <a:spLocks noGrp="1"/>
+          </p:cNvSpPr>
           <p:nvPr>
-            <p:ph idx="1" type="subTitle"/>
+            <p:ph type="subTitle" idx="1"/>
           </p:nvPr>
         </p:nvSpPr>
         <p:spPr>
@@ -1447,7 +1676,7 @@
           </a:prstGeom>
         </p:spPr>
         <p:txBody>
-          <a:bodyPr anchorCtr="0" anchor="t" bIns="91425" lIns="91425" rIns="91425" tIns="91425"/>
+          <a:bodyPr lIns="91425" tIns="91425" rIns="91425" bIns="91425" anchor="t" anchorCtr="0"/>
           <a:lstStyle>
             <a:lvl1pPr lvl="0" algn="ctr">
               <a:lnSpc>
@@ -1576,15 +1805,19 @@
               <a:defRPr sz="2800"/>
             </a:lvl9pPr>
           </a:lstStyle>
-          <a:p/>
+          <a:p>
+            <a:endParaRPr/>
+          </a:p>
         </p:txBody>
       </p:sp>
       <p:sp>
         <p:nvSpPr>
           <p:cNvPr id="12" name="Shape 12"/>
-          <p:cNvSpPr txBox="1"/>
+          <p:cNvSpPr txBox="1">
+            <a:spLocks noGrp="1"/>
+          </p:cNvSpPr>
           <p:nvPr>
-            <p:ph idx="12" type="sldNum"/>
+            <p:ph type="sldNum" idx="12"/>
           </p:nvPr>
         </p:nvSpPr>
         <p:spPr>
@@ -1597,7 +1830,7 @@
           </a:prstGeom>
         </p:spPr>
         <p:txBody>
-          <a:bodyPr anchorCtr="0" anchor="ctr" bIns="91425" lIns="91425" rIns="91425" tIns="91425">
+          <a:bodyPr lIns="91425" tIns="91425" rIns="91425" bIns="91425" anchor="ctr" anchorCtr="0">
             <a:noAutofit/>
           </a:bodyPr>
           <a:lstStyle/>
@@ -1612,6 +1845,7 @@
               <a:rPr lang="en"/>
               <a:t>‹#›</a:t>
             </a:fld>
+            <a:endParaRPr lang="en"/>
           </a:p>
         </p:txBody>
       </p:sp>
@@ -1624,11 +1858,11 @@
 </file>
 
 <file path=ppt/slideLayouts/slideLayout10.xml><?xml version="1.0" encoding="utf-8"?>
-<p:sldLayout xmlns:a="http://schemas.openxmlformats.org/drawingml/2006/main" xmlns:r="http://schemas.openxmlformats.org/officeDocument/2006/relationships" xmlns:mc="http://schemas.openxmlformats.org/markup-compatibility/2006" xmlns:mv="urn:schemas-microsoft-com:mac:vml" xmlns:p="http://schemas.openxmlformats.org/presentationml/2006/main" xmlns:c="http://schemas.openxmlformats.org/drawingml/2006/chart" xmlns:dgm="http://schemas.openxmlformats.org/drawingml/2006/diagram" xmlns:o="urn:schemas-microsoft-com:office:office" xmlns:v="urn:schemas-microsoft-com:vml" xmlns:pvml="urn:schemas-microsoft-com:office:powerpoint" xmlns:com="http://schemas.openxmlformats.org/drawingml/2006/compatibility" xmlns:p14="http://schemas.microsoft.com/office/powerpoint/2010/main">
+<p:sldLayout xmlns:a="http://schemas.openxmlformats.org/drawingml/2006/main" xmlns:r="http://schemas.openxmlformats.org/officeDocument/2006/relationships" xmlns:p="http://schemas.openxmlformats.org/presentationml/2006/main">
   <p:cSld name="Big number">
     <p:spTree>
       <p:nvGrpSpPr>
-        <p:cNvPr id="44" name="Shape 44"/>
+        <p:cNvPr id="1" name="Shape 44"/>
         <p:cNvGrpSpPr/>
         <p:nvPr/>
       </p:nvGrpSpPr>
@@ -1643,7 +1877,9 @@
       <p:sp>
         <p:nvSpPr>
           <p:cNvPr id="45" name="Shape 45"/>
-          <p:cNvSpPr txBox="1"/>
+          <p:cNvSpPr txBox="1">
+            <a:spLocks noGrp="1"/>
+          </p:cNvSpPr>
           <p:nvPr>
             <p:ph type="title"/>
           </p:nvPr>
@@ -1658,7 +1894,7 @@
           </a:prstGeom>
         </p:spPr>
         <p:txBody>
-          <a:bodyPr anchorCtr="0" anchor="b" bIns="91425" lIns="91425" rIns="91425" tIns="91425"/>
+          <a:bodyPr lIns="91425" tIns="91425" rIns="91425" bIns="91425" anchor="b" anchorCtr="0"/>
           <a:lstStyle>
             <a:lvl1pPr lvl="0" algn="ctr">
               <a:spcBef>
@@ -1724,15 +1960,19 @@
               <a:defRPr sz="12000"/>
             </a:lvl9pPr>
           </a:lstStyle>
-          <a:p/>
+          <a:p>
+            <a:endParaRPr/>
+          </a:p>
         </p:txBody>
       </p:sp>
       <p:sp>
         <p:nvSpPr>
           <p:cNvPr id="46" name="Shape 46"/>
-          <p:cNvSpPr txBox="1"/>
+          <p:cNvSpPr txBox="1">
+            <a:spLocks noGrp="1"/>
+          </p:cNvSpPr>
           <p:nvPr>
-            <p:ph idx="1" type="body"/>
+            <p:ph type="body" idx="1"/>
           </p:nvPr>
         </p:nvSpPr>
         <p:spPr>
@@ -1745,7 +1985,7 @@
           </a:prstGeom>
         </p:spPr>
         <p:txBody>
-          <a:bodyPr anchorCtr="0" anchor="t" bIns="91425" lIns="91425" rIns="91425" tIns="91425"/>
+          <a:bodyPr lIns="91425" tIns="91425" rIns="91425" bIns="91425" anchor="t" anchorCtr="0"/>
           <a:lstStyle>
             <a:lvl1pPr lvl="0" algn="ctr">
               <a:spcBef>
@@ -1802,15 +2042,19 @@
               <a:defRPr/>
             </a:lvl9pPr>
           </a:lstStyle>
-          <a:p/>
+          <a:p>
+            <a:endParaRPr/>
+          </a:p>
         </p:txBody>
       </p:sp>
       <p:sp>
         <p:nvSpPr>
           <p:cNvPr id="47" name="Shape 47"/>
-          <p:cNvSpPr txBox="1"/>
+          <p:cNvSpPr txBox="1">
+            <a:spLocks noGrp="1"/>
+          </p:cNvSpPr>
           <p:nvPr>
-            <p:ph idx="12" type="sldNum"/>
+            <p:ph type="sldNum" idx="12"/>
           </p:nvPr>
         </p:nvSpPr>
         <p:spPr>
@@ -1823,7 +2067,7 @@
           </a:prstGeom>
         </p:spPr>
         <p:txBody>
-          <a:bodyPr anchorCtr="0" anchor="ctr" bIns="91425" lIns="91425" rIns="91425" tIns="91425">
+          <a:bodyPr lIns="91425" tIns="91425" rIns="91425" bIns="91425" anchor="ctr" anchorCtr="0">
             <a:noAutofit/>
           </a:bodyPr>
           <a:lstStyle/>
@@ -1838,6 +2082,7 @@
               <a:rPr lang="en"/>
               <a:t>‹#›</a:t>
             </a:fld>
+            <a:endParaRPr lang="en"/>
           </a:p>
         </p:txBody>
       </p:sp>
@@ -1850,11 +2095,11 @@
 </file>
 
 <file path=ppt/slideLayouts/slideLayout11.xml><?xml version="1.0" encoding="utf-8"?>
-<p:sldLayout xmlns:a="http://schemas.openxmlformats.org/drawingml/2006/main" xmlns:r="http://schemas.openxmlformats.org/officeDocument/2006/relationships" xmlns:mc="http://schemas.openxmlformats.org/markup-compatibility/2006" xmlns:mv="urn:schemas-microsoft-com:mac:vml" xmlns:p="http://schemas.openxmlformats.org/presentationml/2006/main" xmlns:c="http://schemas.openxmlformats.org/drawingml/2006/chart" xmlns:dgm="http://schemas.openxmlformats.org/drawingml/2006/diagram" xmlns:o="urn:schemas-microsoft-com:office:office" xmlns:v="urn:schemas-microsoft-com:vml" xmlns:pvml="urn:schemas-microsoft-com:office:powerpoint" xmlns:com="http://schemas.openxmlformats.org/drawingml/2006/compatibility" xmlns:p14="http://schemas.microsoft.com/office/powerpoint/2010/main" type="blank">
+<p:sldLayout xmlns:a="http://schemas.openxmlformats.org/drawingml/2006/main" xmlns:r="http://schemas.openxmlformats.org/officeDocument/2006/relationships" xmlns:p="http://schemas.openxmlformats.org/presentationml/2006/main" type="blank">
   <p:cSld name="Blank">
     <p:spTree>
       <p:nvGrpSpPr>
-        <p:cNvPr id="48" name="Shape 48"/>
+        <p:cNvPr id="1" name="Shape 48"/>
         <p:cNvGrpSpPr/>
         <p:nvPr/>
       </p:nvGrpSpPr>
@@ -1869,9 +2114,11 @@
       <p:sp>
         <p:nvSpPr>
           <p:cNvPr id="49" name="Shape 49"/>
-          <p:cNvSpPr txBox="1"/>
+          <p:cNvSpPr txBox="1">
+            <a:spLocks noGrp="1"/>
+          </p:cNvSpPr>
           <p:nvPr>
-            <p:ph idx="12" type="sldNum"/>
+            <p:ph type="sldNum" idx="12"/>
           </p:nvPr>
         </p:nvSpPr>
         <p:spPr>
@@ -1884,7 +2131,7 @@
           </a:prstGeom>
         </p:spPr>
         <p:txBody>
-          <a:bodyPr anchorCtr="0" anchor="ctr" bIns="91425" lIns="91425" rIns="91425" tIns="91425">
+          <a:bodyPr lIns="91425" tIns="91425" rIns="91425" bIns="91425" anchor="ctr" anchorCtr="0">
             <a:noAutofit/>
           </a:bodyPr>
           <a:lstStyle/>
@@ -1899,6 +2146,7 @@
               <a:rPr lang="en"/>
               <a:t>‹#›</a:t>
             </a:fld>
+            <a:endParaRPr lang="en"/>
           </a:p>
         </p:txBody>
       </p:sp>
@@ -1911,11 +2159,11 @@
 </file>
 
 <file path=ppt/slideLayouts/slideLayout2.xml><?xml version="1.0" encoding="utf-8"?>
-<p:sldLayout xmlns:a="http://schemas.openxmlformats.org/drawingml/2006/main" xmlns:r="http://schemas.openxmlformats.org/officeDocument/2006/relationships" xmlns:mc="http://schemas.openxmlformats.org/markup-compatibility/2006" xmlns:mv="urn:schemas-microsoft-com:mac:vml" xmlns:p="http://schemas.openxmlformats.org/presentationml/2006/main" xmlns:c="http://schemas.openxmlformats.org/drawingml/2006/chart" xmlns:dgm="http://schemas.openxmlformats.org/drawingml/2006/diagram" xmlns:o="urn:schemas-microsoft-com:office:office" xmlns:v="urn:schemas-microsoft-com:vml" xmlns:pvml="urn:schemas-microsoft-com:office:powerpoint" xmlns:com="http://schemas.openxmlformats.org/drawingml/2006/compatibility" xmlns:p14="http://schemas.microsoft.com/office/powerpoint/2010/main" type="secHead">
+<p:sldLayout xmlns:a="http://schemas.openxmlformats.org/drawingml/2006/main" xmlns:r="http://schemas.openxmlformats.org/officeDocument/2006/relationships" xmlns:p="http://schemas.openxmlformats.org/presentationml/2006/main" type="secHead">
   <p:cSld name="Section header">
     <p:spTree>
       <p:nvGrpSpPr>
-        <p:cNvPr id="13" name="Shape 13"/>
+        <p:cNvPr id="1" name="Shape 13"/>
         <p:cNvGrpSpPr/>
         <p:nvPr/>
       </p:nvGrpSpPr>
@@ -1930,7 +2178,9 @@
       <p:sp>
         <p:nvSpPr>
           <p:cNvPr id="14" name="Shape 14"/>
-          <p:cNvSpPr txBox="1"/>
+          <p:cNvSpPr txBox="1">
+            <a:spLocks noGrp="1"/>
+          </p:cNvSpPr>
           <p:nvPr>
             <p:ph type="title"/>
           </p:nvPr>
@@ -1945,7 +2195,7 @@
           </a:prstGeom>
         </p:spPr>
         <p:txBody>
-          <a:bodyPr anchorCtr="0" anchor="ctr" bIns="91425" lIns="91425" rIns="91425" tIns="91425"/>
+          <a:bodyPr lIns="91425" tIns="91425" rIns="91425" bIns="91425" anchor="ctr" anchorCtr="0"/>
           <a:lstStyle>
             <a:lvl1pPr lvl="0" algn="ctr">
               <a:spcBef>
@@ -2011,15 +2261,19 @@
               <a:defRPr sz="3600"/>
             </a:lvl9pPr>
           </a:lstStyle>
-          <a:p/>
+          <a:p>
+            <a:endParaRPr/>
+          </a:p>
         </p:txBody>
       </p:sp>
       <p:sp>
         <p:nvSpPr>
           <p:cNvPr id="15" name="Shape 15"/>
-          <p:cNvSpPr txBox="1"/>
+          <p:cNvSpPr txBox="1">
+            <a:spLocks noGrp="1"/>
+          </p:cNvSpPr>
           <p:nvPr>
-            <p:ph idx="12" type="sldNum"/>
+            <p:ph type="sldNum" idx="12"/>
           </p:nvPr>
         </p:nvSpPr>
         <p:spPr>
@@ -2032,7 +2286,7 @@
           </a:prstGeom>
         </p:spPr>
         <p:txBody>
-          <a:bodyPr anchorCtr="0" anchor="ctr" bIns="91425" lIns="91425" rIns="91425" tIns="91425">
+          <a:bodyPr lIns="91425" tIns="91425" rIns="91425" bIns="91425" anchor="ctr" anchorCtr="0">
             <a:noAutofit/>
           </a:bodyPr>
           <a:lstStyle/>
@@ -2047,6 +2301,7 @@
               <a:rPr lang="en"/>
               <a:t>‹#›</a:t>
             </a:fld>
+            <a:endParaRPr lang="en"/>
           </a:p>
         </p:txBody>
       </p:sp>
@@ -2059,11 +2314,11 @@
 </file>
 
 <file path=ppt/slideLayouts/slideLayout3.xml><?xml version="1.0" encoding="utf-8"?>
-<p:sldLayout xmlns:a="http://schemas.openxmlformats.org/drawingml/2006/main" xmlns:r="http://schemas.openxmlformats.org/officeDocument/2006/relationships" xmlns:mc="http://schemas.openxmlformats.org/markup-compatibility/2006" xmlns:mv="urn:schemas-microsoft-com:mac:vml" xmlns:p="http://schemas.openxmlformats.org/presentationml/2006/main" xmlns:c="http://schemas.openxmlformats.org/drawingml/2006/chart" xmlns:dgm="http://schemas.openxmlformats.org/drawingml/2006/diagram" xmlns:o="urn:schemas-microsoft-com:office:office" xmlns:v="urn:schemas-microsoft-com:vml" xmlns:pvml="urn:schemas-microsoft-com:office:powerpoint" xmlns:com="http://schemas.openxmlformats.org/drawingml/2006/compatibility" xmlns:p14="http://schemas.microsoft.com/office/powerpoint/2010/main" type="tx">
+<p:sldLayout xmlns:a="http://schemas.openxmlformats.org/drawingml/2006/main" xmlns:r="http://schemas.openxmlformats.org/officeDocument/2006/relationships" xmlns:p="http://schemas.openxmlformats.org/presentationml/2006/main" type="tx">
   <p:cSld name="Title and body">
     <p:spTree>
       <p:nvGrpSpPr>
-        <p:cNvPr id="16" name="Shape 16"/>
+        <p:cNvPr id="1" name="Shape 16"/>
         <p:cNvGrpSpPr/>
         <p:nvPr/>
       </p:nvGrpSpPr>
@@ -2078,7 +2333,9 @@
       <p:sp>
         <p:nvSpPr>
           <p:cNvPr id="17" name="Shape 17"/>
-          <p:cNvSpPr txBox="1"/>
+          <p:cNvSpPr txBox="1">
+            <a:spLocks noGrp="1"/>
+          </p:cNvSpPr>
           <p:nvPr>
             <p:ph type="title"/>
           </p:nvPr>
@@ -2093,7 +2350,7 @@
           </a:prstGeom>
         </p:spPr>
         <p:txBody>
-          <a:bodyPr anchorCtr="0" anchor="t" bIns="91425" lIns="91425" rIns="91425" tIns="91425"/>
+          <a:bodyPr lIns="91425" tIns="91425" rIns="91425" bIns="91425" anchor="t" anchorCtr="0"/>
           <a:lstStyle>
             <a:lvl1pPr lvl="0">
               <a:spcBef>
@@ -2150,15 +2407,19 @@
               <a:defRPr/>
             </a:lvl9pPr>
           </a:lstStyle>
-          <a:p/>
+          <a:p>
+            <a:endParaRPr/>
+          </a:p>
         </p:txBody>
       </p:sp>
       <p:sp>
         <p:nvSpPr>
           <p:cNvPr id="18" name="Shape 18"/>
-          <p:cNvSpPr txBox="1"/>
+          <p:cNvSpPr txBox="1">
+            <a:spLocks noGrp="1"/>
+          </p:cNvSpPr>
           <p:nvPr>
-            <p:ph idx="1" type="body"/>
+            <p:ph type="body" idx="1"/>
           </p:nvPr>
         </p:nvSpPr>
         <p:spPr>
@@ -2171,7 +2432,7 @@
           </a:prstGeom>
         </p:spPr>
         <p:txBody>
-          <a:bodyPr anchorCtr="0" anchor="t" bIns="91425" lIns="91425" rIns="91425" tIns="91425"/>
+          <a:bodyPr lIns="91425" tIns="91425" rIns="91425" bIns="91425" anchor="t" anchorCtr="0"/>
           <a:lstStyle>
             <a:lvl1pPr lvl="0">
               <a:spcBef>
@@ -2228,15 +2489,19 @@
               <a:defRPr/>
             </a:lvl9pPr>
           </a:lstStyle>
-          <a:p/>
+          <a:p>
+            <a:endParaRPr/>
+          </a:p>
         </p:txBody>
       </p:sp>
       <p:sp>
         <p:nvSpPr>
           <p:cNvPr id="19" name="Shape 19"/>
-          <p:cNvSpPr txBox="1"/>
+          <p:cNvSpPr txBox="1">
+            <a:spLocks noGrp="1"/>
+          </p:cNvSpPr>
           <p:nvPr>
-            <p:ph idx="12" type="sldNum"/>
+            <p:ph type="sldNum" idx="12"/>
           </p:nvPr>
         </p:nvSpPr>
         <p:spPr>
@@ -2249,7 +2514,7 @@
           </a:prstGeom>
         </p:spPr>
         <p:txBody>
-          <a:bodyPr anchorCtr="0" anchor="ctr" bIns="91425" lIns="91425" rIns="91425" tIns="91425">
+          <a:bodyPr lIns="91425" tIns="91425" rIns="91425" bIns="91425" anchor="ctr" anchorCtr="0">
             <a:noAutofit/>
           </a:bodyPr>
           <a:lstStyle/>
@@ -2264,6 +2529,7 @@
               <a:rPr lang="en"/>
               <a:t>‹#›</a:t>
             </a:fld>
+            <a:endParaRPr lang="en"/>
           </a:p>
         </p:txBody>
       </p:sp>
@@ -2276,11 +2542,11 @@
 </file>
 
 <file path=ppt/slideLayouts/slideLayout4.xml><?xml version="1.0" encoding="utf-8"?>
-<p:sldLayout xmlns:a="http://schemas.openxmlformats.org/drawingml/2006/main" xmlns:r="http://schemas.openxmlformats.org/officeDocument/2006/relationships" xmlns:mc="http://schemas.openxmlformats.org/markup-compatibility/2006" xmlns:mv="urn:schemas-microsoft-com:mac:vml" xmlns:p="http://schemas.openxmlformats.org/presentationml/2006/main" xmlns:c="http://schemas.openxmlformats.org/drawingml/2006/chart" xmlns:dgm="http://schemas.openxmlformats.org/drawingml/2006/diagram" xmlns:o="urn:schemas-microsoft-com:office:office" xmlns:v="urn:schemas-microsoft-com:vml" xmlns:pvml="urn:schemas-microsoft-com:office:powerpoint" xmlns:com="http://schemas.openxmlformats.org/drawingml/2006/compatibility" xmlns:p14="http://schemas.microsoft.com/office/powerpoint/2010/main" type="twoColTx">
+<p:sldLayout xmlns:a="http://schemas.openxmlformats.org/drawingml/2006/main" xmlns:r="http://schemas.openxmlformats.org/officeDocument/2006/relationships" xmlns:p="http://schemas.openxmlformats.org/presentationml/2006/main" type="twoColTx">
   <p:cSld name="Title and two columns">
     <p:spTree>
       <p:nvGrpSpPr>
-        <p:cNvPr id="20" name="Shape 20"/>
+        <p:cNvPr id="1" name="Shape 20"/>
         <p:cNvGrpSpPr/>
         <p:nvPr/>
       </p:nvGrpSpPr>
@@ -2295,7 +2561,9 @@
       <p:sp>
         <p:nvSpPr>
           <p:cNvPr id="21" name="Shape 21"/>
-          <p:cNvSpPr txBox="1"/>
+          <p:cNvSpPr txBox="1">
+            <a:spLocks noGrp="1"/>
+          </p:cNvSpPr>
           <p:nvPr>
             <p:ph type="title"/>
           </p:nvPr>
@@ -2310,7 +2578,7 @@
           </a:prstGeom>
         </p:spPr>
         <p:txBody>
-          <a:bodyPr anchorCtr="0" anchor="t" bIns="91425" lIns="91425" rIns="91425" tIns="91425"/>
+          <a:bodyPr lIns="91425" tIns="91425" rIns="91425" bIns="91425" anchor="t" anchorCtr="0"/>
           <a:lstStyle>
             <a:lvl1pPr lvl="0" algn="ctr">
               <a:spcBef>
@@ -2371,15 +2639,19 @@
               <a:defRPr/>
             </a:lvl9pPr>
           </a:lstStyle>
-          <a:p/>
+          <a:p>
+            <a:endParaRPr/>
+          </a:p>
         </p:txBody>
       </p:sp>
       <p:sp>
         <p:nvSpPr>
           <p:cNvPr id="22" name="Shape 22"/>
-          <p:cNvSpPr txBox="1"/>
+          <p:cNvSpPr txBox="1">
+            <a:spLocks noGrp="1"/>
+          </p:cNvSpPr>
           <p:nvPr>
-            <p:ph idx="1" type="body"/>
+            <p:ph type="body" idx="1"/>
           </p:nvPr>
         </p:nvSpPr>
         <p:spPr>
@@ -2392,7 +2664,7 @@
           </a:prstGeom>
         </p:spPr>
         <p:txBody>
-          <a:bodyPr anchorCtr="0" anchor="t" bIns="91425" lIns="91425" rIns="91425" tIns="91425"/>
+          <a:bodyPr lIns="91425" tIns="91425" rIns="91425" bIns="91425" anchor="t" anchorCtr="0"/>
           <a:lstStyle>
             <a:lvl1pPr lvl="0">
               <a:spcBef>
@@ -2458,15 +2730,19 @@
               <a:defRPr sz="1200"/>
             </a:lvl9pPr>
           </a:lstStyle>
-          <a:p/>
+          <a:p>
+            <a:endParaRPr/>
+          </a:p>
         </p:txBody>
       </p:sp>
       <p:sp>
         <p:nvSpPr>
           <p:cNvPr id="23" name="Shape 23"/>
-          <p:cNvSpPr txBox="1"/>
+          <p:cNvSpPr txBox="1">
+            <a:spLocks noGrp="1"/>
+          </p:cNvSpPr>
           <p:nvPr>
-            <p:ph idx="2" type="body"/>
+            <p:ph type="body" idx="2"/>
           </p:nvPr>
         </p:nvSpPr>
         <p:spPr>
@@ -2479,7 +2755,7 @@
           </a:prstGeom>
         </p:spPr>
         <p:txBody>
-          <a:bodyPr anchorCtr="0" anchor="t" bIns="91425" lIns="91425" rIns="91425" tIns="91425"/>
+          <a:bodyPr lIns="91425" tIns="91425" rIns="91425" bIns="91425" anchor="t" anchorCtr="0"/>
           <a:lstStyle>
             <a:lvl1pPr lvl="0">
               <a:spcBef>
@@ -2545,15 +2821,19 @@
               <a:defRPr sz="1200"/>
             </a:lvl9pPr>
           </a:lstStyle>
-          <a:p/>
+          <a:p>
+            <a:endParaRPr/>
+          </a:p>
         </p:txBody>
       </p:sp>
       <p:sp>
         <p:nvSpPr>
           <p:cNvPr id="24" name="Shape 24"/>
-          <p:cNvSpPr txBox="1"/>
+          <p:cNvSpPr txBox="1">
+            <a:spLocks noGrp="1"/>
+          </p:cNvSpPr>
           <p:nvPr>
-            <p:ph idx="12" type="sldNum"/>
+            <p:ph type="sldNum" idx="12"/>
           </p:nvPr>
         </p:nvSpPr>
         <p:spPr>
@@ -2566,7 +2846,7 @@
           </a:prstGeom>
         </p:spPr>
         <p:txBody>
-          <a:bodyPr anchorCtr="0" anchor="ctr" bIns="91425" lIns="91425" rIns="91425" tIns="91425">
+          <a:bodyPr lIns="91425" tIns="91425" rIns="91425" bIns="91425" anchor="ctr" anchorCtr="0">
             <a:noAutofit/>
           </a:bodyPr>
           <a:lstStyle/>
@@ -2581,6 +2861,7 @@
               <a:rPr lang="en"/>
               <a:t>‹#›</a:t>
             </a:fld>
+            <a:endParaRPr lang="en"/>
           </a:p>
         </p:txBody>
       </p:sp>
@@ -2593,11 +2874,11 @@
 </file>
 
 <file path=ppt/slideLayouts/slideLayout5.xml><?xml version="1.0" encoding="utf-8"?>
-<p:sldLayout xmlns:a="http://schemas.openxmlformats.org/drawingml/2006/main" xmlns:r="http://schemas.openxmlformats.org/officeDocument/2006/relationships" xmlns:mc="http://schemas.openxmlformats.org/markup-compatibility/2006" xmlns:mv="urn:schemas-microsoft-com:mac:vml" xmlns:p="http://schemas.openxmlformats.org/presentationml/2006/main" xmlns:c="http://schemas.openxmlformats.org/drawingml/2006/chart" xmlns:dgm="http://schemas.openxmlformats.org/drawingml/2006/diagram" xmlns:o="urn:schemas-microsoft-com:office:office" xmlns:v="urn:schemas-microsoft-com:vml" xmlns:pvml="urn:schemas-microsoft-com:office:powerpoint" xmlns:com="http://schemas.openxmlformats.org/drawingml/2006/compatibility" xmlns:p14="http://schemas.microsoft.com/office/powerpoint/2010/main" type="titleOnly">
+<p:sldLayout xmlns:a="http://schemas.openxmlformats.org/drawingml/2006/main" xmlns:r="http://schemas.openxmlformats.org/officeDocument/2006/relationships" xmlns:p="http://schemas.openxmlformats.org/presentationml/2006/main" type="titleOnly">
   <p:cSld name="Title only">
     <p:spTree>
       <p:nvGrpSpPr>
-        <p:cNvPr id="25" name="Shape 25"/>
+        <p:cNvPr id="1" name="Shape 25"/>
         <p:cNvGrpSpPr/>
         <p:nvPr/>
       </p:nvGrpSpPr>
@@ -2612,7 +2893,9 @@
       <p:sp>
         <p:nvSpPr>
           <p:cNvPr id="26" name="Shape 26"/>
-          <p:cNvSpPr txBox="1"/>
+          <p:cNvSpPr txBox="1">
+            <a:spLocks noGrp="1"/>
+          </p:cNvSpPr>
           <p:nvPr>
             <p:ph type="title"/>
           </p:nvPr>
@@ -2627,7 +2910,7 @@
           </a:prstGeom>
         </p:spPr>
         <p:txBody>
-          <a:bodyPr anchorCtr="0" anchor="t" bIns="91425" lIns="91425" rIns="91425" tIns="91425"/>
+          <a:bodyPr lIns="91425" tIns="91425" rIns="91425" bIns="91425" anchor="t" anchorCtr="0"/>
           <a:lstStyle>
             <a:lvl1pPr lvl="0">
               <a:spcBef>
@@ -2684,15 +2967,19 @@
               <a:defRPr/>
             </a:lvl9pPr>
           </a:lstStyle>
-          <a:p/>
+          <a:p>
+            <a:endParaRPr/>
+          </a:p>
         </p:txBody>
       </p:sp>
       <p:sp>
         <p:nvSpPr>
           <p:cNvPr id="27" name="Shape 27"/>
-          <p:cNvSpPr txBox="1"/>
+          <p:cNvSpPr txBox="1">
+            <a:spLocks noGrp="1"/>
+          </p:cNvSpPr>
           <p:nvPr>
-            <p:ph idx="12" type="sldNum"/>
+            <p:ph type="sldNum" idx="12"/>
           </p:nvPr>
         </p:nvSpPr>
         <p:spPr>
@@ -2705,7 +2992,7 @@
           </a:prstGeom>
         </p:spPr>
         <p:txBody>
-          <a:bodyPr anchorCtr="0" anchor="ctr" bIns="91425" lIns="91425" rIns="91425" tIns="91425">
+          <a:bodyPr lIns="91425" tIns="91425" rIns="91425" bIns="91425" anchor="ctr" anchorCtr="0">
             <a:noAutofit/>
           </a:bodyPr>
           <a:lstStyle/>
@@ -2720,6 +3007,7 @@
               <a:rPr lang="en"/>
               <a:t>‹#›</a:t>
             </a:fld>
+            <a:endParaRPr lang="en"/>
           </a:p>
         </p:txBody>
       </p:sp>
@@ -2732,11 +3020,11 @@
 </file>
 
 <file path=ppt/slideLayouts/slideLayout6.xml><?xml version="1.0" encoding="utf-8"?>
-<p:sldLayout xmlns:a="http://schemas.openxmlformats.org/drawingml/2006/main" xmlns:r="http://schemas.openxmlformats.org/officeDocument/2006/relationships" xmlns:mc="http://schemas.openxmlformats.org/markup-compatibility/2006" xmlns:mv="urn:schemas-microsoft-com:mac:vml" xmlns:p="http://schemas.openxmlformats.org/presentationml/2006/main" xmlns:c="http://schemas.openxmlformats.org/drawingml/2006/chart" xmlns:dgm="http://schemas.openxmlformats.org/drawingml/2006/diagram" xmlns:o="urn:schemas-microsoft-com:office:office" xmlns:v="urn:schemas-microsoft-com:vml" xmlns:pvml="urn:schemas-microsoft-com:office:powerpoint" xmlns:com="http://schemas.openxmlformats.org/drawingml/2006/compatibility" xmlns:p14="http://schemas.microsoft.com/office/powerpoint/2010/main">
+<p:sldLayout xmlns:a="http://schemas.openxmlformats.org/drawingml/2006/main" xmlns:r="http://schemas.openxmlformats.org/officeDocument/2006/relationships" xmlns:p="http://schemas.openxmlformats.org/presentationml/2006/main">
   <p:cSld name="One column text">
     <p:spTree>
       <p:nvGrpSpPr>
-        <p:cNvPr id="28" name="Shape 28"/>
+        <p:cNvPr id="1" name="Shape 28"/>
         <p:cNvGrpSpPr/>
         <p:nvPr/>
       </p:nvGrpSpPr>
@@ -2751,7 +3039,9 @@
       <p:sp>
         <p:nvSpPr>
           <p:cNvPr id="29" name="Shape 29"/>
-          <p:cNvSpPr txBox="1"/>
+          <p:cNvSpPr txBox="1">
+            <a:spLocks noGrp="1"/>
+          </p:cNvSpPr>
           <p:nvPr>
             <p:ph type="title"/>
           </p:nvPr>
@@ -2766,7 +3056,7 @@
           </a:prstGeom>
         </p:spPr>
         <p:txBody>
-          <a:bodyPr anchorCtr="0" anchor="b" bIns="91425" lIns="91425" rIns="91425" tIns="91425"/>
+          <a:bodyPr lIns="91425" tIns="91425" rIns="91425" bIns="91425" anchor="b" anchorCtr="0"/>
           <a:lstStyle>
             <a:lvl1pPr lvl="0">
               <a:spcBef>
@@ -2832,15 +3122,19 @@
               <a:defRPr sz="2400"/>
             </a:lvl9pPr>
           </a:lstStyle>
-          <a:p/>
+          <a:p>
+            <a:endParaRPr/>
+          </a:p>
         </p:txBody>
       </p:sp>
       <p:sp>
         <p:nvSpPr>
           <p:cNvPr id="30" name="Shape 30"/>
-          <p:cNvSpPr txBox="1"/>
+          <p:cNvSpPr txBox="1">
+            <a:spLocks noGrp="1"/>
+          </p:cNvSpPr>
           <p:nvPr>
-            <p:ph idx="1" type="body"/>
+            <p:ph type="body" idx="1"/>
           </p:nvPr>
         </p:nvSpPr>
         <p:spPr>
@@ -2853,7 +3147,7 @@
           </a:prstGeom>
         </p:spPr>
         <p:txBody>
-          <a:bodyPr anchorCtr="0" anchor="t" bIns="91425" lIns="91425" rIns="91425" tIns="91425"/>
+          <a:bodyPr lIns="91425" tIns="91425" rIns="91425" bIns="91425" anchor="t" anchorCtr="0"/>
           <a:lstStyle>
             <a:lvl1pPr lvl="0">
               <a:spcBef>
@@ -2919,15 +3213,19 @@
               <a:defRPr sz="1200"/>
             </a:lvl9pPr>
           </a:lstStyle>
-          <a:p/>
+          <a:p>
+            <a:endParaRPr/>
+          </a:p>
         </p:txBody>
       </p:sp>
       <p:sp>
         <p:nvSpPr>
           <p:cNvPr id="31" name="Shape 31"/>
-          <p:cNvSpPr txBox="1"/>
+          <p:cNvSpPr txBox="1">
+            <a:spLocks noGrp="1"/>
+          </p:cNvSpPr>
           <p:nvPr>
-            <p:ph idx="12" type="sldNum"/>
+            <p:ph type="sldNum" idx="12"/>
           </p:nvPr>
         </p:nvSpPr>
         <p:spPr>
@@ -2940,7 +3238,7 @@
           </a:prstGeom>
         </p:spPr>
         <p:txBody>
-          <a:bodyPr anchorCtr="0" anchor="ctr" bIns="91425" lIns="91425" rIns="91425" tIns="91425">
+          <a:bodyPr lIns="91425" tIns="91425" rIns="91425" bIns="91425" anchor="ctr" anchorCtr="0">
             <a:noAutofit/>
           </a:bodyPr>
           <a:lstStyle/>
@@ -2955,6 +3253,7 @@
               <a:rPr lang="en"/>
               <a:t>‹#›</a:t>
             </a:fld>
+            <a:endParaRPr lang="en"/>
           </a:p>
         </p:txBody>
       </p:sp>
@@ -2967,11 +3266,11 @@
 </file>
 
 <file path=ppt/slideLayouts/slideLayout7.xml><?xml version="1.0" encoding="utf-8"?>
-<p:sldLayout xmlns:a="http://schemas.openxmlformats.org/drawingml/2006/main" xmlns:r="http://schemas.openxmlformats.org/officeDocument/2006/relationships" xmlns:mc="http://schemas.openxmlformats.org/markup-compatibility/2006" xmlns:mv="urn:schemas-microsoft-com:mac:vml" xmlns:p="http://schemas.openxmlformats.org/presentationml/2006/main" xmlns:c="http://schemas.openxmlformats.org/drawingml/2006/chart" xmlns:dgm="http://schemas.openxmlformats.org/drawingml/2006/diagram" xmlns:o="urn:schemas-microsoft-com:office:office" xmlns:v="urn:schemas-microsoft-com:vml" xmlns:pvml="urn:schemas-microsoft-com:office:powerpoint" xmlns:com="http://schemas.openxmlformats.org/drawingml/2006/compatibility" xmlns:p14="http://schemas.microsoft.com/office/powerpoint/2010/main">
+<p:sldLayout xmlns:a="http://schemas.openxmlformats.org/drawingml/2006/main" xmlns:r="http://schemas.openxmlformats.org/officeDocument/2006/relationships" xmlns:p="http://schemas.openxmlformats.org/presentationml/2006/main">
   <p:cSld name="Main point">
     <p:spTree>
       <p:nvGrpSpPr>
-        <p:cNvPr id="32" name="Shape 32"/>
+        <p:cNvPr id="1" name="Shape 32"/>
         <p:cNvGrpSpPr/>
         <p:nvPr/>
       </p:nvGrpSpPr>
@@ -2986,7 +3285,9 @@
       <p:sp>
         <p:nvSpPr>
           <p:cNvPr id="33" name="Shape 33"/>
-          <p:cNvSpPr txBox="1"/>
+          <p:cNvSpPr txBox="1">
+            <a:spLocks noGrp="1"/>
+          </p:cNvSpPr>
           <p:nvPr>
             <p:ph type="title"/>
           </p:nvPr>
@@ -3001,7 +3302,7 @@
           </a:prstGeom>
         </p:spPr>
         <p:txBody>
-          <a:bodyPr anchorCtr="0" anchor="ctr" bIns="91425" lIns="91425" rIns="91425" tIns="91425"/>
+          <a:bodyPr lIns="91425" tIns="91425" rIns="91425" bIns="91425" anchor="ctr" anchorCtr="0"/>
           <a:lstStyle>
             <a:lvl1pPr lvl="0">
               <a:spcBef>
@@ -3067,15 +3368,19 @@
               <a:defRPr sz="4800"/>
             </a:lvl9pPr>
           </a:lstStyle>
-          <a:p/>
+          <a:p>
+            <a:endParaRPr/>
+          </a:p>
         </p:txBody>
       </p:sp>
       <p:sp>
         <p:nvSpPr>
           <p:cNvPr id="34" name="Shape 34"/>
-          <p:cNvSpPr txBox="1"/>
+          <p:cNvSpPr txBox="1">
+            <a:spLocks noGrp="1"/>
+          </p:cNvSpPr>
           <p:nvPr>
-            <p:ph idx="12" type="sldNum"/>
+            <p:ph type="sldNum" idx="12"/>
           </p:nvPr>
         </p:nvSpPr>
         <p:spPr>
@@ -3088,7 +3393,7 @@
           </a:prstGeom>
         </p:spPr>
         <p:txBody>
-          <a:bodyPr anchorCtr="0" anchor="ctr" bIns="91425" lIns="91425" rIns="91425" tIns="91425">
+          <a:bodyPr lIns="91425" tIns="91425" rIns="91425" bIns="91425" anchor="ctr" anchorCtr="0">
             <a:noAutofit/>
           </a:bodyPr>
           <a:lstStyle/>
@@ -3103,6 +3408,7 @@
               <a:rPr lang="en"/>
               <a:t>‹#›</a:t>
             </a:fld>
+            <a:endParaRPr lang="en"/>
           </a:p>
         </p:txBody>
       </p:sp>
@@ -3115,11 +3421,11 @@
 </file>
 
 <file path=ppt/slideLayouts/slideLayout8.xml><?xml version="1.0" encoding="utf-8"?>
-<p:sldLayout xmlns:a="http://schemas.openxmlformats.org/drawingml/2006/main" xmlns:r="http://schemas.openxmlformats.org/officeDocument/2006/relationships" xmlns:mc="http://schemas.openxmlformats.org/markup-compatibility/2006" xmlns:mv="urn:schemas-microsoft-com:mac:vml" xmlns:p="http://schemas.openxmlformats.org/presentationml/2006/main" xmlns:c="http://schemas.openxmlformats.org/drawingml/2006/chart" xmlns:dgm="http://schemas.openxmlformats.org/drawingml/2006/diagram" xmlns:o="urn:schemas-microsoft-com:office:office" xmlns:v="urn:schemas-microsoft-com:vml" xmlns:pvml="urn:schemas-microsoft-com:office:powerpoint" xmlns:com="http://schemas.openxmlformats.org/drawingml/2006/compatibility" xmlns:p14="http://schemas.microsoft.com/office/powerpoint/2010/main">
+<p:sldLayout xmlns:a="http://schemas.openxmlformats.org/drawingml/2006/main" xmlns:r="http://schemas.openxmlformats.org/officeDocument/2006/relationships" xmlns:p="http://schemas.openxmlformats.org/presentationml/2006/main">
   <p:cSld name="Section title and description">
     <p:spTree>
       <p:nvGrpSpPr>
-        <p:cNvPr id="35" name="Shape 35"/>
+        <p:cNvPr id="1" name="Shape 35"/>
         <p:cNvGrpSpPr/>
         <p:nvPr/>
       </p:nvGrpSpPr>
@@ -3153,7 +3459,7 @@
           </a:ln>
         </p:spPr>
         <p:txBody>
-          <a:bodyPr anchorCtr="0" anchor="ctr" bIns="91425" lIns="91425" rIns="91425" tIns="91425">
+          <a:bodyPr lIns="91425" tIns="91425" rIns="91425" bIns="91425" anchor="ctr" anchorCtr="0">
             <a:noAutofit/>
           </a:bodyPr>
           <a:lstStyle/>
@@ -3164,9 +3470,6 @@
               </a:spcBef>
               <a:buNone/>
             </a:pPr>
-            <a:r>
-              <a:t/>
-            </a:r>
             <a:endParaRPr/>
           </a:p>
         </p:txBody>
@@ -3174,7 +3477,9 @@
       <p:sp>
         <p:nvSpPr>
           <p:cNvPr id="37" name="Shape 37"/>
-          <p:cNvSpPr txBox="1"/>
+          <p:cNvSpPr txBox="1">
+            <a:spLocks noGrp="1"/>
+          </p:cNvSpPr>
           <p:nvPr>
             <p:ph type="title"/>
           </p:nvPr>
@@ -3189,7 +3494,7 @@
           </a:prstGeom>
         </p:spPr>
         <p:txBody>
-          <a:bodyPr anchorCtr="0" anchor="b" bIns="91425" lIns="91425" rIns="91425" tIns="91425"/>
+          <a:bodyPr lIns="91425" tIns="91425" rIns="91425" bIns="91425" anchor="b" anchorCtr="0"/>
           <a:lstStyle>
             <a:lvl1pPr lvl="0" algn="ctr">
               <a:spcBef>
@@ -3255,15 +3560,19 @@
               <a:defRPr sz="4200"/>
             </a:lvl9pPr>
           </a:lstStyle>
-          <a:p/>
+          <a:p>
+            <a:endParaRPr/>
+          </a:p>
         </p:txBody>
       </p:sp>
       <p:sp>
         <p:nvSpPr>
           <p:cNvPr id="38" name="Shape 38"/>
-          <p:cNvSpPr txBox="1"/>
+          <p:cNvSpPr txBox="1">
+            <a:spLocks noGrp="1"/>
+          </p:cNvSpPr>
           <p:nvPr>
-            <p:ph idx="1" type="subTitle"/>
+            <p:ph type="subTitle" idx="1"/>
           </p:nvPr>
         </p:nvSpPr>
         <p:spPr>
@@ -3276,7 +3585,7 @@
           </a:prstGeom>
         </p:spPr>
         <p:txBody>
-          <a:bodyPr anchorCtr="0" anchor="t" bIns="91425" lIns="91425" rIns="91425" tIns="91425"/>
+          <a:bodyPr lIns="91425" tIns="91425" rIns="91425" bIns="91425" anchor="t" anchorCtr="0"/>
           <a:lstStyle>
             <a:lvl1pPr lvl="0" algn="ctr">
               <a:lnSpc>
@@ -3405,15 +3714,19 @@
               <a:defRPr sz="2100"/>
             </a:lvl9pPr>
           </a:lstStyle>
-          <a:p/>
+          <a:p>
+            <a:endParaRPr/>
+          </a:p>
         </p:txBody>
       </p:sp>
       <p:sp>
         <p:nvSpPr>
           <p:cNvPr id="39" name="Shape 39"/>
-          <p:cNvSpPr txBox="1"/>
+          <p:cNvSpPr txBox="1">
+            <a:spLocks noGrp="1"/>
+          </p:cNvSpPr>
           <p:nvPr>
-            <p:ph idx="2" type="body"/>
+            <p:ph type="body" idx="2"/>
           </p:nvPr>
         </p:nvSpPr>
         <p:spPr>
@@ -3426,7 +3739,7 @@
           </a:prstGeom>
         </p:spPr>
         <p:txBody>
-          <a:bodyPr anchorCtr="0" anchor="ctr" bIns="91425" lIns="91425" rIns="91425" tIns="91425"/>
+          <a:bodyPr lIns="91425" tIns="91425" rIns="91425" bIns="91425" anchor="ctr" anchorCtr="0"/>
           <a:lstStyle>
             <a:lvl1pPr lvl="0">
               <a:spcBef>
@@ -3546,15 +3859,19 @@
               </a:defRPr>
             </a:lvl9pPr>
           </a:lstStyle>
-          <a:p/>
+          <a:p>
+            <a:endParaRPr/>
+          </a:p>
         </p:txBody>
       </p:sp>
       <p:sp>
         <p:nvSpPr>
           <p:cNvPr id="40" name="Shape 40"/>
-          <p:cNvSpPr txBox="1"/>
+          <p:cNvSpPr txBox="1">
+            <a:spLocks noGrp="1"/>
+          </p:cNvSpPr>
           <p:nvPr>
-            <p:ph idx="12" type="sldNum"/>
+            <p:ph type="sldNum" idx="12"/>
           </p:nvPr>
         </p:nvSpPr>
         <p:spPr>
@@ -3567,7 +3884,7 @@
           </a:prstGeom>
         </p:spPr>
         <p:txBody>
-          <a:bodyPr anchorCtr="0" anchor="ctr" bIns="91425" lIns="91425" rIns="91425" tIns="91425">
+          <a:bodyPr lIns="91425" tIns="91425" rIns="91425" bIns="91425" anchor="ctr" anchorCtr="0">
             <a:noAutofit/>
           </a:bodyPr>
           <a:lstStyle/>
@@ -3582,6 +3899,7 @@
               <a:rPr lang="en"/>
               <a:t>‹#›</a:t>
             </a:fld>
+            <a:endParaRPr lang="en"/>
           </a:p>
         </p:txBody>
       </p:sp>
@@ -3594,11 +3912,11 @@
 </file>
 
 <file path=ppt/slideLayouts/slideLayout9.xml><?xml version="1.0" encoding="utf-8"?>
-<p:sldLayout xmlns:a="http://schemas.openxmlformats.org/drawingml/2006/main" xmlns:r="http://schemas.openxmlformats.org/officeDocument/2006/relationships" xmlns:mc="http://schemas.openxmlformats.org/markup-compatibility/2006" xmlns:mv="urn:schemas-microsoft-com:mac:vml" xmlns:p="http://schemas.openxmlformats.org/presentationml/2006/main" xmlns:c="http://schemas.openxmlformats.org/drawingml/2006/chart" xmlns:dgm="http://schemas.openxmlformats.org/drawingml/2006/diagram" xmlns:o="urn:schemas-microsoft-com:office:office" xmlns:v="urn:schemas-microsoft-com:vml" xmlns:pvml="urn:schemas-microsoft-com:office:powerpoint" xmlns:com="http://schemas.openxmlformats.org/drawingml/2006/compatibility" xmlns:p14="http://schemas.microsoft.com/office/powerpoint/2010/main">
+<p:sldLayout xmlns:a="http://schemas.openxmlformats.org/drawingml/2006/main" xmlns:r="http://schemas.openxmlformats.org/officeDocument/2006/relationships" xmlns:p="http://schemas.openxmlformats.org/presentationml/2006/main">
   <p:cSld name="Caption">
     <p:spTree>
       <p:nvGrpSpPr>
-        <p:cNvPr id="41" name="Shape 41"/>
+        <p:cNvPr id="1" name="Shape 41"/>
         <p:cNvGrpSpPr/>
         <p:nvPr/>
       </p:nvGrpSpPr>
@@ -3613,9 +3931,11 @@
       <p:sp>
         <p:nvSpPr>
           <p:cNvPr id="42" name="Shape 42"/>
-          <p:cNvSpPr txBox="1"/>
+          <p:cNvSpPr txBox="1">
+            <a:spLocks noGrp="1"/>
+          </p:cNvSpPr>
           <p:nvPr>
-            <p:ph idx="1" type="body"/>
+            <p:ph type="body" idx="1"/>
           </p:nvPr>
         </p:nvSpPr>
         <p:spPr>
@@ -3628,7 +3948,7 @@
           </a:prstGeom>
         </p:spPr>
         <p:txBody>
-          <a:bodyPr anchorCtr="0" anchor="ctr" bIns="91425" lIns="91425" rIns="91425" tIns="91425"/>
+          <a:bodyPr lIns="91425" tIns="91425" rIns="91425" bIns="91425" anchor="ctr" anchorCtr="0"/>
           <a:lstStyle>
             <a:lvl1pPr lvl="0">
               <a:lnSpc>
@@ -3644,15 +3964,19 @@
               <a:defRPr/>
             </a:lvl1pPr>
           </a:lstStyle>
-          <a:p/>
+          <a:p>
+            <a:endParaRPr/>
+          </a:p>
         </p:txBody>
       </p:sp>
       <p:sp>
         <p:nvSpPr>
           <p:cNvPr id="43" name="Shape 43"/>
-          <p:cNvSpPr txBox="1"/>
+          <p:cNvSpPr txBox="1">
+            <a:spLocks noGrp="1"/>
+          </p:cNvSpPr>
           <p:nvPr>
-            <p:ph idx="12" type="sldNum"/>
+            <p:ph type="sldNum" idx="12"/>
           </p:nvPr>
         </p:nvSpPr>
         <p:spPr>
@@ -3665,7 +3989,7 @@
           </a:prstGeom>
         </p:spPr>
         <p:txBody>
-          <a:bodyPr anchorCtr="0" anchor="ctr" bIns="91425" lIns="91425" rIns="91425" tIns="91425">
+          <a:bodyPr lIns="91425" tIns="91425" rIns="91425" bIns="91425" anchor="ctr" anchorCtr="0">
             <a:noAutofit/>
           </a:bodyPr>
           <a:lstStyle/>
@@ -3680,6 +4004,7 @@
               <a:rPr lang="en"/>
               <a:t>‹#›</a:t>
             </a:fld>
+            <a:endParaRPr lang="en"/>
           </a:p>
         </p:txBody>
       </p:sp>
@@ -3692,18 +4017,19 @@
 </file>
 
 <file path=ppt/slideMasters/slideMaster1.xml><?xml version="1.0" encoding="utf-8"?>
-<p:sldMaster xmlns:a="http://schemas.openxmlformats.org/drawingml/2006/main" xmlns:r="http://schemas.openxmlformats.org/officeDocument/2006/relationships" xmlns:mc="http://schemas.openxmlformats.org/markup-compatibility/2006" xmlns:mv="urn:schemas-microsoft-com:mac:vml" xmlns:p="http://schemas.openxmlformats.org/presentationml/2006/main" xmlns:c="http://schemas.openxmlformats.org/drawingml/2006/chart" xmlns:dgm="http://schemas.openxmlformats.org/drawingml/2006/diagram" xmlns:o="urn:schemas-microsoft-com:office:office" xmlns:v="urn:schemas-microsoft-com:vml" xmlns:pvml="urn:schemas-microsoft-com:office:powerpoint" xmlns:com="http://schemas.openxmlformats.org/drawingml/2006/compatibility" xmlns:p14="http://schemas.microsoft.com/office/powerpoint/2010/main">
+<p:sldMaster xmlns:a="http://schemas.openxmlformats.org/drawingml/2006/main" xmlns:r="http://schemas.openxmlformats.org/officeDocument/2006/relationships" xmlns:p="http://schemas.openxmlformats.org/presentationml/2006/main">
   <p:cSld>
     <p:bg>
       <p:bgPr>
         <a:solidFill>
           <a:schemeClr val="lt1"/>
         </a:solidFill>
+        <a:effectLst/>
       </p:bgPr>
     </p:bg>
     <p:spTree>
       <p:nvGrpSpPr>
-        <p:cNvPr id="5" name="Shape 5"/>
+        <p:cNvPr id="1" name="Shape 5"/>
         <p:cNvGrpSpPr/>
         <p:nvPr/>
       </p:nvGrpSpPr>
@@ -3718,7 +4044,9 @@
       <p:sp>
         <p:nvSpPr>
           <p:cNvPr id="6" name="Shape 6"/>
-          <p:cNvSpPr txBox="1"/>
+          <p:cNvSpPr txBox="1">
+            <a:spLocks noGrp="1"/>
+          </p:cNvSpPr>
           <p:nvPr>
             <p:ph type="title"/>
           </p:nvPr>
@@ -3737,7 +4065,7 @@
           </a:ln>
         </p:spPr>
         <p:txBody>
-          <a:bodyPr anchorCtr="0" anchor="t" bIns="91425" lIns="91425" rIns="91425" tIns="91425"/>
+          <a:bodyPr lIns="91425" tIns="91425" rIns="91425" bIns="91425" anchor="t" anchorCtr="0"/>
           <a:lstStyle>
             <a:lvl1pPr lvl="0">
               <a:spcBef>
@@ -3875,15 +4203,19 @@
               </a:defRPr>
             </a:lvl9pPr>
           </a:lstStyle>
-          <a:p/>
+          <a:p>
+            <a:endParaRPr/>
+          </a:p>
         </p:txBody>
       </p:sp>
       <p:sp>
         <p:nvSpPr>
           <p:cNvPr id="7" name="Shape 7"/>
-          <p:cNvSpPr txBox="1"/>
+          <p:cNvSpPr txBox="1">
+            <a:spLocks noGrp="1"/>
+          </p:cNvSpPr>
           <p:nvPr>
-            <p:ph idx="1" type="body"/>
+            <p:ph type="body" idx="1"/>
           </p:nvPr>
         </p:nvSpPr>
         <p:spPr>
@@ -3900,7 +4232,7 @@
           </a:ln>
         </p:spPr>
         <p:txBody>
-          <a:bodyPr anchorCtr="0" anchor="t" bIns="91425" lIns="91425" rIns="91425" tIns="91425"/>
+          <a:bodyPr lIns="91425" tIns="91425" rIns="91425" bIns="91425" anchor="t" anchorCtr="0"/>
           <a:lstStyle>
             <a:lvl1pPr lvl="0">
               <a:lnSpc>
@@ -4075,15 +4407,19 @@
               </a:defRPr>
             </a:lvl9pPr>
           </a:lstStyle>
-          <a:p/>
+          <a:p>
+            <a:endParaRPr/>
+          </a:p>
         </p:txBody>
       </p:sp>
       <p:sp>
         <p:nvSpPr>
           <p:cNvPr id="8" name="Shape 8"/>
-          <p:cNvSpPr txBox="1"/>
+          <p:cNvSpPr txBox="1">
+            <a:spLocks noGrp="1"/>
+          </p:cNvSpPr>
           <p:nvPr>
-            <p:ph idx="12" type="sldNum"/>
+            <p:ph type="sldNum" idx="12"/>
           </p:nvPr>
         </p:nvSpPr>
         <p:spPr>
@@ -4100,7 +4436,7 @@
           </a:ln>
         </p:spPr>
         <p:txBody>
-          <a:bodyPr anchorCtr="0" anchor="ctr" bIns="91425" lIns="91425" rIns="91425" tIns="91425">
+          <a:bodyPr lIns="91425" tIns="91425" rIns="91425" bIns="91425" anchor="ctr" anchorCtr="0">
             <a:noAutofit/>
           </a:bodyPr>
           <a:lstStyle/>
@@ -4119,12 +4455,17 @@
               </a:rPr>
               <a:t>‹#›</a:t>
             </a:fld>
+            <a:endParaRPr lang="en" sz="1000">
+              <a:solidFill>
+                <a:schemeClr val="lt2"/>
+              </a:solidFill>
+            </a:endParaRPr>
           </a:p>
         </p:txBody>
       </p:sp>
     </p:spTree>
   </p:cSld>
-  <p:clrMap accent1="accent1" accent2="accent2" accent3="accent3" accent4="accent4" accent5="accent5" accent6="accent6" bg1="lt1" bg2="dk2" tx1="dk1" tx2="lt2" folHlink="folHlink" hlink="hlink"/>
+  <p:clrMap bg1="lt1" tx1="dk1" bg2="dk2" tx2="lt2" accent1="accent1" accent2="accent2" accent3="accent3" accent4="accent4" accent5="accent5" accent6="accent6" hlink="hlink" folHlink="folHlink"/>
   <p:sldLayoutIdLst>
     <p:sldLayoutId id="2147483648" r:id="rId1"/>
     <p:sldLayoutId id="2147483649" r:id="rId2"/>
@@ -4138,10 +4479,10 @@
     <p:sldLayoutId id="2147483657" r:id="rId10"/>
     <p:sldLayoutId id="2147483658" r:id="rId11"/>
   </p:sldLayoutIdLst>
-  <p:hf dt="0" ftr="0" hdr="0" sldNum="0"/>
+  <p:hf sldNum="0" hdr="0" ftr="0" dt="0"/>
   <p:txStyles>
     <p:titleStyle>
-      <a:defPPr lvl="0" marR="0" rtl="0" algn="l">
+      <a:defPPr marR="0" lvl="0" algn="l" rtl="0">
         <a:lnSpc>
           <a:spcPct val="100000"/>
         </a:lnSpc>
@@ -4152,7 +4493,7 @@
           <a:spcPts val="0"/>
         </a:spcAft>
       </a:defPPr>
-      <a:lvl1pPr lvl="0" marR="0" rtl="0" algn="l">
+      <a:lvl1pPr marR="0" lvl="0" algn="l" rtl="0">
         <a:lnSpc>
           <a:spcPct val="100000"/>
         </a:lnSpc>
@@ -4163,7 +4504,7 @@
           <a:spcPts val="0"/>
         </a:spcAft>
         <a:buNone/>
-        <a:defRPr b="0" i="0" sz="1400" u="none" cap="none" strike="noStrike">
+        <a:defRPr sz="1400" b="0" i="0" u="none" strike="noStrike" cap="none">
           <a:solidFill>
             <a:srgbClr val="000000"/>
           </a:solidFill>
@@ -4175,7 +4516,7 @@
       </a:lvl1pPr>
     </p:titleStyle>
     <p:bodyStyle>
-      <a:defPPr lvl="0" marR="0" rtl="0" algn="l">
+      <a:defPPr marR="0" lvl="0" algn="l" rtl="0">
         <a:lnSpc>
           <a:spcPct val="100000"/>
         </a:lnSpc>
@@ -4186,7 +4527,7 @@
           <a:spcPts val="0"/>
         </a:spcAft>
       </a:defPPr>
-      <a:lvl1pPr lvl="0" marR="0" rtl="0" algn="l">
+      <a:lvl1pPr marR="0" lvl="0" algn="l" rtl="0">
         <a:lnSpc>
           <a:spcPct val="100000"/>
         </a:lnSpc>
@@ -4197,7 +4538,7 @@
           <a:spcPts val="0"/>
         </a:spcAft>
         <a:buNone/>
-        <a:defRPr b="0" i="0" sz="1400" u="none" cap="none" strike="noStrike">
+        <a:defRPr sz="1400" b="0" i="0" u="none" strike="noStrike" cap="none">
           <a:solidFill>
             <a:srgbClr val="000000"/>
           </a:solidFill>
@@ -4207,7 +4548,7 @@
           <a:sym typeface="Arial"/>
         </a:defRPr>
       </a:lvl1pPr>
-      <a:lvl2pPr lvl="1" marR="0" rtl="0" algn="l">
+      <a:lvl2pPr marR="0" lvl="1" algn="l" rtl="0">
         <a:lnSpc>
           <a:spcPct val="100000"/>
         </a:lnSpc>
@@ -4218,7 +4559,7 @@
           <a:spcPts val="0"/>
         </a:spcAft>
         <a:buNone/>
-        <a:defRPr b="0" i="0" sz="1400" u="none" cap="none" strike="noStrike">
+        <a:defRPr sz="1400" b="0" i="0" u="none" strike="noStrike" cap="none">
           <a:solidFill>
             <a:srgbClr val="000000"/>
           </a:solidFill>
@@ -4228,7 +4569,7 @@
           <a:sym typeface="Arial"/>
         </a:defRPr>
       </a:lvl2pPr>
-      <a:lvl3pPr lvl="2" marR="0" rtl="0" algn="l">
+      <a:lvl3pPr marR="0" lvl="2" algn="l" rtl="0">
         <a:lnSpc>
           <a:spcPct val="100000"/>
         </a:lnSpc>
@@ -4239,7 +4580,7 @@
           <a:spcPts val="0"/>
         </a:spcAft>
         <a:buNone/>
-        <a:defRPr b="0" i="0" sz="1400" u="none" cap="none" strike="noStrike">
+        <a:defRPr sz="1400" b="0" i="0" u="none" strike="noStrike" cap="none">
           <a:solidFill>
             <a:srgbClr val="000000"/>
           </a:solidFill>
@@ -4249,7 +4590,7 @@
           <a:sym typeface="Arial"/>
         </a:defRPr>
       </a:lvl3pPr>
-      <a:lvl4pPr lvl="3" marR="0" rtl="0" algn="l">
+      <a:lvl4pPr marR="0" lvl="3" algn="l" rtl="0">
         <a:lnSpc>
           <a:spcPct val="100000"/>
         </a:lnSpc>
@@ -4260,7 +4601,7 @@
           <a:spcPts val="0"/>
         </a:spcAft>
         <a:buNone/>
-        <a:defRPr b="0" i="0" sz="1400" u="none" cap="none" strike="noStrike">
+        <a:defRPr sz="1400" b="0" i="0" u="none" strike="noStrike" cap="none">
           <a:solidFill>
             <a:srgbClr val="000000"/>
           </a:solidFill>
@@ -4270,7 +4611,7 @@
           <a:sym typeface="Arial"/>
         </a:defRPr>
       </a:lvl4pPr>
-      <a:lvl5pPr lvl="4" marR="0" rtl="0" algn="l">
+      <a:lvl5pPr marR="0" lvl="4" algn="l" rtl="0">
         <a:lnSpc>
           <a:spcPct val="100000"/>
         </a:lnSpc>
@@ -4281,7 +4622,7 @@
           <a:spcPts val="0"/>
         </a:spcAft>
         <a:buNone/>
-        <a:defRPr b="0" i="0" sz="1400" u="none" cap="none" strike="noStrike">
+        <a:defRPr sz="1400" b="0" i="0" u="none" strike="noStrike" cap="none">
           <a:solidFill>
             <a:srgbClr val="000000"/>
           </a:solidFill>
@@ -4291,7 +4632,7 @@
           <a:sym typeface="Arial"/>
         </a:defRPr>
       </a:lvl5pPr>
-      <a:lvl6pPr lvl="5" marR="0" rtl="0" algn="l">
+      <a:lvl6pPr marR="0" lvl="5" algn="l" rtl="0">
         <a:lnSpc>
           <a:spcPct val="100000"/>
         </a:lnSpc>
@@ -4302,7 +4643,7 @@
           <a:spcPts val="0"/>
         </a:spcAft>
         <a:buNone/>
-        <a:defRPr b="0" i="0" sz="1400" u="none" cap="none" strike="noStrike">
+        <a:defRPr sz="1400" b="0" i="0" u="none" strike="noStrike" cap="none">
           <a:solidFill>
             <a:srgbClr val="000000"/>
           </a:solidFill>
@@ -4312,7 +4653,7 @@
           <a:sym typeface="Arial"/>
         </a:defRPr>
       </a:lvl6pPr>
-      <a:lvl7pPr lvl="6" marR="0" rtl="0" algn="l">
+      <a:lvl7pPr marR="0" lvl="6" algn="l" rtl="0">
         <a:lnSpc>
           <a:spcPct val="100000"/>
         </a:lnSpc>
@@ -4323,7 +4664,7 @@
           <a:spcPts val="0"/>
         </a:spcAft>
         <a:buNone/>
-        <a:defRPr b="0" i="0" sz="1400" u="none" cap="none" strike="noStrike">
+        <a:defRPr sz="1400" b="0" i="0" u="none" strike="noStrike" cap="none">
           <a:solidFill>
             <a:srgbClr val="000000"/>
           </a:solidFill>
@@ -4333,7 +4674,7 @@
           <a:sym typeface="Arial"/>
         </a:defRPr>
       </a:lvl7pPr>
-      <a:lvl8pPr lvl="7" marR="0" rtl="0" algn="l">
+      <a:lvl8pPr marR="0" lvl="7" algn="l" rtl="0">
         <a:lnSpc>
           <a:spcPct val="100000"/>
         </a:lnSpc>
@@ -4344,7 +4685,7 @@
           <a:spcPts val="0"/>
         </a:spcAft>
         <a:buNone/>
-        <a:defRPr b="0" i="0" sz="1400" u="none" cap="none" strike="noStrike">
+        <a:defRPr sz="1400" b="0" i="0" u="none" strike="noStrike" cap="none">
           <a:solidFill>
             <a:srgbClr val="000000"/>
           </a:solidFill>
@@ -4354,7 +4695,7 @@
           <a:sym typeface="Arial"/>
         </a:defRPr>
       </a:lvl8pPr>
-      <a:lvl9pPr lvl="8" marR="0" rtl="0" algn="l">
+      <a:lvl9pPr marR="0" lvl="8" algn="l" rtl="0">
         <a:lnSpc>
           <a:spcPct val="100000"/>
         </a:lnSpc>
@@ -4365,7 +4706,7 @@
           <a:spcPts val="0"/>
         </a:spcAft>
         <a:buNone/>
-        <a:defRPr b="0" i="0" sz="1400" u="none" cap="none" strike="noStrike">
+        <a:defRPr sz="1400" b="0" i="0" u="none" strike="noStrike" cap="none">
           <a:solidFill>
             <a:srgbClr val="000000"/>
           </a:solidFill>
@@ -4377,7 +4718,7 @@
       </a:lvl9pPr>
     </p:bodyStyle>
     <p:otherStyle>
-      <a:defPPr lvl="0" marR="0" rtl="0" algn="l">
+      <a:defPPr marR="0" lvl="0" algn="l" rtl="0">
         <a:lnSpc>
           <a:spcPct val="100000"/>
         </a:lnSpc>
@@ -4388,7 +4729,7 @@
           <a:spcPts val="0"/>
         </a:spcAft>
       </a:defPPr>
-      <a:lvl1pPr lvl="0" marR="0" rtl="0" algn="l">
+      <a:lvl1pPr marR="0" lvl="0" algn="l" rtl="0">
         <a:lnSpc>
           <a:spcPct val="100000"/>
         </a:lnSpc>
@@ -4399,7 +4740,7 @@
           <a:spcPts val="0"/>
         </a:spcAft>
         <a:buNone/>
-        <a:defRPr b="0" i="0" sz="1400" u="none" cap="none" strike="noStrike">
+        <a:defRPr sz="1400" b="0" i="0" u="none" strike="noStrike" cap="none">
           <a:solidFill>
             <a:srgbClr val="000000"/>
           </a:solidFill>
@@ -4409,7 +4750,7 @@
           <a:sym typeface="Arial"/>
         </a:defRPr>
       </a:lvl1pPr>
-      <a:lvl2pPr lvl="1" marR="0" rtl="0" algn="l">
+      <a:lvl2pPr marR="0" lvl="1" algn="l" rtl="0">
         <a:lnSpc>
           <a:spcPct val="100000"/>
         </a:lnSpc>
@@ -4420,7 +4761,7 @@
           <a:spcPts val="0"/>
         </a:spcAft>
         <a:buNone/>
-        <a:defRPr b="0" i="0" sz="1400" u="none" cap="none" strike="noStrike">
+        <a:defRPr sz="1400" b="0" i="0" u="none" strike="noStrike" cap="none">
           <a:solidFill>
             <a:srgbClr val="000000"/>
           </a:solidFill>
@@ -4430,7 +4771,7 @@
           <a:sym typeface="Arial"/>
         </a:defRPr>
       </a:lvl2pPr>
-      <a:lvl3pPr lvl="2" marR="0" rtl="0" algn="l">
+      <a:lvl3pPr marR="0" lvl="2" algn="l" rtl="0">
         <a:lnSpc>
           <a:spcPct val="100000"/>
         </a:lnSpc>
@@ -4441,7 +4782,7 @@
           <a:spcPts val="0"/>
         </a:spcAft>
         <a:buNone/>
-        <a:defRPr b="0" i="0" sz="1400" u="none" cap="none" strike="noStrike">
+        <a:defRPr sz="1400" b="0" i="0" u="none" strike="noStrike" cap="none">
           <a:solidFill>
             <a:srgbClr val="000000"/>
           </a:solidFill>
@@ -4451,7 +4792,7 @@
           <a:sym typeface="Arial"/>
         </a:defRPr>
       </a:lvl3pPr>
-      <a:lvl4pPr lvl="3" marR="0" rtl="0" algn="l">
+      <a:lvl4pPr marR="0" lvl="3" algn="l" rtl="0">
         <a:lnSpc>
           <a:spcPct val="100000"/>
         </a:lnSpc>
@@ -4462,7 +4803,7 @@
           <a:spcPts val="0"/>
         </a:spcAft>
         <a:buNone/>
-        <a:defRPr b="0" i="0" sz="1400" u="none" cap="none" strike="noStrike">
+        <a:defRPr sz="1400" b="0" i="0" u="none" strike="noStrike" cap="none">
           <a:solidFill>
             <a:srgbClr val="000000"/>
           </a:solidFill>
@@ -4472,7 +4813,7 @@
           <a:sym typeface="Arial"/>
         </a:defRPr>
       </a:lvl4pPr>
-      <a:lvl5pPr lvl="4" marR="0" rtl="0" algn="l">
+      <a:lvl5pPr marR="0" lvl="4" algn="l" rtl="0">
         <a:lnSpc>
           <a:spcPct val="100000"/>
         </a:lnSpc>
@@ -4483,7 +4824,7 @@
           <a:spcPts val="0"/>
         </a:spcAft>
         <a:buNone/>
-        <a:defRPr b="0" i="0" sz="1400" u="none" cap="none" strike="noStrike">
+        <a:defRPr sz="1400" b="0" i="0" u="none" strike="noStrike" cap="none">
           <a:solidFill>
             <a:srgbClr val="000000"/>
           </a:solidFill>
@@ -4493,7 +4834,7 @@
           <a:sym typeface="Arial"/>
         </a:defRPr>
       </a:lvl5pPr>
-      <a:lvl6pPr lvl="5" marR="0" rtl="0" algn="l">
+      <a:lvl6pPr marR="0" lvl="5" algn="l" rtl="0">
         <a:lnSpc>
           <a:spcPct val="100000"/>
         </a:lnSpc>
@@ -4504,7 +4845,7 @@
           <a:spcPts val="0"/>
         </a:spcAft>
         <a:buNone/>
-        <a:defRPr b="0" i="0" sz="1400" u="none" cap="none" strike="noStrike">
+        <a:defRPr sz="1400" b="0" i="0" u="none" strike="noStrike" cap="none">
           <a:solidFill>
             <a:srgbClr val="000000"/>
           </a:solidFill>
@@ -4514,7 +4855,7 @@
           <a:sym typeface="Arial"/>
         </a:defRPr>
       </a:lvl6pPr>
-      <a:lvl7pPr lvl="6" marR="0" rtl="0" algn="l">
+      <a:lvl7pPr marR="0" lvl="6" algn="l" rtl="0">
         <a:lnSpc>
           <a:spcPct val="100000"/>
         </a:lnSpc>
@@ -4525,7 +4866,7 @@
           <a:spcPts val="0"/>
         </a:spcAft>
         <a:buNone/>
-        <a:defRPr b="0" i="0" sz="1400" u="none" cap="none" strike="noStrike">
+        <a:defRPr sz="1400" b="0" i="0" u="none" strike="noStrike" cap="none">
           <a:solidFill>
             <a:srgbClr val="000000"/>
           </a:solidFill>
@@ -4535,7 +4876,7 @@
           <a:sym typeface="Arial"/>
         </a:defRPr>
       </a:lvl7pPr>
-      <a:lvl8pPr lvl="7" marR="0" rtl="0" algn="l">
+      <a:lvl8pPr marR="0" lvl="7" algn="l" rtl="0">
         <a:lnSpc>
           <a:spcPct val="100000"/>
         </a:lnSpc>
@@ -4546,7 +4887,7 @@
           <a:spcPts val="0"/>
         </a:spcAft>
         <a:buNone/>
-        <a:defRPr b="0" i="0" sz="1400" u="none" cap="none" strike="noStrike">
+        <a:defRPr sz="1400" b="0" i="0" u="none" strike="noStrike" cap="none">
           <a:solidFill>
             <a:srgbClr val="000000"/>
           </a:solidFill>
@@ -4556,7 +4897,7 @@
           <a:sym typeface="Arial"/>
         </a:defRPr>
       </a:lvl8pPr>
-      <a:lvl9pPr lvl="8" marR="0" rtl="0" algn="l">
+      <a:lvl9pPr marR="0" lvl="8" algn="l" rtl="0">
         <a:lnSpc>
           <a:spcPct val="100000"/>
         </a:lnSpc>
@@ -4567,7 +4908,7 @@
           <a:spcPts val="0"/>
         </a:spcAft>
         <a:buNone/>
-        <a:defRPr b="0" i="0" sz="1400" u="none" cap="none" strike="noStrike">
+        <a:defRPr sz="1400" b="0" i="0" u="none" strike="noStrike" cap="none">
           <a:solidFill>
             <a:srgbClr val="000000"/>
           </a:solidFill>
@@ -4583,11 +4924,11 @@
 </file>
 
 <file path=ppt/slides/slide1.xml><?xml version="1.0" encoding="utf-8"?>
-<p:sld xmlns:a="http://schemas.openxmlformats.org/drawingml/2006/main" xmlns:r="http://schemas.openxmlformats.org/officeDocument/2006/relationships" xmlns:mc="http://schemas.openxmlformats.org/markup-compatibility/2006" xmlns:mv="urn:schemas-microsoft-com:mac:vml" xmlns:p="http://schemas.openxmlformats.org/presentationml/2006/main" xmlns:c="http://schemas.openxmlformats.org/drawingml/2006/chart" xmlns:dgm="http://schemas.openxmlformats.org/drawingml/2006/diagram" xmlns:o="urn:schemas-microsoft-com:office:office" xmlns:v="urn:schemas-microsoft-com:vml" xmlns:pvml="urn:schemas-microsoft-com:office:powerpoint" xmlns:com="http://schemas.openxmlformats.org/drawingml/2006/compatibility" xmlns:p14="http://schemas.microsoft.com/office/powerpoint/2010/main">
+<p:sld xmlns:a="http://schemas.openxmlformats.org/drawingml/2006/main" xmlns:r="http://schemas.openxmlformats.org/officeDocument/2006/relationships" xmlns:p="http://schemas.openxmlformats.org/presentationml/2006/main">
   <p:cSld>
     <p:spTree>
       <p:nvGrpSpPr>
-        <p:cNvPr id="53" name="Shape 53"/>
+        <p:cNvPr id="1" name="Shape 53"/>
         <p:cNvGrpSpPr/>
         <p:nvPr/>
       </p:nvGrpSpPr>
@@ -4602,7 +4943,9 @@
       <p:sp>
         <p:nvSpPr>
           <p:cNvPr id="54" name="Shape 54"/>
-          <p:cNvSpPr txBox="1"/>
+          <p:cNvSpPr txBox="1">
+            <a:spLocks noGrp="1"/>
+          </p:cNvSpPr>
           <p:nvPr>
             <p:ph type="ctrTitle"/>
           </p:nvPr>
@@ -4617,7 +4960,7 @@
           </a:prstGeom>
         </p:spPr>
         <p:txBody>
-          <a:bodyPr anchorCtr="0" anchor="b" bIns="91425" lIns="91425" rIns="91425" tIns="91425">
+          <a:bodyPr lIns="91425" tIns="91425" rIns="91425" bIns="91425" anchor="b" anchorCtr="0">
             <a:noAutofit/>
           </a:bodyPr>
           <a:lstStyle/>
@@ -4629,10 +4972,13 @@
               <a:buNone/>
             </a:pPr>
             <a:r>
-              <a:rPr lang="en">
+              <a:rPr lang="en" dirty="0">
                 <a:solidFill>
                   <a:srgbClr val="FF0000"/>
                 </a:solidFill>
+                <a:latin typeface="Droid Serif" panose="02020600060500020200" pitchFamily="18" charset="0"/>
+                <a:ea typeface="Droid Serif" panose="02020600060500020200" pitchFamily="18" charset="0"/>
+                <a:cs typeface="Droid Serif" panose="02020600060500020200" pitchFamily="18" charset="0"/>
               </a:rPr>
               <a:t>King Oak College</a:t>
             </a:r>
@@ -4642,9 +4988,11 @@
       <p:sp>
         <p:nvSpPr>
           <p:cNvPr id="55" name="Shape 55"/>
-          <p:cNvSpPr txBox="1"/>
+          <p:cNvSpPr txBox="1">
+            <a:spLocks noGrp="1"/>
+          </p:cNvSpPr>
           <p:nvPr>
-            <p:ph idx="1" type="subTitle"/>
+            <p:ph type="subTitle" idx="1"/>
           </p:nvPr>
         </p:nvSpPr>
         <p:spPr>
@@ -4657,7 +5005,7 @@
           </a:prstGeom>
         </p:spPr>
         <p:txBody>
-          <a:bodyPr anchorCtr="0" anchor="t" bIns="91425" lIns="91425" rIns="91425" tIns="91425">
+          <a:bodyPr lIns="91425" tIns="91425" rIns="91425" bIns="91425" anchor="t" anchorCtr="0">
             <a:noAutofit/>
           </a:bodyPr>
           <a:lstStyle/>
@@ -4669,10 +5017,11 @@
               <a:buNone/>
             </a:pPr>
             <a:r>
-              <a:rPr lang="en">
+              <a:rPr lang="en" dirty="0">
                 <a:solidFill>
                   <a:srgbClr val="F1C232"/>
                 </a:solidFill>
+                <a:latin typeface="Soria" pitchFamily="2" charset="0"/>
               </a:rPr>
               <a:t>R6S.com redesign</a:t>
             </a:r>
@@ -4691,11 +5040,11 @@
 </file>
 
 <file path=ppt/slides/slide10.xml><?xml version="1.0" encoding="utf-8"?>
-<p:sld xmlns:a="http://schemas.openxmlformats.org/drawingml/2006/main" xmlns:r="http://schemas.openxmlformats.org/officeDocument/2006/relationships" xmlns:mc="http://schemas.openxmlformats.org/markup-compatibility/2006" xmlns:mv="urn:schemas-microsoft-com:mac:vml" xmlns:p="http://schemas.openxmlformats.org/presentationml/2006/main" xmlns:c="http://schemas.openxmlformats.org/drawingml/2006/chart" xmlns:dgm="http://schemas.openxmlformats.org/drawingml/2006/diagram" xmlns:o="urn:schemas-microsoft-com:office:office" xmlns:v="urn:schemas-microsoft-com:vml" xmlns:pvml="urn:schemas-microsoft-com:office:powerpoint" xmlns:com="http://schemas.openxmlformats.org/drawingml/2006/compatibility" xmlns:p14="http://schemas.microsoft.com/office/powerpoint/2010/main">
+<p:sld xmlns:a="http://schemas.openxmlformats.org/drawingml/2006/main" xmlns:r="http://schemas.openxmlformats.org/officeDocument/2006/relationships" xmlns:p="http://schemas.openxmlformats.org/presentationml/2006/main">
   <p:cSld>
     <p:spTree>
       <p:nvGrpSpPr>
-        <p:cNvPr id="131" name="Shape 131"/>
+        <p:cNvPr id="1" name="Shape 131"/>
         <p:cNvGrpSpPr/>
         <p:nvPr/>
       </p:nvGrpSpPr>
@@ -4710,7 +5059,9 @@
       <p:sp>
         <p:nvSpPr>
           <p:cNvPr id="132" name="Shape 132"/>
-          <p:cNvSpPr txBox="1"/>
+          <p:cNvSpPr txBox="1">
+            <a:spLocks noGrp="1"/>
+          </p:cNvSpPr>
           <p:nvPr>
             <p:ph type="title"/>
           </p:nvPr>
@@ -4725,7 +5076,7 @@
           </a:prstGeom>
         </p:spPr>
         <p:txBody>
-          <a:bodyPr anchorCtr="0" anchor="t" bIns="91425" lIns="91425" rIns="91425" tIns="91425">
+          <a:bodyPr lIns="91425" tIns="91425" rIns="91425" bIns="91425" anchor="t" anchorCtr="0">
             <a:noAutofit/>
           </a:bodyPr>
           <a:lstStyle/>
@@ -4737,7 +5088,11 @@
               <a:buNone/>
             </a:pPr>
             <a:r>
-              <a:rPr lang="en"/>
+              <a:rPr lang="en" dirty="0">
+                <a:latin typeface="Droid Serif" panose="02020600060500020200" pitchFamily="18" charset="0"/>
+                <a:ea typeface="Droid Serif" panose="02020600060500020200" pitchFamily="18" charset="0"/>
+                <a:cs typeface="Droid Serif" panose="02020600060500020200" pitchFamily="18" charset="0"/>
+              </a:rPr>
               <a:t>Style Tile</a:t>
             </a:r>
           </a:p>
@@ -4755,11 +5110,11 @@
 </file>
 
 <file path=ppt/slides/slide2.xml><?xml version="1.0" encoding="utf-8"?>
-<p:sld xmlns:a="http://schemas.openxmlformats.org/drawingml/2006/main" xmlns:r="http://schemas.openxmlformats.org/officeDocument/2006/relationships" xmlns:mc="http://schemas.openxmlformats.org/markup-compatibility/2006" xmlns:mv="urn:schemas-microsoft-com:mac:vml" xmlns:p="http://schemas.openxmlformats.org/presentationml/2006/main" xmlns:c="http://schemas.openxmlformats.org/drawingml/2006/chart" xmlns:dgm="http://schemas.openxmlformats.org/drawingml/2006/diagram" xmlns:o="urn:schemas-microsoft-com:office:office" xmlns:v="urn:schemas-microsoft-com:vml" xmlns:pvml="urn:schemas-microsoft-com:office:powerpoint" xmlns:com="http://schemas.openxmlformats.org/drawingml/2006/compatibility" xmlns:p14="http://schemas.microsoft.com/office/powerpoint/2010/main">
+<p:sld xmlns:a="http://schemas.openxmlformats.org/drawingml/2006/main" xmlns:r="http://schemas.openxmlformats.org/officeDocument/2006/relationships" xmlns:p="http://schemas.openxmlformats.org/presentationml/2006/main">
   <p:cSld>
     <p:spTree>
       <p:nvGrpSpPr>
-        <p:cNvPr id="59" name="Shape 59"/>
+        <p:cNvPr id="1" name="Shape 59"/>
         <p:cNvGrpSpPr/>
         <p:nvPr/>
       </p:nvGrpSpPr>
@@ -4774,7 +5129,9 @@
       <p:sp>
         <p:nvSpPr>
           <p:cNvPr id="60" name="Shape 60"/>
-          <p:cNvSpPr txBox="1"/>
+          <p:cNvSpPr txBox="1">
+            <a:spLocks noGrp="1"/>
+          </p:cNvSpPr>
           <p:nvPr>
             <p:ph type="title"/>
           </p:nvPr>
@@ -4789,7 +5146,7 @@
           </a:prstGeom>
         </p:spPr>
         <p:txBody>
-          <a:bodyPr anchorCtr="0" anchor="t" bIns="91425" lIns="91425" rIns="91425" tIns="91425">
+          <a:bodyPr lIns="91425" tIns="91425" rIns="91425" bIns="91425" anchor="t" anchorCtr="0">
             <a:noAutofit/>
           </a:bodyPr>
           <a:lstStyle/>
@@ -4801,7 +5158,11 @@
               <a:buNone/>
             </a:pPr>
             <a:r>
-              <a:rPr lang="en"/>
+              <a:rPr lang="en" dirty="0">
+                <a:latin typeface="Droid Serif" panose="02020600060500020200" pitchFamily="18" charset="0"/>
+                <a:ea typeface="Droid Serif" panose="02020600060500020200" pitchFamily="18" charset="0"/>
+                <a:cs typeface="Droid Serif" panose="02020600060500020200" pitchFamily="18" charset="0"/>
+              </a:rPr>
               <a:t>Communication</a:t>
             </a:r>
           </a:p>
@@ -4830,14 +5191,14 @@
             <a:avLst/>
           </a:prstGeom>
           <a:noFill/>
-          <a:ln cap="flat" cmpd="sng" w="28575">
+          <a:ln w="28575" cap="flat" cmpd="sng">
             <a:solidFill>
               <a:srgbClr val="F1C232"/>
             </a:solidFill>
             <a:prstDash val="solid"/>
             <a:round/>
-            <a:headEnd len="med" w="med" type="none"/>
-            <a:tailEnd len="med" w="med" type="none"/>
+            <a:headEnd type="none" w="med" len="med"/>
+            <a:tailEnd type="none" w="med" len="med"/>
           </a:ln>
         </p:spPr>
       </p:pic>
@@ -4864,14 +5225,14 @@
             <a:avLst/>
           </a:prstGeom>
           <a:noFill/>
-          <a:ln cap="flat" cmpd="sng" w="28575">
+          <a:ln w="28575" cap="flat" cmpd="sng">
             <a:solidFill>
               <a:srgbClr val="F1C232"/>
             </a:solidFill>
             <a:prstDash val="solid"/>
             <a:round/>
-            <a:headEnd len="med" w="med" type="none"/>
-            <a:tailEnd len="med" w="med" type="none"/>
+            <a:headEnd type="none" w="med" len="med"/>
+            <a:tailEnd type="none" w="med" len="med"/>
           </a:ln>
         </p:spPr>
       </p:pic>
@@ -4895,7 +5256,7 @@
           </a:ln>
         </p:spPr>
         <p:txBody>
-          <a:bodyPr anchorCtr="0" anchor="t" bIns="91425" lIns="91425" rIns="91425" tIns="91425">
+          <a:bodyPr lIns="91425" tIns="91425" rIns="91425" bIns="91425" anchor="t" anchorCtr="0">
             <a:noAutofit/>
           </a:bodyPr>
           <a:lstStyle/>
@@ -4907,10 +5268,11 @@
               <a:buNone/>
             </a:pPr>
             <a:r>
-              <a:rPr lang="en" sz="2400">
+              <a:rPr lang="en" sz="2400" dirty="0">
                 <a:solidFill>
                   <a:srgbClr val="F1C232"/>
                 </a:solidFill>
+                <a:latin typeface="Soria" pitchFamily="2" charset="0"/>
               </a:rPr>
               <a:t>Slack</a:t>
             </a:r>
@@ -4937,7 +5299,7 @@
           </a:ln>
         </p:spPr>
         <p:txBody>
-          <a:bodyPr anchorCtr="0" anchor="t" bIns="91425" lIns="91425" rIns="91425" tIns="91425">
+          <a:bodyPr lIns="91425" tIns="91425" rIns="91425" bIns="91425" anchor="t" anchorCtr="0">
             <a:noAutofit/>
           </a:bodyPr>
           <a:lstStyle/>
@@ -4949,10 +5311,11 @@
               <a:buNone/>
             </a:pPr>
             <a:r>
-              <a:rPr lang="en" sz="2400">
+              <a:rPr lang="en" sz="2400" dirty="0">
                 <a:solidFill>
                   <a:srgbClr val="F1C232"/>
                 </a:solidFill>
+                <a:latin typeface="Soria" pitchFamily="2" charset="0"/>
               </a:rPr>
               <a:t>Trello</a:t>
             </a:r>
@@ -4971,11 +5334,11 @@
 </file>
 
 <file path=ppt/slides/slide3.xml><?xml version="1.0" encoding="utf-8"?>
-<p:sld xmlns:a="http://schemas.openxmlformats.org/drawingml/2006/main" xmlns:r="http://schemas.openxmlformats.org/officeDocument/2006/relationships" xmlns:mc="http://schemas.openxmlformats.org/markup-compatibility/2006" xmlns:mv="urn:schemas-microsoft-com:mac:vml" xmlns:p="http://schemas.openxmlformats.org/presentationml/2006/main" xmlns:c="http://schemas.openxmlformats.org/drawingml/2006/chart" xmlns:dgm="http://schemas.openxmlformats.org/drawingml/2006/diagram" xmlns:o="urn:schemas-microsoft-com:office:office" xmlns:v="urn:schemas-microsoft-com:vml" xmlns:pvml="urn:schemas-microsoft-com:office:powerpoint" xmlns:com="http://schemas.openxmlformats.org/drawingml/2006/compatibility" xmlns:p14="http://schemas.microsoft.com/office/powerpoint/2010/main">
+<p:sld xmlns:a="http://schemas.openxmlformats.org/drawingml/2006/main" xmlns:r="http://schemas.openxmlformats.org/officeDocument/2006/relationships" xmlns:p="http://schemas.openxmlformats.org/presentationml/2006/main">
   <p:cSld>
     <p:spTree>
       <p:nvGrpSpPr>
-        <p:cNvPr id="68" name="Shape 68"/>
+        <p:cNvPr id="1" name="Shape 68"/>
         <p:cNvGrpSpPr/>
         <p:nvPr/>
       </p:nvGrpSpPr>
@@ -4990,7 +5353,9 @@
       <p:sp>
         <p:nvSpPr>
           <p:cNvPr id="69" name="Shape 69"/>
-          <p:cNvSpPr txBox="1"/>
+          <p:cNvSpPr txBox="1">
+            <a:spLocks noGrp="1"/>
+          </p:cNvSpPr>
           <p:nvPr>
             <p:ph type="title"/>
           </p:nvPr>
@@ -5005,7 +5370,7 @@
           </a:prstGeom>
         </p:spPr>
         <p:txBody>
-          <a:bodyPr anchorCtr="0" anchor="t" bIns="91425" lIns="91425" rIns="91425" tIns="91425">
+          <a:bodyPr lIns="91425" tIns="91425" rIns="91425" bIns="91425" anchor="t" anchorCtr="0">
             <a:noAutofit/>
           </a:bodyPr>
           <a:lstStyle/>
@@ -5017,21 +5382,26 @@
               <a:buNone/>
             </a:pPr>
             <a:r>
-              <a:rPr lang="en"/>
+              <a:rPr lang="en" dirty="0">
+                <a:latin typeface="Droid Serif" panose="02020600060500020200" pitchFamily="18" charset="0"/>
+                <a:ea typeface="Droid Serif" panose="02020600060500020200" pitchFamily="18" charset="0"/>
+                <a:cs typeface="Droid Serif" panose="02020600060500020200" pitchFamily="18" charset="0"/>
+              </a:rPr>
               <a:t>Coding for pages</a:t>
             </a:r>
           </a:p>
           <a:p>
-            <a:pPr lvl="0" rtl="0" algn="l">
+            <a:pPr lvl="0" algn="l" rtl="0">
               <a:spcBef>
                 <a:spcPts val="0"/>
               </a:spcBef>
               <a:buNone/>
             </a:pPr>
-            <a:r>
-              <a:t/>
-            </a:r>
-            <a:endParaRPr/>
+            <a:endParaRPr dirty="0">
+              <a:latin typeface="Droid Serif" panose="02020600060500020200" pitchFamily="18" charset="0"/>
+              <a:ea typeface="Droid Serif" panose="02020600060500020200" pitchFamily="18" charset="0"/>
+              <a:cs typeface="Droid Serif" panose="02020600060500020200" pitchFamily="18" charset="0"/>
+            </a:endParaRPr>
           </a:p>
         </p:txBody>
       </p:sp>
@@ -5045,7 +5415,7 @@
           <a:blip r:embed="rId3">
             <a:alphaModFix/>
           </a:blip>
-          <a:srcRect b="0" l="2239" r="11643" t="1970"/>
+          <a:srcRect l="2239" t="1970" r="11643"/>
           <a:stretch/>
         </p:blipFill>
         <p:spPr>
@@ -5057,14 +5427,14 @@
             <a:avLst/>
           </a:prstGeom>
           <a:noFill/>
-          <a:ln cap="flat" cmpd="sng" w="28575">
+          <a:ln w="28575" cap="flat" cmpd="sng">
             <a:solidFill>
               <a:srgbClr val="F1C232"/>
             </a:solidFill>
             <a:prstDash val="solid"/>
             <a:round/>
-            <a:headEnd len="med" w="med" type="none"/>
-            <a:tailEnd len="med" w="med" type="none"/>
+            <a:headEnd type="none" w="med" len="med"/>
+            <a:tailEnd type="none" w="med" len="med"/>
           </a:ln>
         </p:spPr>
       </p:pic>
@@ -5078,7 +5448,7 @@
           <a:blip r:embed="rId4">
             <a:alphaModFix/>
           </a:blip>
-          <a:srcRect b="3009" l="2846" r="22044" t="855"/>
+          <a:srcRect l="2846" t="855" r="22044" b="3009"/>
           <a:stretch/>
         </p:blipFill>
         <p:spPr>
@@ -5090,14 +5460,14 @@
             <a:avLst/>
           </a:prstGeom>
           <a:noFill/>
-          <a:ln cap="flat" cmpd="sng" w="28575">
+          <a:ln w="28575" cap="flat" cmpd="sng">
             <a:solidFill>
               <a:srgbClr val="F1C232"/>
             </a:solidFill>
             <a:prstDash val="solid"/>
             <a:round/>
-            <a:headEnd len="med" w="med" type="none"/>
-            <a:tailEnd len="med" w="med" type="none"/>
+            <a:headEnd type="none" w="med" len="med"/>
+            <a:tailEnd type="none" w="med" len="med"/>
           </a:ln>
         </p:spPr>
       </p:pic>
@@ -5111,7 +5481,7 @@
           <a:blip r:embed="rId5">
             <a:alphaModFix/>
           </a:blip>
-          <a:srcRect b="44699" l="2198" r="23018" t="2482"/>
+          <a:srcRect l="2198" t="2482" r="23018" b="44699"/>
           <a:stretch/>
         </p:blipFill>
         <p:spPr>
@@ -5123,14 +5493,14 @@
             <a:avLst/>
           </a:prstGeom>
           <a:noFill/>
-          <a:ln cap="flat" cmpd="sng" w="28575">
+          <a:ln w="28575" cap="flat" cmpd="sng">
             <a:solidFill>
               <a:srgbClr val="F1C232"/>
             </a:solidFill>
             <a:prstDash val="solid"/>
             <a:round/>
-            <a:headEnd len="med" w="med" type="none"/>
-            <a:tailEnd len="med" w="med" type="none"/>
+            <a:headEnd type="none" w="med" len="med"/>
+            <a:tailEnd type="none" w="med" len="med"/>
           </a:ln>
         </p:spPr>
       </p:pic>
@@ -5141,10 +5511,10 @@
           <p:nvPr/>
         </p:nvPicPr>
         <p:blipFill rotWithShape="1">
-          <a:blip r:embed="rId6">
+          <a:blip r:embed="rId5">
             <a:alphaModFix/>
           </a:blip>
-          <a:srcRect b="46675" l="3336" r="23973" t="2021"/>
+          <a:srcRect l="3336" t="2021" r="23973" b="46675"/>
           <a:stretch/>
         </p:blipFill>
         <p:spPr>
@@ -5156,14 +5526,14 @@
             <a:avLst/>
           </a:prstGeom>
           <a:noFill/>
-          <a:ln cap="flat" cmpd="sng" w="28575">
+          <a:ln w="28575" cap="flat" cmpd="sng">
             <a:solidFill>
               <a:srgbClr val="F1C232"/>
             </a:solidFill>
             <a:prstDash val="solid"/>
             <a:round/>
-            <a:headEnd len="med" w="med" type="none"/>
-            <a:tailEnd len="med" w="med" type="none"/>
+            <a:headEnd type="none" w="med" len="med"/>
+            <a:tailEnd type="none" w="med" len="med"/>
           </a:ln>
         </p:spPr>
       </p:pic>
@@ -5174,10 +5544,10 @@
           <p:nvPr/>
         </p:nvPicPr>
         <p:blipFill rotWithShape="1">
-          <a:blip r:embed="rId7">
+          <a:blip r:embed="rId6">
             <a:alphaModFix/>
           </a:blip>
-          <a:srcRect b="54592" l="1874" r="24623" t="1942"/>
+          <a:srcRect l="1874" t="1942" r="24623" b="54592"/>
           <a:stretch/>
         </p:blipFill>
         <p:spPr>
@@ -5189,14 +5559,14 @@
             <a:avLst/>
           </a:prstGeom>
           <a:noFill/>
-          <a:ln cap="flat" cmpd="sng" w="28575">
+          <a:ln w="28575" cap="flat" cmpd="sng">
             <a:solidFill>
               <a:srgbClr val="F1C232"/>
             </a:solidFill>
             <a:prstDash val="solid"/>
             <a:round/>
-            <a:headEnd len="med" w="med" type="none"/>
-            <a:tailEnd len="med" w="med" type="none"/>
+            <a:headEnd type="none" w="med" len="med"/>
+            <a:tailEnd type="none" w="med" len="med"/>
           </a:ln>
         </p:spPr>
       </p:pic>
@@ -5207,10 +5577,10 @@
           <p:nvPr/>
         </p:nvPicPr>
         <p:blipFill rotWithShape="1">
-          <a:blip r:embed="rId8">
+          <a:blip r:embed="rId7">
             <a:alphaModFix/>
           </a:blip>
-          <a:srcRect b="54059" l="1373" r="23172" t="1940"/>
+          <a:srcRect l="1373" t="1940" r="23172" b="54059"/>
           <a:stretch/>
         </p:blipFill>
         <p:spPr>
@@ -5222,14 +5592,14 @@
             <a:avLst/>
           </a:prstGeom>
           <a:noFill/>
-          <a:ln cap="flat" cmpd="sng" w="28575">
+          <a:ln w="28575" cap="flat" cmpd="sng">
             <a:solidFill>
               <a:srgbClr val="F1C232"/>
             </a:solidFill>
             <a:prstDash val="solid"/>
             <a:round/>
-            <a:headEnd len="med" w="med" type="none"/>
-            <a:tailEnd len="med" w="med" type="none"/>
+            <a:headEnd type="none" w="med" len="med"/>
+            <a:tailEnd type="none" w="med" len="med"/>
           </a:ln>
         </p:spPr>
       </p:pic>
@@ -5253,7 +5623,7 @@
           </a:ln>
         </p:spPr>
         <p:txBody>
-          <a:bodyPr anchorCtr="0" anchor="t" bIns="91425" lIns="91425" rIns="91425" tIns="91425">
+          <a:bodyPr lIns="91425" tIns="91425" rIns="91425" bIns="91425" anchor="t" anchorCtr="0">
             <a:noAutofit/>
           </a:bodyPr>
           <a:lstStyle/>
@@ -5265,10 +5635,11 @@
               <a:buNone/>
             </a:pPr>
             <a:r>
-              <a:rPr lang="en" sz="2400">
+              <a:rPr lang="en" sz="2400" dirty="0">
                 <a:solidFill>
                   <a:srgbClr val="F1C232"/>
                 </a:solidFill>
+                <a:latin typeface="Soria" pitchFamily="2" charset="0"/>
               </a:rPr>
               <a:t>Index Page</a:t>
             </a:r>
@@ -5295,7 +5666,7 @@
           </a:ln>
         </p:spPr>
         <p:txBody>
-          <a:bodyPr anchorCtr="0" anchor="t" bIns="91425" lIns="91425" rIns="91425" tIns="91425">
+          <a:bodyPr lIns="91425" tIns="91425" rIns="91425" bIns="91425" anchor="t" anchorCtr="0">
             <a:noAutofit/>
           </a:bodyPr>
           <a:lstStyle/>
@@ -5307,10 +5678,11 @@
               <a:buNone/>
             </a:pPr>
             <a:r>
-              <a:rPr lang="en" sz="2400">
+              <a:rPr lang="en" sz="2400" dirty="0">
                 <a:solidFill>
                   <a:srgbClr val="F1C232"/>
                 </a:solidFill>
+                <a:latin typeface="Soria" pitchFamily="2" charset="0"/>
               </a:rPr>
               <a:t>Other Pages</a:t>
             </a:r>
@@ -5329,11 +5701,11 @@
 </file>
 
 <file path=ppt/slides/slide4.xml><?xml version="1.0" encoding="utf-8"?>
-<p:sld xmlns:a="http://schemas.openxmlformats.org/drawingml/2006/main" xmlns:r="http://schemas.openxmlformats.org/officeDocument/2006/relationships" xmlns:mc="http://schemas.openxmlformats.org/markup-compatibility/2006" xmlns:mv="urn:schemas-microsoft-com:mac:vml" xmlns:p="http://schemas.openxmlformats.org/presentationml/2006/main" xmlns:c="http://schemas.openxmlformats.org/drawingml/2006/chart" xmlns:dgm="http://schemas.openxmlformats.org/drawingml/2006/diagram" xmlns:o="urn:schemas-microsoft-com:office:office" xmlns:v="urn:schemas-microsoft-com:vml" xmlns:pvml="urn:schemas-microsoft-com:office:powerpoint" xmlns:com="http://schemas.openxmlformats.org/drawingml/2006/compatibility" xmlns:p14="http://schemas.microsoft.com/office/powerpoint/2010/main">
+<p:sld xmlns:a="http://schemas.openxmlformats.org/drawingml/2006/main" xmlns:r="http://schemas.openxmlformats.org/officeDocument/2006/relationships" xmlns:p="http://schemas.openxmlformats.org/presentationml/2006/main">
   <p:cSld>
     <p:spTree>
       <p:nvGrpSpPr>
-        <p:cNvPr id="81" name="Shape 81"/>
+        <p:cNvPr id="1" name="Shape 81"/>
         <p:cNvGrpSpPr/>
         <p:nvPr/>
       </p:nvGrpSpPr>
@@ -5348,7 +5720,9 @@
       <p:sp>
         <p:nvSpPr>
           <p:cNvPr id="82" name="Shape 82"/>
-          <p:cNvSpPr txBox="1"/>
+          <p:cNvSpPr txBox="1">
+            <a:spLocks noGrp="1"/>
+          </p:cNvSpPr>
           <p:nvPr>
             <p:ph type="title"/>
           </p:nvPr>
@@ -5363,7 +5737,7 @@
           </a:prstGeom>
         </p:spPr>
         <p:txBody>
-          <a:bodyPr anchorCtr="0" anchor="t" bIns="91425" lIns="91425" rIns="91425" tIns="91425">
+          <a:bodyPr lIns="91425" tIns="91425" rIns="91425" bIns="91425" anchor="t" anchorCtr="0">
             <a:noAutofit/>
           </a:bodyPr>
           <a:lstStyle/>
@@ -5375,7 +5749,11 @@
               <a:buNone/>
             </a:pPr>
             <a:r>
-              <a:rPr lang="en"/>
+              <a:rPr lang="en" dirty="0">
+                <a:latin typeface="Droid Serif" panose="02020600060500020200" pitchFamily="18" charset="0"/>
+                <a:ea typeface="Droid Serif" panose="02020600060500020200" pitchFamily="18" charset="0"/>
+                <a:cs typeface="Droid Serif" panose="02020600060500020200" pitchFamily="18" charset="0"/>
+              </a:rPr>
               <a:t>Map Coding</a:t>
             </a:r>
           </a:p>
@@ -5397,21 +5775,21 @@
         </p:blipFill>
         <p:spPr>
           <a:xfrm>
-            <a:off x="722775" y="1156575"/>
+            <a:off x="722775" y="1402238"/>
             <a:ext cx="2835445" cy="3416398"/>
           </a:xfrm>
           <a:prstGeom prst="rect">
             <a:avLst/>
           </a:prstGeom>
           <a:noFill/>
-          <a:ln cap="flat" cmpd="sng" w="28575">
+          <a:ln w="28575" cap="flat" cmpd="sng">
             <a:solidFill>
               <a:srgbClr val="F1C232"/>
             </a:solidFill>
             <a:prstDash val="solid"/>
             <a:round/>
-            <a:headEnd len="med" w="med" type="none"/>
-            <a:tailEnd len="med" w="med" type="none"/>
+            <a:headEnd type="none" w="med" len="med"/>
+            <a:tailEnd type="none" w="med" len="med"/>
           </a:ln>
         </p:spPr>
       </p:pic>
@@ -5431,21 +5809,21 @@
         </p:blipFill>
         <p:spPr>
           <a:xfrm>
-            <a:off x="4901174" y="1156575"/>
+            <a:off x="4901174" y="1402238"/>
             <a:ext cx="3520049" cy="3511324"/>
           </a:xfrm>
           <a:prstGeom prst="rect">
             <a:avLst/>
           </a:prstGeom>
           <a:noFill/>
-          <a:ln cap="flat" cmpd="sng" w="28575">
+          <a:ln w="28575" cap="flat" cmpd="sng">
             <a:solidFill>
               <a:srgbClr val="F1C232"/>
             </a:solidFill>
             <a:prstDash val="solid"/>
             <a:round/>
-            <a:headEnd len="med" w="med" type="none"/>
-            <a:tailEnd len="med" w="med" type="none"/>
+            <a:headEnd type="none" w="med" len="med"/>
+            <a:tailEnd type="none" w="med" len="med"/>
           </a:ln>
         </p:spPr>
       </p:pic>
@@ -5461,11 +5839,11 @@
 </file>
 
 <file path=ppt/slides/slide5.xml><?xml version="1.0" encoding="utf-8"?>
-<p:sld xmlns:a="http://schemas.openxmlformats.org/drawingml/2006/main" xmlns:r="http://schemas.openxmlformats.org/officeDocument/2006/relationships" xmlns:mc="http://schemas.openxmlformats.org/markup-compatibility/2006" xmlns:mv="urn:schemas-microsoft-com:mac:vml" xmlns:p="http://schemas.openxmlformats.org/presentationml/2006/main" xmlns:c="http://schemas.openxmlformats.org/drawingml/2006/chart" xmlns:dgm="http://schemas.openxmlformats.org/drawingml/2006/diagram" xmlns:o="urn:schemas-microsoft-com:office:office" xmlns:v="urn:schemas-microsoft-com:vml" xmlns:pvml="urn:schemas-microsoft-com:office:powerpoint" xmlns:com="http://schemas.openxmlformats.org/drawingml/2006/compatibility" xmlns:p14="http://schemas.microsoft.com/office/powerpoint/2010/main">
+<p:sld xmlns:a="http://schemas.openxmlformats.org/drawingml/2006/main" xmlns:r="http://schemas.openxmlformats.org/officeDocument/2006/relationships" xmlns:p="http://schemas.openxmlformats.org/presentationml/2006/main">
   <p:cSld>
     <p:spTree>
       <p:nvGrpSpPr>
-        <p:cNvPr id="88" name="Shape 88"/>
+        <p:cNvPr id="1" name="Shape 88"/>
         <p:cNvGrpSpPr/>
         <p:nvPr/>
       </p:nvGrpSpPr>
@@ -5480,7 +5858,9 @@
       <p:sp>
         <p:nvSpPr>
           <p:cNvPr id="89" name="Shape 89"/>
-          <p:cNvSpPr txBox="1"/>
+          <p:cNvSpPr txBox="1">
+            <a:spLocks noGrp="1"/>
+          </p:cNvSpPr>
           <p:nvPr>
             <p:ph type="title"/>
           </p:nvPr>
@@ -5495,7 +5875,7 @@
           </a:prstGeom>
         </p:spPr>
         <p:txBody>
-          <a:bodyPr anchorCtr="0" anchor="t" bIns="91425" lIns="91425" rIns="91425" tIns="91425">
+          <a:bodyPr lIns="91425" tIns="91425" rIns="91425" bIns="91425" anchor="t" anchorCtr="0">
             <a:noAutofit/>
           </a:bodyPr>
           <a:lstStyle/>
@@ -5507,7 +5887,11 @@
               <a:buNone/>
             </a:pPr>
             <a:r>
-              <a:rPr lang="en"/>
+              <a:rPr lang="en" dirty="0">
+                <a:latin typeface="Droid Serif" panose="02020600060500020200" pitchFamily="18" charset="0"/>
+                <a:ea typeface="Droid Serif" panose="02020600060500020200" pitchFamily="18" charset="0"/>
+                <a:cs typeface="Droid Serif" panose="02020600060500020200" pitchFamily="18" charset="0"/>
+              </a:rPr>
               <a:t>Coverr Video Coding</a:t>
             </a:r>
           </a:p>
@@ -5523,7 +5907,7 @@
           <a:blip r:embed="rId3">
             <a:alphaModFix/>
           </a:blip>
-          <a:srcRect b="0" l="2365" r="3782" t="3278"/>
+          <a:srcRect l="2365" t="3278" r="3782"/>
           <a:stretch/>
         </p:blipFill>
         <p:spPr>
@@ -5535,14 +5919,14 @@
             <a:avLst/>
           </a:prstGeom>
           <a:noFill/>
-          <a:ln cap="flat" cmpd="sng" w="28575">
+          <a:ln w="28575" cap="flat" cmpd="sng">
             <a:solidFill>
               <a:srgbClr val="F1C232"/>
             </a:solidFill>
             <a:prstDash val="solid"/>
             <a:round/>
-            <a:headEnd len="med" w="med" type="none"/>
-            <a:tailEnd len="med" w="med" type="none"/>
+            <a:headEnd type="none" w="med" len="med"/>
+            <a:tailEnd type="none" w="med" len="med"/>
           </a:ln>
         </p:spPr>
       </p:pic>
@@ -5569,14 +5953,14 @@
             <a:avLst/>
           </a:prstGeom>
           <a:noFill/>
-          <a:ln cap="flat" cmpd="sng" w="28575">
+          <a:ln w="28575" cap="flat" cmpd="sng">
             <a:solidFill>
               <a:srgbClr val="F1C232"/>
             </a:solidFill>
             <a:prstDash val="solid"/>
             <a:round/>
-            <a:headEnd len="med" w="med" type="none"/>
-            <a:tailEnd len="med" w="med" type="none"/>
+            <a:headEnd type="none" w="med" len="med"/>
+            <a:tailEnd type="none" w="med" len="med"/>
           </a:ln>
         </p:spPr>
       </p:pic>
@@ -5603,14 +5987,14 @@
             <a:avLst/>
           </a:prstGeom>
           <a:noFill/>
-          <a:ln cap="flat" cmpd="sng" w="28575">
+          <a:ln w="28575" cap="flat" cmpd="sng">
             <a:solidFill>
               <a:srgbClr val="F1C232"/>
             </a:solidFill>
             <a:prstDash val="solid"/>
             <a:round/>
-            <a:headEnd len="med" w="med" type="none"/>
-            <a:tailEnd len="med" w="med" type="none"/>
+            <a:headEnd type="none" w="med" len="med"/>
+            <a:tailEnd type="none" w="med" len="med"/>
           </a:ln>
         </p:spPr>
       </p:pic>
@@ -5634,7 +6018,7 @@
           </a:ln>
         </p:spPr>
         <p:txBody>
-          <a:bodyPr anchorCtr="0" anchor="t" bIns="91425" lIns="91425" rIns="91425" tIns="91425">
+          <a:bodyPr lIns="91425" tIns="91425" rIns="91425" bIns="91425" anchor="t" anchorCtr="0">
             <a:noAutofit/>
           </a:bodyPr>
           <a:lstStyle/>
@@ -5646,10 +6030,11 @@
               <a:buNone/>
             </a:pPr>
             <a:r>
-              <a:rPr lang="en" sz="2400">
+              <a:rPr lang="en" sz="2400" dirty="0">
                 <a:solidFill>
                   <a:srgbClr val="F1C232"/>
                 </a:solidFill>
+                <a:latin typeface="Soria" pitchFamily="2" charset="0"/>
               </a:rPr>
               <a:t>HTML</a:t>
             </a:r>
@@ -5676,7 +6061,7 @@
           </a:ln>
         </p:spPr>
         <p:txBody>
-          <a:bodyPr anchorCtr="0" anchor="t" bIns="91425" lIns="91425" rIns="91425" tIns="91425">
+          <a:bodyPr lIns="91425" tIns="91425" rIns="91425" bIns="91425" anchor="t" anchorCtr="0">
             <a:noAutofit/>
           </a:bodyPr>
           <a:lstStyle/>
@@ -5692,6 +6077,7 @@
                 <a:solidFill>
                   <a:srgbClr val="F1C232"/>
                 </a:solidFill>
+                <a:latin typeface="Soria" pitchFamily="2" charset="0"/>
               </a:rPr>
               <a:t>CSS</a:t>
             </a:r>
@@ -5718,7 +6104,7 @@
           </a:ln>
         </p:spPr>
         <p:txBody>
-          <a:bodyPr anchorCtr="0" anchor="t" bIns="91425" lIns="91425" rIns="91425" tIns="91425">
+          <a:bodyPr lIns="91425" tIns="91425" rIns="91425" bIns="91425" anchor="t" anchorCtr="0">
             <a:noAutofit/>
           </a:bodyPr>
           <a:lstStyle/>
@@ -5734,6 +6120,7 @@
                 <a:solidFill>
                   <a:srgbClr val="F1C232"/>
                 </a:solidFill>
+                <a:latin typeface="Soria" pitchFamily="2" charset="0"/>
               </a:rPr>
               <a:t>JS</a:t>
             </a:r>
@@ -5752,11 +6139,11 @@
 </file>
 
 <file path=ppt/slides/slide6.xml><?xml version="1.0" encoding="utf-8"?>
-<p:sld xmlns:a="http://schemas.openxmlformats.org/drawingml/2006/main" xmlns:r="http://schemas.openxmlformats.org/officeDocument/2006/relationships" xmlns:mc="http://schemas.openxmlformats.org/markup-compatibility/2006" xmlns:mv="urn:schemas-microsoft-com:mac:vml" xmlns:p="http://schemas.openxmlformats.org/presentationml/2006/main" xmlns:c="http://schemas.openxmlformats.org/drawingml/2006/chart" xmlns:dgm="http://schemas.openxmlformats.org/drawingml/2006/diagram" xmlns:o="urn:schemas-microsoft-com:office:office" xmlns:v="urn:schemas-microsoft-com:vml" xmlns:pvml="urn:schemas-microsoft-com:office:powerpoint" xmlns:com="http://schemas.openxmlformats.org/drawingml/2006/compatibility" xmlns:p14="http://schemas.microsoft.com/office/powerpoint/2010/main">
+<p:sld xmlns:a="http://schemas.openxmlformats.org/drawingml/2006/main" xmlns:r="http://schemas.openxmlformats.org/officeDocument/2006/relationships" xmlns:p="http://schemas.openxmlformats.org/presentationml/2006/main">
   <p:cSld>
     <p:spTree>
       <p:nvGrpSpPr>
-        <p:cNvPr id="99" name="Shape 99"/>
+        <p:cNvPr id="1" name="Shape 99"/>
         <p:cNvGrpSpPr/>
         <p:nvPr/>
       </p:nvGrpSpPr>
@@ -5771,7 +6158,9 @@
       <p:sp>
         <p:nvSpPr>
           <p:cNvPr id="100" name="Shape 100"/>
-          <p:cNvSpPr txBox="1"/>
+          <p:cNvSpPr txBox="1">
+            <a:spLocks noGrp="1"/>
+          </p:cNvSpPr>
           <p:nvPr>
             <p:ph type="title"/>
           </p:nvPr>
@@ -5786,7 +6175,7 @@
           </a:prstGeom>
         </p:spPr>
         <p:txBody>
-          <a:bodyPr anchorCtr="0" anchor="t" bIns="91425" lIns="91425" rIns="91425" tIns="91425">
+          <a:bodyPr lIns="91425" tIns="91425" rIns="91425" bIns="91425" anchor="t" anchorCtr="0">
             <a:noAutofit/>
           </a:bodyPr>
           <a:lstStyle/>
@@ -5798,81 +6187,13 @@
               <a:buNone/>
             </a:pPr>
             <a:r>
-              <a:rPr lang="en"/>
+              <a:rPr lang="en">
+                <a:latin typeface="Droid Serif" panose="02020600060500020200" pitchFamily="18" charset="0"/>
+                <a:ea typeface="Droid Serif" panose="02020600060500020200" pitchFamily="18" charset="0"/>
+                <a:cs typeface="Droid Serif" panose="02020600060500020200" pitchFamily="18" charset="0"/>
+              </a:rPr>
               <a:t>Written Content</a:t>
             </a:r>
-          </a:p>
-        </p:txBody>
-      </p:sp>
-      <p:sp>
-        <p:nvSpPr>
-          <p:cNvPr id="101" name="Shape 101"/>
-          <p:cNvSpPr txBox="1"/>
-          <p:nvPr>
-            <p:ph idx="1" type="body"/>
-          </p:nvPr>
-        </p:nvSpPr>
-        <p:spPr>
-          <a:xfrm>
-            <a:off x="311700" y="1152475"/>
-            <a:ext cx="3999900" cy="3416400"/>
-          </a:xfrm>
-          <a:prstGeom prst="rect">
-            <a:avLst/>
-          </a:prstGeom>
-        </p:spPr>
-        <p:txBody>
-          <a:bodyPr anchorCtr="0" anchor="t" bIns="91425" lIns="91425" rIns="91425" tIns="91425">
-            <a:noAutofit/>
-          </a:bodyPr>
-          <a:lstStyle/>
-          <a:p>
-            <a:pPr lvl="0">
-              <a:spcBef>
-                <a:spcPts val="0"/>
-              </a:spcBef>
-              <a:buNone/>
-            </a:pPr>
-            <a:r>
-              <a:t/>
-            </a:r>
-            <a:endParaRPr/>
-          </a:p>
-        </p:txBody>
-      </p:sp>
-      <p:sp>
-        <p:nvSpPr>
-          <p:cNvPr id="102" name="Shape 102"/>
-          <p:cNvSpPr txBox="1"/>
-          <p:nvPr>
-            <p:ph idx="2" type="body"/>
-          </p:nvPr>
-        </p:nvSpPr>
-        <p:spPr>
-          <a:xfrm>
-            <a:off x="9286450" y="1213825"/>
-            <a:ext cx="3999900" cy="3416400"/>
-          </a:xfrm>
-          <a:prstGeom prst="rect">
-            <a:avLst/>
-          </a:prstGeom>
-        </p:spPr>
-        <p:txBody>
-          <a:bodyPr anchorCtr="0" anchor="t" bIns="91425" lIns="91425" rIns="91425" tIns="91425">
-            <a:noAutofit/>
-          </a:bodyPr>
-          <a:lstStyle/>
-          <a:p>
-            <a:pPr lvl="0">
-              <a:spcBef>
-                <a:spcPts val="0"/>
-              </a:spcBef>
-              <a:buNone/>
-            </a:pPr>
-            <a:r>
-              <a:t/>
-            </a:r>
-            <a:endParaRPr/>
           </a:p>
         </p:txBody>
       </p:sp>
@@ -5899,14 +6220,14 @@
             <a:avLst/>
           </a:prstGeom>
           <a:noFill/>
-          <a:ln cap="flat" cmpd="sng" w="19050">
+          <a:ln w="19050" cap="flat" cmpd="sng">
             <a:solidFill>
               <a:srgbClr val="F1C232"/>
             </a:solidFill>
             <a:prstDash val="solid"/>
             <a:round/>
-            <a:headEnd len="med" w="med" type="none"/>
-            <a:tailEnd len="med" w="med" type="none"/>
+            <a:headEnd type="none" w="med" len="med"/>
+            <a:tailEnd type="none" w="med" len="med"/>
           </a:ln>
         </p:spPr>
       </p:pic>
@@ -5933,14 +6254,14 @@
             <a:avLst/>
           </a:prstGeom>
           <a:noFill/>
-          <a:ln cap="flat" cmpd="sng" w="19050">
+          <a:ln w="19050" cap="flat" cmpd="sng">
             <a:solidFill>
               <a:srgbClr val="F1C232"/>
             </a:solidFill>
             <a:prstDash val="solid"/>
             <a:round/>
-            <a:headEnd len="med" w="med" type="none"/>
-            <a:tailEnd len="med" w="med" type="none"/>
+            <a:headEnd type="none" w="med" len="med"/>
+            <a:tailEnd type="none" w="med" len="med"/>
           </a:ln>
         </p:spPr>
       </p:pic>
@@ -5967,14 +6288,14 @@
             <a:avLst/>
           </a:prstGeom>
           <a:noFill/>
-          <a:ln cap="flat" cmpd="sng" w="19050">
+          <a:ln w="19050" cap="flat" cmpd="sng">
             <a:solidFill>
               <a:srgbClr val="F1C232"/>
             </a:solidFill>
             <a:prstDash val="solid"/>
             <a:round/>
-            <a:headEnd len="med" w="med" type="none"/>
-            <a:tailEnd len="med" w="med" type="none"/>
+            <a:headEnd type="none" w="med" len="med"/>
+            <a:tailEnd type="none" w="med" len="med"/>
           </a:ln>
         </p:spPr>
       </p:pic>
@@ -5993,7 +6314,7 @@
           </a:stretch>
         </p:blipFill>
         <p:spPr>
-          <a:xfrm flipH="1" rot="10800000">
+          <a:xfrm rot="10800000" flipH="1">
             <a:off x="4747637" y="3053945"/>
             <a:ext cx="3876773" cy="1945741"/>
           </a:xfrm>
@@ -6001,14 +6322,14 @@
             <a:avLst/>
           </a:prstGeom>
           <a:noFill/>
-          <a:ln cap="flat" cmpd="sng" w="19050">
+          <a:ln w="19050" cap="flat" cmpd="sng">
             <a:solidFill>
               <a:srgbClr val="F1C232"/>
             </a:solidFill>
             <a:prstDash val="solid"/>
             <a:round/>
-            <a:headEnd len="med" w="med" type="none"/>
-            <a:tailEnd len="med" w="med" type="none"/>
+            <a:headEnd type="none" w="med" len="med"/>
+            <a:tailEnd type="none" w="med" len="med"/>
           </a:ln>
         </p:spPr>
       </p:pic>
@@ -6024,11 +6345,11 @@
 </file>
 
 <file path=ppt/slides/slide7.xml><?xml version="1.0" encoding="utf-8"?>
-<p:sld xmlns:a="http://schemas.openxmlformats.org/drawingml/2006/main" xmlns:r="http://schemas.openxmlformats.org/officeDocument/2006/relationships" xmlns:mc="http://schemas.openxmlformats.org/markup-compatibility/2006" xmlns:mv="urn:schemas-microsoft-com:mac:vml" xmlns:p="http://schemas.openxmlformats.org/presentationml/2006/main" xmlns:c="http://schemas.openxmlformats.org/drawingml/2006/chart" xmlns:dgm="http://schemas.openxmlformats.org/drawingml/2006/diagram" xmlns:o="urn:schemas-microsoft-com:office:office" xmlns:v="urn:schemas-microsoft-com:vml" xmlns:pvml="urn:schemas-microsoft-com:office:powerpoint" xmlns:com="http://schemas.openxmlformats.org/drawingml/2006/compatibility" xmlns:p14="http://schemas.microsoft.com/office/powerpoint/2010/main">
+<p:sld xmlns:a="http://schemas.openxmlformats.org/drawingml/2006/main" xmlns:r="http://schemas.openxmlformats.org/officeDocument/2006/relationships" xmlns:p="http://schemas.openxmlformats.org/presentationml/2006/main">
   <p:cSld>
     <p:spTree>
       <p:nvGrpSpPr>
-        <p:cNvPr id="110" name="Shape 110"/>
+        <p:cNvPr id="1" name="Shape 110"/>
         <p:cNvGrpSpPr/>
         <p:nvPr/>
       </p:nvGrpSpPr>
@@ -6043,7 +6364,9 @@
       <p:sp>
         <p:nvSpPr>
           <p:cNvPr id="111" name="Shape 111"/>
-          <p:cNvSpPr txBox="1"/>
+          <p:cNvSpPr txBox="1">
+            <a:spLocks noGrp="1"/>
+          </p:cNvSpPr>
           <p:nvPr>
             <p:ph type="title"/>
           </p:nvPr>
@@ -6058,7 +6381,7 @@
           </a:prstGeom>
         </p:spPr>
         <p:txBody>
-          <a:bodyPr anchorCtr="0" anchor="t" bIns="91425" lIns="91425" rIns="91425" tIns="91425">
+          <a:bodyPr lIns="91425" tIns="91425" rIns="91425" bIns="91425" anchor="t" anchorCtr="0">
             <a:noAutofit/>
           </a:bodyPr>
           <a:lstStyle/>
@@ -6070,7 +6393,11 @@
               <a:buNone/>
             </a:pPr>
             <a:r>
-              <a:rPr lang="en"/>
+              <a:rPr lang="en" dirty="0">
+                <a:latin typeface="Droid Serif" panose="02020600060500020200" pitchFamily="18" charset="0"/>
+                <a:ea typeface="Droid Serif" panose="02020600060500020200" pitchFamily="18" charset="0"/>
+                <a:cs typeface="Droid Serif" panose="02020600060500020200" pitchFamily="18" charset="0"/>
+              </a:rPr>
               <a:t>Images Collected</a:t>
             </a:r>
           </a:p>
@@ -6081,10 +6408,11 @@
               </a:spcBef>
               <a:buNone/>
             </a:pPr>
-            <a:r>
-              <a:t/>
-            </a:r>
-            <a:endParaRPr/>
+            <a:endParaRPr dirty="0">
+              <a:latin typeface="Droid Serif" panose="02020600060500020200" pitchFamily="18" charset="0"/>
+              <a:ea typeface="Droid Serif" panose="02020600060500020200" pitchFamily="18" charset="0"/>
+              <a:cs typeface="Droid Serif" panose="02020600060500020200" pitchFamily="18" charset="0"/>
+            </a:endParaRPr>
           </a:p>
         </p:txBody>
       </p:sp>
@@ -6111,14 +6439,14 @@
             <a:avLst/>
           </a:prstGeom>
           <a:noFill/>
-          <a:ln cap="flat" cmpd="sng" w="28575">
+          <a:ln w="28575" cap="flat" cmpd="sng">
             <a:solidFill>
               <a:srgbClr val="F1C232"/>
             </a:solidFill>
             <a:prstDash val="solid"/>
             <a:round/>
-            <a:headEnd len="med" w="med" type="none"/>
-            <a:tailEnd len="med" w="med" type="none"/>
+            <a:headEnd type="none" w="med" len="med"/>
+            <a:tailEnd type="none" w="med" len="med"/>
           </a:ln>
         </p:spPr>
       </p:pic>
@@ -6134,11 +6462,11 @@
 </file>
 
 <file path=ppt/slides/slide8.xml><?xml version="1.0" encoding="utf-8"?>
-<p:sld xmlns:a="http://schemas.openxmlformats.org/drawingml/2006/main" xmlns:r="http://schemas.openxmlformats.org/officeDocument/2006/relationships" xmlns:mc="http://schemas.openxmlformats.org/markup-compatibility/2006" xmlns:mv="urn:schemas-microsoft-com:mac:vml" xmlns:p="http://schemas.openxmlformats.org/presentationml/2006/main" xmlns:c="http://schemas.openxmlformats.org/drawingml/2006/chart" xmlns:dgm="http://schemas.openxmlformats.org/drawingml/2006/diagram" xmlns:o="urn:schemas-microsoft-com:office:office" xmlns:v="urn:schemas-microsoft-com:vml" xmlns:pvml="urn:schemas-microsoft-com:office:powerpoint" xmlns:com="http://schemas.openxmlformats.org/drawingml/2006/compatibility" xmlns:p14="http://schemas.microsoft.com/office/powerpoint/2010/main">
+<p:sld xmlns:a="http://schemas.openxmlformats.org/drawingml/2006/main" xmlns:r="http://schemas.openxmlformats.org/officeDocument/2006/relationships" xmlns:p="http://schemas.openxmlformats.org/presentationml/2006/main">
   <p:cSld>
     <p:spTree>
       <p:nvGrpSpPr>
-        <p:cNvPr id="116" name="Shape 116"/>
+        <p:cNvPr id="1" name="Shape 116"/>
         <p:cNvGrpSpPr/>
         <p:nvPr/>
       </p:nvGrpSpPr>
@@ -6153,7 +6481,9 @@
       <p:sp>
         <p:nvSpPr>
           <p:cNvPr id="117" name="Shape 117"/>
-          <p:cNvSpPr txBox="1"/>
+          <p:cNvSpPr txBox="1">
+            <a:spLocks noGrp="1"/>
+          </p:cNvSpPr>
           <p:nvPr>
             <p:ph type="title"/>
           </p:nvPr>
@@ -6168,7 +6498,7 @@
           </a:prstGeom>
         </p:spPr>
         <p:txBody>
-          <a:bodyPr anchorCtr="0" anchor="t" bIns="91425" lIns="91425" rIns="91425" tIns="91425">
+          <a:bodyPr lIns="91425" tIns="91425" rIns="91425" bIns="91425" anchor="t" anchorCtr="0">
             <a:noAutofit/>
           </a:bodyPr>
           <a:lstStyle/>
@@ -6180,45 +6510,13 @@
               <a:buNone/>
             </a:pPr>
             <a:r>
-              <a:rPr lang="en"/>
+              <a:rPr lang="en">
+                <a:latin typeface="Droid Serif" panose="02020600060500020200" pitchFamily="18" charset="0"/>
+                <a:ea typeface="Droid Serif" panose="02020600060500020200" pitchFamily="18" charset="0"/>
+                <a:cs typeface="Droid Serif" panose="02020600060500020200" pitchFamily="18" charset="0"/>
+              </a:rPr>
               <a:t>Github Account</a:t>
             </a:r>
-          </a:p>
-        </p:txBody>
-      </p:sp>
-      <p:sp>
-        <p:nvSpPr>
-          <p:cNvPr id="118" name="Shape 118"/>
-          <p:cNvSpPr txBox="1"/>
-          <p:nvPr>
-            <p:ph idx="2" type="body"/>
-          </p:nvPr>
-        </p:nvSpPr>
-        <p:spPr>
-          <a:xfrm>
-            <a:off x="4832400" y="1152475"/>
-            <a:ext cx="3999900" cy="3416400"/>
-          </a:xfrm>
-          <a:prstGeom prst="rect">
-            <a:avLst/>
-          </a:prstGeom>
-        </p:spPr>
-        <p:txBody>
-          <a:bodyPr anchorCtr="0" anchor="t" bIns="91425" lIns="91425" rIns="91425" tIns="91425">
-            <a:noAutofit/>
-          </a:bodyPr>
-          <a:lstStyle/>
-          <a:p>
-            <a:pPr lvl="0">
-              <a:spcBef>
-                <a:spcPts val="0"/>
-              </a:spcBef>
-              <a:buNone/>
-            </a:pPr>
-            <a:r>
-              <a:t/>
-            </a:r>
-            <a:endParaRPr/>
           </a:p>
         </p:txBody>
       </p:sp>
@@ -6245,14 +6543,14 @@
             <a:avLst/>
           </a:prstGeom>
           <a:noFill/>
-          <a:ln cap="flat" cmpd="sng" w="19050">
+          <a:ln w="19050" cap="flat" cmpd="sng">
             <a:solidFill>
               <a:srgbClr val="F1C232"/>
             </a:solidFill>
             <a:prstDash val="solid"/>
             <a:round/>
-            <a:headEnd len="med" w="med" type="none"/>
-            <a:tailEnd len="med" w="med" type="none"/>
+            <a:headEnd type="none" w="med" len="med"/>
+            <a:tailEnd type="none" w="med" len="med"/>
           </a:ln>
         </p:spPr>
       </p:pic>
@@ -6279,14 +6577,14 @@
             <a:avLst/>
           </a:prstGeom>
           <a:noFill/>
-          <a:ln cap="flat" cmpd="sng" w="19050">
+          <a:ln w="19050" cap="flat" cmpd="sng">
             <a:solidFill>
               <a:srgbClr val="F1C232"/>
             </a:solidFill>
             <a:prstDash val="solid"/>
             <a:round/>
-            <a:headEnd len="med" w="med" type="none"/>
-            <a:tailEnd len="med" w="med" type="none"/>
+            <a:headEnd type="none" w="med" len="med"/>
+            <a:tailEnd type="none" w="med" len="med"/>
           </a:ln>
         </p:spPr>
       </p:pic>
@@ -6313,14 +6611,14 @@
             <a:avLst/>
           </a:prstGeom>
           <a:noFill/>
-          <a:ln cap="flat" cmpd="sng" w="19050">
+          <a:ln w="19050" cap="flat" cmpd="sng">
             <a:solidFill>
               <a:srgbClr val="F1C232"/>
             </a:solidFill>
             <a:prstDash val="solid"/>
             <a:round/>
-            <a:headEnd len="med" w="med" type="none"/>
-            <a:tailEnd len="med" w="med" type="none"/>
+            <a:headEnd type="none" w="med" len="med"/>
+            <a:tailEnd type="none" w="med" len="med"/>
           </a:ln>
         </p:spPr>
       </p:pic>
@@ -6336,11 +6634,11 @@
 </file>
 
 <file path=ppt/slides/slide9.xml><?xml version="1.0" encoding="utf-8"?>
-<p:sld xmlns:a="http://schemas.openxmlformats.org/drawingml/2006/main" xmlns:r="http://schemas.openxmlformats.org/officeDocument/2006/relationships" xmlns:mc="http://schemas.openxmlformats.org/markup-compatibility/2006" xmlns:mv="urn:schemas-microsoft-com:mac:vml" xmlns:p="http://schemas.openxmlformats.org/presentationml/2006/main" xmlns:c="http://schemas.openxmlformats.org/drawingml/2006/chart" xmlns:dgm="http://schemas.openxmlformats.org/drawingml/2006/diagram" xmlns:o="urn:schemas-microsoft-com:office:office" xmlns:v="urn:schemas-microsoft-com:vml" xmlns:pvml="urn:schemas-microsoft-com:office:powerpoint" xmlns:com="http://schemas.openxmlformats.org/drawingml/2006/compatibility" xmlns:p14="http://schemas.microsoft.com/office/powerpoint/2010/main">
+<p:sld xmlns:a="http://schemas.openxmlformats.org/drawingml/2006/main" xmlns:r="http://schemas.openxmlformats.org/officeDocument/2006/relationships" xmlns:p="http://schemas.openxmlformats.org/presentationml/2006/main">
   <p:cSld>
     <p:spTree>
       <p:nvGrpSpPr>
-        <p:cNvPr id="125" name="Shape 125"/>
+        <p:cNvPr id="1" name="Shape 125"/>
         <p:cNvGrpSpPr/>
         <p:nvPr/>
       </p:nvGrpSpPr>
@@ -6355,7 +6653,9 @@
       <p:sp>
         <p:nvSpPr>
           <p:cNvPr id="126" name="Shape 126"/>
-          <p:cNvSpPr txBox="1"/>
+          <p:cNvSpPr txBox="1">
+            <a:spLocks noGrp="1"/>
+          </p:cNvSpPr>
           <p:nvPr>
             <p:ph type="title"/>
           </p:nvPr>
@@ -6370,7 +6670,7 @@
           </a:prstGeom>
         </p:spPr>
         <p:txBody>
-          <a:bodyPr anchorCtr="0" anchor="t" bIns="91425" lIns="91425" rIns="91425" tIns="91425">
+          <a:bodyPr lIns="91425" tIns="91425" rIns="91425" bIns="91425" anchor="t" anchorCtr="0">
             <a:noAutofit/>
           </a:bodyPr>
           <a:lstStyle/>
@@ -6382,7 +6682,11 @@
               <a:buNone/>
             </a:pPr>
             <a:r>
-              <a:rPr lang="en"/>
+              <a:rPr lang="en">
+                <a:latin typeface="Droid Serif" panose="02020600060500020200" pitchFamily="18" charset="0"/>
+                <a:ea typeface="Droid Serif" panose="02020600060500020200" pitchFamily="18" charset="0"/>
+                <a:cs typeface="Droid Serif" panose="02020600060500020200" pitchFamily="18" charset="0"/>
+              </a:rPr>
               <a:t>School Logo</a:t>
             </a:r>
           </a:p>
@@ -6393,10 +6697,11 @@
               </a:spcBef>
               <a:buNone/>
             </a:pPr>
-            <a:r>
-              <a:t/>
-            </a:r>
-            <a:endParaRPr/>
+            <a:endParaRPr>
+              <a:latin typeface="Droid Serif" panose="02020600060500020200" pitchFamily="18" charset="0"/>
+              <a:ea typeface="Droid Serif" panose="02020600060500020200" pitchFamily="18" charset="0"/>
+              <a:cs typeface="Droid Serif" panose="02020600060500020200" pitchFamily="18" charset="0"/>
+            </a:endParaRPr>
           </a:p>
         </p:txBody>
       </p:sp>
@@ -6440,7 +6745,288 @@
 </file>
 
 <file path=ppt/theme/theme1.xml><?xml version="1.0" encoding="utf-8"?>
-<a:theme xmlns:a="http://schemas.openxmlformats.org/drawingml/2006/main" xmlns:r="http://schemas.openxmlformats.org/officeDocument/2006/relationships" name="Custom Theme">
+<a:theme xmlns:a="http://schemas.openxmlformats.org/drawingml/2006/main" name="simple-dark-2">
+  <a:themeElements>
+    <a:clrScheme name="Simple Dark">
+      <a:dk1>
+        <a:srgbClr val="FFFFFF"/>
+      </a:dk1>
+      <a:lt1>
+        <a:srgbClr val="212121"/>
+      </a:lt1>
+      <a:dk2>
+        <a:srgbClr val="303030"/>
+      </a:dk2>
+      <a:lt2>
+        <a:srgbClr val="ADADAD"/>
+      </a:lt2>
+      <a:accent1>
+        <a:srgbClr val="009688"/>
+      </a:accent1>
+      <a:accent2>
+        <a:srgbClr val="EEEEEE"/>
+      </a:accent2>
+      <a:accent3>
+        <a:srgbClr val="78909C"/>
+      </a:accent3>
+      <a:accent4>
+        <a:srgbClr val="FFAB40"/>
+      </a:accent4>
+      <a:accent5>
+        <a:srgbClr val="4DD0E1"/>
+      </a:accent5>
+      <a:accent6>
+        <a:srgbClr val="EEFF41"/>
+      </a:accent6>
+      <a:hlink>
+        <a:srgbClr val="4DD0E1"/>
+      </a:hlink>
+      <a:folHlink>
+        <a:srgbClr val="4DD0E1"/>
+      </a:folHlink>
+    </a:clrScheme>
+    <a:fontScheme name="Office">
+      <a:majorFont>
+        <a:latin typeface="Arial"/>
+        <a:ea typeface=""/>
+        <a:cs typeface=""/>
+        <a:font script="Jpan" typeface="ＭＳ Ｐゴシック"/>
+        <a:font script="Hang" typeface="맑은 고딕"/>
+        <a:font script="Hans" typeface="宋体"/>
+        <a:font script="Hant" typeface="新細明體"/>
+        <a:font script="Arab" typeface="Times New Roman"/>
+        <a:font script="Hebr" typeface="Times New Roman"/>
+        <a:font script="Thai" typeface="Angsana New"/>
+        <a:font script="Ethi" typeface="Nyala"/>
+        <a:font script="Beng" typeface="Vrinda"/>
+        <a:font script="Gujr" typeface="Shruti"/>
+        <a:font script="Khmr" typeface="MoolBoran"/>
+        <a:font script="Knda" typeface="Tunga"/>
+        <a:font script="Guru" typeface="Raavi"/>
+        <a:font script="Cans" typeface="Euphemia"/>
+        <a:font script="Cher" typeface="Plantagenet Cherokee"/>
+        <a:font script="Yiii" typeface="Microsoft Yi Baiti"/>
+        <a:font script="Tibt" typeface="Microsoft Himalaya"/>
+        <a:font script="Thaa" typeface="MV Boli"/>
+        <a:font script="Deva" typeface="Mangal"/>
+        <a:font script="Telu" typeface="Gautami"/>
+        <a:font script="Taml" typeface="Latha"/>
+        <a:font script="Syrc" typeface="Estrangelo Edessa"/>
+        <a:font script="Orya" typeface="Kalinga"/>
+        <a:font script="Mlym" typeface="Kartika"/>
+        <a:font script="Laoo" typeface="DokChampa"/>
+        <a:font script="Sinh" typeface="Iskoola Pota"/>
+        <a:font script="Mong" typeface="Mongolian Baiti"/>
+        <a:font script="Viet" typeface="Times New Roman"/>
+        <a:font script="Uigh" typeface="Microsoft Uighur"/>
+        <a:font script="Geor" typeface="Sylfaen"/>
+      </a:majorFont>
+      <a:minorFont>
+        <a:latin typeface="Arial"/>
+        <a:ea typeface=""/>
+        <a:cs typeface=""/>
+        <a:font script="Jpan" typeface="ＭＳ Ｐゴシック"/>
+        <a:font script="Hang" typeface="맑은 고딕"/>
+        <a:font script="Hans" typeface="宋体"/>
+        <a:font script="Hant" typeface="新細明體"/>
+        <a:font script="Arab" typeface="Arial"/>
+        <a:font script="Hebr" typeface="Arial"/>
+        <a:font script="Thai" typeface="Cordia New"/>
+        <a:font script="Ethi" typeface="Nyala"/>
+        <a:font script="Beng" typeface="Vrinda"/>
+        <a:font script="Gujr" typeface="Shruti"/>
+        <a:font script="Khmr" typeface="DaunPenh"/>
+        <a:font script="Knda" typeface="Tunga"/>
+        <a:font script="Guru" typeface="Raavi"/>
+        <a:font script="Cans" typeface="Euphemia"/>
+        <a:font script="Cher" typeface="Plantagenet Cherokee"/>
+        <a:font script="Yiii" typeface="Microsoft Yi Baiti"/>
+        <a:font script="Tibt" typeface="Microsoft Himalaya"/>
+        <a:font script="Thaa" typeface="MV Boli"/>
+        <a:font script="Deva" typeface="Mangal"/>
+        <a:font script="Telu" typeface="Gautami"/>
+        <a:font script="Taml" typeface="Latha"/>
+        <a:font script="Syrc" typeface="Estrangelo Edessa"/>
+        <a:font script="Orya" typeface="Kalinga"/>
+        <a:font script="Mlym" typeface="Kartika"/>
+        <a:font script="Laoo" typeface="DokChampa"/>
+        <a:font script="Sinh" typeface="Iskoola Pota"/>
+        <a:font script="Mong" typeface="Mongolian Baiti"/>
+        <a:font script="Viet" typeface="Arial"/>
+        <a:font script="Uigh" typeface="Microsoft Uighur"/>
+        <a:font script="Geor" typeface="Sylfaen"/>
+      </a:minorFont>
+    </a:fontScheme>
+    <a:fmtScheme name="Office">
+      <a:fillStyleLst>
+        <a:solidFill>
+          <a:schemeClr val="phClr"/>
+        </a:solidFill>
+        <a:gradFill rotWithShape="1">
+          <a:gsLst>
+            <a:gs pos="0">
+              <a:schemeClr val="phClr">
+                <a:tint val="50000"/>
+                <a:satMod val="300000"/>
+              </a:schemeClr>
+            </a:gs>
+            <a:gs pos="35000">
+              <a:schemeClr val="phClr">
+                <a:tint val="37000"/>
+                <a:satMod val="300000"/>
+              </a:schemeClr>
+            </a:gs>
+            <a:gs pos="100000">
+              <a:schemeClr val="phClr">
+                <a:tint val="15000"/>
+                <a:satMod val="350000"/>
+              </a:schemeClr>
+            </a:gs>
+          </a:gsLst>
+          <a:lin ang="16200000" scaled="1"/>
+        </a:gradFill>
+        <a:gradFill rotWithShape="1">
+          <a:gsLst>
+            <a:gs pos="0">
+              <a:schemeClr val="phClr">
+                <a:tint val="100000"/>
+                <a:shade val="100000"/>
+                <a:satMod val="130000"/>
+              </a:schemeClr>
+            </a:gs>
+            <a:gs pos="100000">
+              <a:schemeClr val="phClr">
+                <a:tint val="50000"/>
+                <a:shade val="100000"/>
+                <a:satMod val="350000"/>
+              </a:schemeClr>
+            </a:gs>
+          </a:gsLst>
+          <a:lin ang="16200000" scaled="0"/>
+        </a:gradFill>
+      </a:fillStyleLst>
+      <a:lnStyleLst>
+        <a:ln w="9525" cap="flat" cmpd="sng" algn="ctr">
+          <a:solidFill>
+            <a:schemeClr val="phClr">
+              <a:shade val="95000"/>
+              <a:satMod val="105000"/>
+            </a:schemeClr>
+          </a:solidFill>
+          <a:prstDash val="solid"/>
+        </a:ln>
+        <a:ln w="25400" cap="flat" cmpd="sng" algn="ctr">
+          <a:solidFill>
+            <a:schemeClr val="phClr"/>
+          </a:solidFill>
+          <a:prstDash val="solid"/>
+        </a:ln>
+        <a:ln w="38100" cap="flat" cmpd="sng" algn="ctr">
+          <a:solidFill>
+            <a:schemeClr val="phClr"/>
+          </a:solidFill>
+          <a:prstDash val="solid"/>
+        </a:ln>
+      </a:lnStyleLst>
+      <a:effectStyleLst>
+        <a:effectStyle>
+          <a:effectLst>
+            <a:outerShdw blurRad="40000" dist="20000" dir="5400000" rotWithShape="0">
+              <a:srgbClr val="000000">
+                <a:alpha val="38000"/>
+              </a:srgbClr>
+            </a:outerShdw>
+          </a:effectLst>
+        </a:effectStyle>
+        <a:effectStyle>
+          <a:effectLst>
+            <a:outerShdw blurRad="40000" dist="23000" dir="5400000" rotWithShape="0">
+              <a:srgbClr val="000000">
+                <a:alpha val="35000"/>
+              </a:srgbClr>
+            </a:outerShdw>
+          </a:effectLst>
+        </a:effectStyle>
+        <a:effectStyle>
+          <a:effectLst>
+            <a:outerShdw blurRad="40000" dist="23000" dir="5400000" rotWithShape="0">
+              <a:srgbClr val="000000">
+                <a:alpha val="35000"/>
+              </a:srgbClr>
+            </a:outerShdw>
+          </a:effectLst>
+          <a:scene3d>
+            <a:camera prst="orthographicFront">
+              <a:rot lat="0" lon="0" rev="0"/>
+            </a:camera>
+            <a:lightRig rig="threePt" dir="t">
+              <a:rot lat="0" lon="0" rev="1200000"/>
+            </a:lightRig>
+          </a:scene3d>
+          <a:sp3d>
+            <a:bevelT w="63500" h="25400"/>
+          </a:sp3d>
+        </a:effectStyle>
+      </a:effectStyleLst>
+      <a:bgFillStyleLst>
+        <a:solidFill>
+          <a:schemeClr val="phClr"/>
+        </a:solidFill>
+        <a:gradFill rotWithShape="1">
+          <a:gsLst>
+            <a:gs pos="0">
+              <a:schemeClr val="phClr">
+                <a:tint val="40000"/>
+                <a:satMod val="350000"/>
+              </a:schemeClr>
+            </a:gs>
+            <a:gs pos="40000">
+              <a:schemeClr val="phClr">
+                <a:tint val="45000"/>
+                <a:shade val="99000"/>
+                <a:satMod val="350000"/>
+              </a:schemeClr>
+            </a:gs>
+            <a:gs pos="100000">
+              <a:schemeClr val="phClr">
+                <a:shade val="20000"/>
+                <a:satMod val="255000"/>
+              </a:schemeClr>
+            </a:gs>
+          </a:gsLst>
+          <a:path path="circle">
+            <a:fillToRect l="50000" t="-80000" r="50000" b="180000"/>
+          </a:path>
+        </a:gradFill>
+        <a:gradFill rotWithShape="1">
+          <a:gsLst>
+            <a:gs pos="0">
+              <a:schemeClr val="phClr">
+                <a:tint val="80000"/>
+                <a:satMod val="300000"/>
+              </a:schemeClr>
+            </a:gs>
+            <a:gs pos="100000">
+              <a:schemeClr val="phClr">
+                <a:shade val="30000"/>
+                <a:satMod val="200000"/>
+              </a:schemeClr>
+            </a:gs>
+          </a:gsLst>
+          <a:path path="circle">
+            <a:fillToRect l="50000" t="50000" r="50000" b="50000"/>
+          </a:path>
+        </a:gradFill>
+      </a:bgFillStyleLst>
+    </a:fmtScheme>
+  </a:themeElements>
+  <a:objectDefaults/>
+  <a:extraClrSchemeLst/>
+</a:theme>
+</file>
+
+<file path=ppt/theme/theme2.xml><?xml version="1.0" encoding="utf-8"?>
+<a:theme xmlns:a="http://schemas.openxmlformats.org/drawingml/2006/main" name="Custom Theme">
   <a:themeElements>
     <a:clrScheme name="Default">
       <a:dk1>
@@ -6715,284 +7301,7 @@
       </a:bgFillStyleLst>
     </a:fmtScheme>
   </a:themeElements>
-</a:theme>
-</file>
-
-<file path=ppt/theme/theme2.xml><?xml version="1.0" encoding="utf-8"?>
-<a:theme xmlns:a="http://schemas.openxmlformats.org/drawingml/2006/main" xmlns:r="http://schemas.openxmlformats.org/officeDocument/2006/relationships" name="simple-dark-2">
-  <a:themeElements>
-    <a:clrScheme name="Simple Dark">
-      <a:dk1>
-        <a:srgbClr val="FFFFFF"/>
-      </a:dk1>
-      <a:lt1>
-        <a:srgbClr val="212121"/>
-      </a:lt1>
-      <a:dk2>
-        <a:srgbClr val="303030"/>
-      </a:dk2>
-      <a:lt2>
-        <a:srgbClr val="ADADAD"/>
-      </a:lt2>
-      <a:accent1>
-        <a:srgbClr val="009688"/>
-      </a:accent1>
-      <a:accent2>
-        <a:srgbClr val="EEEEEE"/>
-      </a:accent2>
-      <a:accent3>
-        <a:srgbClr val="78909C"/>
-      </a:accent3>
-      <a:accent4>
-        <a:srgbClr val="FFAB40"/>
-      </a:accent4>
-      <a:accent5>
-        <a:srgbClr val="4DD0E1"/>
-      </a:accent5>
-      <a:accent6>
-        <a:srgbClr val="EEFF41"/>
-      </a:accent6>
-      <a:hlink>
-        <a:srgbClr val="4DD0E1"/>
-      </a:hlink>
-      <a:folHlink>
-        <a:srgbClr val="4DD0E1"/>
-      </a:folHlink>
-    </a:clrScheme>
-    <a:fontScheme name="Office">
-      <a:majorFont>
-        <a:latin typeface="Arial"/>
-        <a:ea typeface=""/>
-        <a:cs typeface=""/>
-        <a:font script="Jpan" typeface="ＭＳ Ｐゴシック"/>
-        <a:font script="Hang" typeface="맑은 고딕"/>
-        <a:font script="Hans" typeface="宋体"/>
-        <a:font script="Hant" typeface="新細明體"/>
-        <a:font script="Arab" typeface="Times New Roman"/>
-        <a:font script="Hebr" typeface="Times New Roman"/>
-        <a:font script="Thai" typeface="Angsana New"/>
-        <a:font script="Ethi" typeface="Nyala"/>
-        <a:font script="Beng" typeface="Vrinda"/>
-        <a:font script="Gujr" typeface="Shruti"/>
-        <a:font script="Khmr" typeface="MoolBoran"/>
-        <a:font script="Knda" typeface="Tunga"/>
-        <a:font script="Guru" typeface="Raavi"/>
-        <a:font script="Cans" typeface="Euphemia"/>
-        <a:font script="Cher" typeface="Plantagenet Cherokee"/>
-        <a:font script="Yiii" typeface="Microsoft Yi Baiti"/>
-        <a:font script="Tibt" typeface="Microsoft Himalaya"/>
-        <a:font script="Thaa" typeface="MV Boli"/>
-        <a:font script="Deva" typeface="Mangal"/>
-        <a:font script="Telu" typeface="Gautami"/>
-        <a:font script="Taml" typeface="Latha"/>
-        <a:font script="Syrc" typeface="Estrangelo Edessa"/>
-        <a:font script="Orya" typeface="Kalinga"/>
-        <a:font script="Mlym" typeface="Kartika"/>
-        <a:font script="Laoo" typeface="DokChampa"/>
-        <a:font script="Sinh" typeface="Iskoola Pota"/>
-        <a:font script="Mong" typeface="Mongolian Baiti"/>
-        <a:font script="Viet" typeface="Times New Roman"/>
-        <a:font script="Uigh" typeface="Microsoft Uighur"/>
-        <a:font script="Geor" typeface="Sylfaen"/>
-      </a:majorFont>
-      <a:minorFont>
-        <a:latin typeface="Arial"/>
-        <a:ea typeface=""/>
-        <a:cs typeface=""/>
-        <a:font script="Jpan" typeface="ＭＳ Ｐゴシック"/>
-        <a:font script="Hang" typeface="맑은 고딕"/>
-        <a:font script="Hans" typeface="宋体"/>
-        <a:font script="Hant" typeface="新細明體"/>
-        <a:font script="Arab" typeface="Arial"/>
-        <a:font script="Hebr" typeface="Arial"/>
-        <a:font script="Thai" typeface="Cordia New"/>
-        <a:font script="Ethi" typeface="Nyala"/>
-        <a:font script="Beng" typeface="Vrinda"/>
-        <a:font script="Gujr" typeface="Shruti"/>
-        <a:font script="Khmr" typeface="DaunPenh"/>
-        <a:font script="Knda" typeface="Tunga"/>
-        <a:font script="Guru" typeface="Raavi"/>
-        <a:font script="Cans" typeface="Euphemia"/>
-        <a:font script="Cher" typeface="Plantagenet Cherokee"/>
-        <a:font script="Yiii" typeface="Microsoft Yi Baiti"/>
-        <a:font script="Tibt" typeface="Microsoft Himalaya"/>
-        <a:font script="Thaa" typeface="MV Boli"/>
-        <a:font script="Deva" typeface="Mangal"/>
-        <a:font script="Telu" typeface="Gautami"/>
-        <a:font script="Taml" typeface="Latha"/>
-        <a:font script="Syrc" typeface="Estrangelo Edessa"/>
-        <a:font script="Orya" typeface="Kalinga"/>
-        <a:font script="Mlym" typeface="Kartika"/>
-        <a:font script="Laoo" typeface="DokChampa"/>
-        <a:font script="Sinh" typeface="Iskoola Pota"/>
-        <a:font script="Mong" typeface="Mongolian Baiti"/>
-        <a:font script="Viet" typeface="Arial"/>
-        <a:font script="Uigh" typeface="Microsoft Uighur"/>
-        <a:font script="Geor" typeface="Sylfaen"/>
-      </a:minorFont>
-    </a:fontScheme>
-    <a:fmtScheme name="Office">
-      <a:fillStyleLst>
-        <a:solidFill>
-          <a:schemeClr val="phClr"/>
-        </a:solidFill>
-        <a:gradFill rotWithShape="1">
-          <a:gsLst>
-            <a:gs pos="0">
-              <a:schemeClr val="phClr">
-                <a:tint val="50000"/>
-                <a:satMod val="300000"/>
-              </a:schemeClr>
-            </a:gs>
-            <a:gs pos="35000">
-              <a:schemeClr val="phClr">
-                <a:tint val="37000"/>
-                <a:satMod val="300000"/>
-              </a:schemeClr>
-            </a:gs>
-            <a:gs pos="100000">
-              <a:schemeClr val="phClr">
-                <a:tint val="15000"/>
-                <a:satMod val="350000"/>
-              </a:schemeClr>
-            </a:gs>
-          </a:gsLst>
-          <a:lin ang="16200000" scaled="1"/>
-        </a:gradFill>
-        <a:gradFill rotWithShape="1">
-          <a:gsLst>
-            <a:gs pos="0">
-              <a:schemeClr val="phClr">
-                <a:tint val="100000"/>
-                <a:shade val="100000"/>
-                <a:satMod val="130000"/>
-              </a:schemeClr>
-            </a:gs>
-            <a:gs pos="100000">
-              <a:schemeClr val="phClr">
-                <a:tint val="50000"/>
-                <a:shade val="100000"/>
-                <a:satMod val="350000"/>
-              </a:schemeClr>
-            </a:gs>
-          </a:gsLst>
-          <a:lin ang="16200000" scaled="0"/>
-        </a:gradFill>
-      </a:fillStyleLst>
-      <a:lnStyleLst>
-        <a:ln w="9525" cap="flat" cmpd="sng" algn="ctr">
-          <a:solidFill>
-            <a:schemeClr val="phClr">
-              <a:shade val="95000"/>
-              <a:satMod val="105000"/>
-            </a:schemeClr>
-          </a:solidFill>
-          <a:prstDash val="solid"/>
-        </a:ln>
-        <a:ln w="25400" cap="flat" cmpd="sng" algn="ctr">
-          <a:solidFill>
-            <a:schemeClr val="phClr"/>
-          </a:solidFill>
-          <a:prstDash val="solid"/>
-        </a:ln>
-        <a:ln w="38100" cap="flat" cmpd="sng" algn="ctr">
-          <a:solidFill>
-            <a:schemeClr val="phClr"/>
-          </a:solidFill>
-          <a:prstDash val="solid"/>
-        </a:ln>
-      </a:lnStyleLst>
-      <a:effectStyleLst>
-        <a:effectStyle>
-          <a:effectLst>
-            <a:outerShdw blurRad="40000" dist="20000" dir="5400000" rotWithShape="0">
-              <a:srgbClr val="000000">
-                <a:alpha val="38000"/>
-              </a:srgbClr>
-            </a:outerShdw>
-          </a:effectLst>
-        </a:effectStyle>
-        <a:effectStyle>
-          <a:effectLst>
-            <a:outerShdw blurRad="40000" dist="23000" dir="5400000" rotWithShape="0">
-              <a:srgbClr val="000000">
-                <a:alpha val="35000"/>
-              </a:srgbClr>
-            </a:outerShdw>
-          </a:effectLst>
-        </a:effectStyle>
-        <a:effectStyle>
-          <a:effectLst>
-            <a:outerShdw blurRad="40000" dist="23000" dir="5400000" rotWithShape="0">
-              <a:srgbClr val="000000">
-                <a:alpha val="35000"/>
-              </a:srgbClr>
-            </a:outerShdw>
-          </a:effectLst>
-          <a:scene3d>
-            <a:camera prst="orthographicFront">
-              <a:rot lat="0" lon="0" rev="0"/>
-            </a:camera>
-            <a:lightRig rig="threePt" dir="t">
-              <a:rot lat="0" lon="0" rev="1200000"/>
-            </a:lightRig>
-          </a:scene3d>
-          <a:sp3d>
-            <a:bevelT w="63500" h="25400"/>
-          </a:sp3d>
-        </a:effectStyle>
-      </a:effectStyleLst>
-      <a:bgFillStyleLst>
-        <a:solidFill>
-          <a:schemeClr val="phClr"/>
-        </a:solidFill>
-        <a:gradFill rotWithShape="1">
-          <a:gsLst>
-            <a:gs pos="0">
-              <a:schemeClr val="phClr">
-                <a:tint val="40000"/>
-                <a:satMod val="350000"/>
-              </a:schemeClr>
-            </a:gs>
-            <a:gs pos="40000">
-              <a:schemeClr val="phClr">
-                <a:tint val="45000"/>
-                <a:shade val="99000"/>
-                <a:satMod val="350000"/>
-              </a:schemeClr>
-            </a:gs>
-            <a:gs pos="100000">
-              <a:schemeClr val="phClr">
-                <a:shade val="20000"/>
-                <a:satMod val="255000"/>
-              </a:schemeClr>
-            </a:gs>
-          </a:gsLst>
-          <a:path path="circle">
-            <a:fillToRect l="50000" t="-80000" r="50000" b="180000"/>
-          </a:path>
-        </a:gradFill>
-        <a:gradFill rotWithShape="1">
-          <a:gsLst>
-            <a:gs pos="0">
-              <a:schemeClr val="phClr">
-                <a:tint val="80000"/>
-                <a:satMod val="300000"/>
-              </a:schemeClr>
-            </a:gs>
-            <a:gs pos="100000">
-              <a:schemeClr val="phClr">
-                <a:shade val="30000"/>
-                <a:satMod val="200000"/>
-              </a:schemeClr>
-            </a:gs>
-          </a:gsLst>
-          <a:path path="circle">
-            <a:fillToRect l="50000" t="50000" r="50000" b="50000"/>
-          </a:path>
-        </a:gradFill>
-      </a:bgFillStyleLst>
-    </a:fmtScheme>
-  </a:themeElements>
+  <a:objectDefaults/>
+  <a:extraClrSchemeLst/>
 </a:theme>
 </file>
--- a/presentation/projects/King Oak College.pptx
+++ b/presentation/projects/King Oak College.pptx
@@ -16,8 +16,8 @@
     <p:sldId id="261" r:id="rId7"/>
     <p:sldId id="262" r:id="rId8"/>
     <p:sldId id="263" r:id="rId9"/>
-    <p:sldId id="264" r:id="rId10"/>
-    <p:sldId id="265" r:id="rId11"/>
+    <p:sldId id="265" r:id="rId10"/>
+    <p:sldId id="266" r:id="rId11"/>
   </p:sldIdLst>
   <p:sldSz cx="9144000" cy="5143500" type="screen16x9"/>
   <p:notesSz cx="6858000" cy="9144000"/>
@@ -388,7 +388,7 @@
     </p:spTree>
     <p:extLst>
       <p:ext uri="{BB962C8B-B14F-4D97-AF65-F5344CB8AC3E}">
-        <p14:creationId xmlns:p14="http://schemas.microsoft.com/office/powerpoint/2010/main" val="662878187"/>
+        <p14:creationId xmlns:p14="http://schemas.microsoft.com/office/powerpoint/2010/main" val="575657573"/>
       </p:ext>
     </p:extLst>
   </p:cSld>
@@ -584,113 +584,7 @@
     </p:spTree>
     <p:extLst>
       <p:ext uri="{BB962C8B-B14F-4D97-AF65-F5344CB8AC3E}">
-        <p14:creationId xmlns:p14="http://schemas.microsoft.com/office/powerpoint/2010/main" val="836958135"/>
-      </p:ext>
-    </p:extLst>
-  </p:cSld>
-  <p:clrMapOvr>
-    <a:masterClrMapping/>
-  </p:clrMapOvr>
-</p:notes>
-</file>
-
-<file path=ppt/notesSlides/notesSlide10.xml><?xml version="1.0" encoding="utf-8"?>
-<p:notes xmlns:a="http://schemas.openxmlformats.org/drawingml/2006/main" xmlns:r="http://schemas.openxmlformats.org/officeDocument/2006/relationships" xmlns:p="http://schemas.openxmlformats.org/presentationml/2006/main" showMasterSp="0" showMasterPhAnim="0">
-  <p:cSld>
-    <p:spTree>
-      <p:nvGrpSpPr>
-        <p:cNvPr id="1" name="Shape 128"/>
-        <p:cNvGrpSpPr/>
-        <p:nvPr/>
-      </p:nvGrpSpPr>
-      <p:grpSpPr>
-        <a:xfrm>
-          <a:off x="0" y="0"/>
-          <a:ext cx="0" cy="0"/>
-          <a:chOff x="0" y="0"/>
-          <a:chExt cx="0" cy="0"/>
-        </a:xfrm>
-      </p:grpSpPr>
-      <p:sp>
-        <p:nvSpPr>
-          <p:cNvPr id="129" name="Shape 129"/>
-          <p:cNvSpPr>
-            <a:spLocks noGrp="1" noRot="1" noChangeAspect="1"/>
-          </p:cNvSpPr>
-          <p:nvPr>
-            <p:ph type="sldImg" idx="2"/>
-          </p:nvPr>
-        </p:nvSpPr>
-        <p:spPr>
-          <a:xfrm>
-            <a:off x="381000" y="685800"/>
-            <a:ext cx="6096000" cy="3429000"/>
-          </a:xfrm>
-          <a:custGeom>
-            <a:avLst/>
-            <a:gdLst/>
-            <a:ahLst/>
-            <a:cxnLst/>
-            <a:rect l="0" t="0" r="0" b="0"/>
-            <a:pathLst>
-              <a:path w="120000" h="120000" extrusionOk="0">
-                <a:moveTo>
-                  <a:pt x="0" y="0"/>
-                </a:moveTo>
-                <a:lnTo>
-                  <a:pt x="120000" y="0"/>
-                </a:lnTo>
-                <a:lnTo>
-                  <a:pt x="120000" y="120000"/>
-                </a:lnTo>
-                <a:lnTo>
-                  <a:pt x="0" y="120000"/>
-                </a:lnTo>
-                <a:close/>
-              </a:path>
-            </a:pathLst>
-          </a:custGeom>
-        </p:spPr>
-      </p:sp>
-      <p:sp>
-        <p:nvSpPr>
-          <p:cNvPr id="130" name="Shape 130"/>
-          <p:cNvSpPr txBox="1">
-            <a:spLocks noGrp="1"/>
-          </p:cNvSpPr>
-          <p:nvPr>
-            <p:ph type="body" idx="1"/>
-          </p:nvPr>
-        </p:nvSpPr>
-        <p:spPr>
-          <a:xfrm>
-            <a:off x="685800" y="4343400"/>
-            <a:ext cx="5486400" cy="4114800"/>
-          </a:xfrm>
-          <a:prstGeom prst="rect">
-            <a:avLst/>
-          </a:prstGeom>
-        </p:spPr>
-        <p:txBody>
-          <a:bodyPr lIns="91425" tIns="91425" rIns="91425" bIns="91425" anchor="t" anchorCtr="0">
-            <a:noAutofit/>
-          </a:bodyPr>
-          <a:lstStyle/>
-          <a:p>
-            <a:pPr lvl="0">
-              <a:spcBef>
-                <a:spcPts val="0"/>
-              </a:spcBef>
-              <a:buNone/>
-            </a:pPr>
-            <a:endParaRPr/>
-          </a:p>
-        </p:txBody>
-      </p:sp>
-    </p:spTree>
-    <p:extLst>
-      <p:ext uri="{BB962C8B-B14F-4D97-AF65-F5344CB8AC3E}">
-        <p14:creationId xmlns:p14="http://schemas.microsoft.com/office/powerpoint/2010/main" val="1856245295"/>
+        <p14:creationId xmlns:p14="http://schemas.microsoft.com/office/powerpoint/2010/main" val="662999676"/>
       </p:ext>
     </p:extLst>
   </p:cSld>
@@ -796,7 +690,7 @@
     </p:spTree>
     <p:extLst>
       <p:ext uri="{BB962C8B-B14F-4D97-AF65-F5344CB8AC3E}">
-        <p14:creationId xmlns:p14="http://schemas.microsoft.com/office/powerpoint/2010/main" val="2639302848"/>
+        <p14:creationId xmlns:p14="http://schemas.microsoft.com/office/powerpoint/2010/main" val="1890393896"/>
       </p:ext>
     </p:extLst>
   </p:cSld>
@@ -902,7 +796,7 @@
     </p:spTree>
     <p:extLst>
       <p:ext uri="{BB962C8B-B14F-4D97-AF65-F5344CB8AC3E}">
-        <p14:creationId xmlns:p14="http://schemas.microsoft.com/office/powerpoint/2010/main" val="4271643861"/>
+        <p14:creationId xmlns:p14="http://schemas.microsoft.com/office/powerpoint/2010/main" val="1977136354"/>
       </p:ext>
     </p:extLst>
   </p:cSld>
@@ -1008,7 +902,7 @@
     </p:spTree>
     <p:extLst>
       <p:ext uri="{BB962C8B-B14F-4D97-AF65-F5344CB8AC3E}">
-        <p14:creationId xmlns:p14="http://schemas.microsoft.com/office/powerpoint/2010/main" val="822150701"/>
+        <p14:creationId xmlns:p14="http://schemas.microsoft.com/office/powerpoint/2010/main" val="1716231647"/>
       </p:ext>
     </p:extLst>
   </p:cSld>
@@ -1114,7 +1008,7 @@
     </p:spTree>
     <p:extLst>
       <p:ext uri="{BB962C8B-B14F-4D97-AF65-F5344CB8AC3E}">
-        <p14:creationId xmlns:p14="http://schemas.microsoft.com/office/powerpoint/2010/main" val="2533010047"/>
+        <p14:creationId xmlns:p14="http://schemas.microsoft.com/office/powerpoint/2010/main" val="1852428272"/>
       </p:ext>
     </p:extLst>
   </p:cSld>
@@ -1220,7 +1114,7 @@
     </p:spTree>
     <p:extLst>
       <p:ext uri="{BB962C8B-B14F-4D97-AF65-F5344CB8AC3E}">
-        <p14:creationId xmlns:p14="http://schemas.microsoft.com/office/powerpoint/2010/main" val="1488707422"/>
+        <p14:creationId xmlns:p14="http://schemas.microsoft.com/office/powerpoint/2010/main" val="1691536945"/>
       </p:ext>
     </p:extLst>
   </p:cSld>
@@ -1326,7 +1220,7 @@
     </p:spTree>
     <p:extLst>
       <p:ext uri="{BB962C8B-B14F-4D97-AF65-F5344CB8AC3E}">
-        <p14:creationId xmlns:p14="http://schemas.microsoft.com/office/powerpoint/2010/main" val="4268255264"/>
+        <p14:creationId xmlns:p14="http://schemas.microsoft.com/office/powerpoint/2010/main" val="1272915629"/>
       </p:ext>
     </p:extLst>
   </p:cSld>
@@ -1432,7 +1326,7 @@
     </p:spTree>
     <p:extLst>
       <p:ext uri="{BB962C8B-B14F-4D97-AF65-F5344CB8AC3E}">
-        <p14:creationId xmlns:p14="http://schemas.microsoft.com/office/powerpoint/2010/main" val="3394768039"/>
+        <p14:creationId xmlns:p14="http://schemas.microsoft.com/office/powerpoint/2010/main" val="660885189"/>
       </p:ext>
     </p:extLst>
   </p:cSld>
@@ -1447,7 +1341,7 @@
   <p:cSld>
     <p:spTree>
       <p:nvGrpSpPr>
-        <p:cNvPr id="1" name="Shape 122"/>
+        <p:cNvPr id="1" name="Shape 128"/>
         <p:cNvGrpSpPr/>
         <p:nvPr/>
       </p:nvGrpSpPr>
@@ -1461,7 +1355,7 @@
       </p:grpSpPr>
       <p:sp>
         <p:nvSpPr>
-          <p:cNvPr id="123" name="Shape 123"/>
+          <p:cNvPr id="129" name="Shape 129"/>
           <p:cNvSpPr>
             <a:spLocks noGrp="1" noRot="1" noChangeAspect="1"/>
           </p:cNvSpPr>
@@ -1502,7 +1396,7 @@
       </p:sp>
       <p:sp>
         <p:nvSpPr>
-          <p:cNvPr id="124" name="Shape 124"/>
+          <p:cNvPr id="130" name="Shape 130"/>
           <p:cNvSpPr txBox="1">
             <a:spLocks noGrp="1"/>
           </p:cNvSpPr>
@@ -1538,7 +1432,7 @@
     </p:spTree>
     <p:extLst>
       <p:ext uri="{BB962C8B-B14F-4D97-AF65-F5344CB8AC3E}">
-        <p14:creationId xmlns:p14="http://schemas.microsoft.com/office/powerpoint/2010/main" val="2922828791"/>
+        <p14:creationId xmlns:p14="http://schemas.microsoft.com/office/powerpoint/2010/main" val="2099462436"/>
       </p:ext>
     </p:extLst>
   </p:cSld>
@@ -2640,7 +2534,7 @@
             </a:lvl9pPr>
           </a:lstStyle>
           <a:p>
-            <a:endParaRPr/>
+            <a:endParaRPr dirty="0"/>
           </a:p>
         </p:txBody>
       </p:sp>
@@ -4204,7 +4098,7 @@
             </a:lvl9pPr>
           </a:lstStyle>
           <a:p>
-            <a:endParaRPr/>
+            <a:endParaRPr dirty="0"/>
           </a:p>
         </p:txBody>
       </p:sp>
@@ -4972,16 +4866,22 @@
               <a:buNone/>
             </a:pPr>
             <a:r>
-              <a:rPr lang="en" dirty="0">
+              <a:rPr lang="en" dirty="0" smtClean="0">
                 <a:solidFill>
                   <a:srgbClr val="FF0000"/>
                 </a:solidFill>
-                <a:latin typeface="Droid Serif" panose="02020600060500020200" pitchFamily="18" charset="0"/>
-                <a:ea typeface="Droid Serif" panose="02020600060500020200" pitchFamily="18" charset="0"/>
-                <a:cs typeface="Droid Serif" panose="02020600060500020200" pitchFamily="18" charset="0"/>
+                <a:latin typeface="Slabo 13px"/>
+                <a:cs typeface="Slabo 13px"/>
               </a:rPr>
               <a:t>King Oak College</a:t>
             </a:r>
+            <a:endParaRPr lang="en" dirty="0">
+              <a:solidFill>
+                <a:srgbClr val="FF0000"/>
+              </a:solidFill>
+              <a:latin typeface="Slabo 13px"/>
+              <a:cs typeface="Slabo 13px"/>
+            </a:endParaRPr>
           </a:p>
         </p:txBody>
       </p:sp>
@@ -5021,7 +4921,8 @@
                 <a:solidFill>
                   <a:srgbClr val="F1C232"/>
                 </a:solidFill>
-                <a:latin typeface="Soria" pitchFamily="2" charset="0"/>
+                <a:latin typeface="PT Sans"/>
+                <a:cs typeface="PT Sans"/>
               </a:rPr>
               <a:t>R6S.com redesign</a:t>
             </a:r>
@@ -5033,7 +4934,7 @@
   <p:clrMapOvr>
     <a:masterClrMapping/>
   </p:clrMapOvr>
-  <p:transition spd="slow">
+  <p:transition xmlns:p14="http://schemas.microsoft.com/office/powerpoint/2010/main" spd="slow">
     <p:fade/>
   </p:transition>
 </p:sld>
@@ -5044,7 +4945,7 @@
   <p:cSld>
     <p:spTree>
       <p:nvGrpSpPr>
-        <p:cNvPr id="1" name="Shape 131"/>
+        <p:cNvPr id="1" name=""/>
         <p:cNvGrpSpPr/>
         <p:nvPr/>
       </p:nvGrpSpPr>
@@ -5056,9 +4957,38 @@
           <a:chExt cx="0" cy="0"/>
         </a:xfrm>
       </p:grpSpPr>
+      <p:pic>
+        <p:nvPicPr>
+          <p:cNvPr id="3" name="Picture 2" descr="responsive_king_oak_vews.jpg"/>
+          <p:cNvPicPr>
+            <a:picLocks noChangeAspect="1"/>
+          </p:cNvPicPr>
+          <p:nvPr/>
+        </p:nvPicPr>
+        <p:blipFill rotWithShape="1">
+          <a:blip r:embed="rId2">
+            <a:extLst>
+              <a:ext uri="{28A0092B-C50C-407E-A947-70E740481C1C}">
+                <a14:useLocalDpi xmlns:a14="http://schemas.microsoft.com/office/drawing/2010/main" val="0"/>
+              </a:ext>
+            </a:extLst>
+          </a:blip>
+          <a:srcRect t="6569" b="53539"/>
+          <a:stretch/>
+        </p:blipFill>
+        <p:spPr>
+          <a:xfrm>
+            <a:off x="214014" y="1124633"/>
+            <a:ext cx="8709097" cy="3668723"/>
+          </a:xfrm>
+          <a:prstGeom prst="rect">
+            <a:avLst/>
+          </a:prstGeom>
+        </p:spPr>
+      </p:pic>
       <p:sp>
         <p:nvSpPr>
-          <p:cNvPr id="132" name="Shape 132"/>
+          <p:cNvPr id="5" name="Shape 132"/>
           <p:cNvSpPr txBox="1">
             <a:spLocks noGrp="1"/>
           </p:cNvSpPr>
@@ -5068,7 +4998,7 @@
         </p:nvSpPr>
         <p:spPr>
           <a:xfrm>
-            <a:off x="311700" y="445025"/>
+            <a:off x="311700" y="185945"/>
             <a:ext cx="8520600" cy="572700"/>
           </a:xfrm>
           <a:prstGeom prst="rect">
@@ -5088,24 +5018,29 @@
               <a:buNone/>
             </a:pPr>
             <a:r>
-              <a:rPr lang="en" dirty="0">
-                <a:latin typeface="Droid Serif" panose="02020600060500020200" pitchFamily="18" charset="0"/>
-                <a:ea typeface="Droid Serif" panose="02020600060500020200" pitchFamily="18" charset="0"/>
-                <a:cs typeface="Droid Serif" panose="02020600060500020200" pitchFamily="18" charset="0"/>
+              <a:rPr lang="en-US" dirty="0" smtClean="0">
+                <a:latin typeface="Slabo 13px"/>
+                <a:cs typeface="Slabo 13px"/>
               </a:rPr>
-              <a:t>Style Tile</a:t>
+              <a:t>Atomic Design: Home Page</a:t>
             </a:r>
+            <a:endParaRPr lang="en" dirty="0">
+              <a:latin typeface="Slabo 13px"/>
+              <a:cs typeface="Slabo 13px"/>
+            </a:endParaRPr>
           </a:p>
         </p:txBody>
       </p:sp>
     </p:spTree>
+    <p:extLst>
+      <p:ext uri="{BB962C8B-B14F-4D97-AF65-F5344CB8AC3E}">
+        <p14:creationId xmlns:p14="http://schemas.microsoft.com/office/powerpoint/2010/main" val="1756472205"/>
+      </p:ext>
+    </p:extLst>
   </p:cSld>
   <p:clrMapOvr>
     <a:masterClrMapping/>
   </p:clrMapOvr>
-  <p:transition spd="slow">
-    <p:fade/>
-  </p:transition>
 </p:sld>
 </file>
 
@@ -5159,9 +5094,8 @@
             </a:pPr>
             <a:r>
               <a:rPr lang="en" dirty="0">
-                <a:latin typeface="Droid Serif" panose="02020600060500020200" pitchFamily="18" charset="0"/>
-                <a:ea typeface="Droid Serif" panose="02020600060500020200" pitchFamily="18" charset="0"/>
-                <a:cs typeface="Droid Serif" panose="02020600060500020200" pitchFamily="18" charset="0"/>
+                <a:latin typeface="Slabo 13px"/>
+                <a:cs typeface="Slabo 13px"/>
               </a:rPr>
               <a:t>Communication</a:t>
             </a:r>
@@ -5272,7 +5206,8 @@
                 <a:solidFill>
                   <a:srgbClr val="F1C232"/>
                 </a:solidFill>
-                <a:latin typeface="Soria" pitchFamily="2" charset="0"/>
+                <a:latin typeface="Open Sans"/>
+                <a:cs typeface="Open Sans"/>
               </a:rPr>
               <a:t>Slack</a:t>
             </a:r>
@@ -5311,14 +5246,22 @@
               <a:buNone/>
             </a:pPr>
             <a:r>
-              <a:rPr lang="en" sz="2400" dirty="0">
+              <a:rPr lang="en" sz="2400" dirty="0" smtClean="0">
                 <a:solidFill>
                   <a:srgbClr val="F1C232"/>
                 </a:solidFill>
-                <a:latin typeface="Soria" pitchFamily="2" charset="0"/>
+                <a:latin typeface="Open Sans"/>
+                <a:cs typeface="Open Sans"/>
               </a:rPr>
               <a:t>Trello</a:t>
             </a:r>
+            <a:endParaRPr lang="en" sz="2400" dirty="0">
+              <a:solidFill>
+                <a:srgbClr val="F1C232"/>
+              </a:solidFill>
+              <a:latin typeface="Open Sans"/>
+              <a:cs typeface="Open Sans"/>
+            </a:endParaRPr>
           </a:p>
         </p:txBody>
       </p:sp>
@@ -5327,7 +5270,7 @@
   <p:clrMapOvr>
     <a:masterClrMapping/>
   </p:clrMapOvr>
-  <p:transition spd="slow">
+  <p:transition xmlns:p14="http://schemas.microsoft.com/office/powerpoint/2010/main" spd="slow">
     <p:fade/>
   </p:transition>
 </p:sld>
@@ -5383,9 +5326,8 @@
             </a:pPr>
             <a:r>
               <a:rPr lang="en" dirty="0">
-                <a:latin typeface="Droid Serif" panose="02020600060500020200" pitchFamily="18" charset="0"/>
-                <a:ea typeface="Droid Serif" panose="02020600060500020200" pitchFamily="18" charset="0"/>
-                <a:cs typeface="Droid Serif" panose="02020600060500020200" pitchFamily="18" charset="0"/>
+                <a:latin typeface="Slabo 13px"/>
+                <a:cs typeface="Slabo 13px"/>
               </a:rPr>
               <a:t>Coding for pages</a:t>
             </a:r>
@@ -5397,11 +5339,7 @@
               </a:spcBef>
               <a:buNone/>
             </a:pPr>
-            <a:endParaRPr dirty="0">
-              <a:latin typeface="Droid Serif" panose="02020600060500020200" pitchFamily="18" charset="0"/>
-              <a:ea typeface="Droid Serif" panose="02020600060500020200" pitchFamily="18" charset="0"/>
-              <a:cs typeface="Droid Serif" panose="02020600060500020200" pitchFamily="18" charset="0"/>
-            </a:endParaRPr>
+            <a:endParaRPr dirty="0"/>
           </a:p>
         </p:txBody>
       </p:sp>
@@ -5639,7 +5577,8 @@
                 <a:solidFill>
                   <a:srgbClr val="F1C232"/>
                 </a:solidFill>
-                <a:latin typeface="Soria" pitchFamily="2" charset="0"/>
+                <a:latin typeface="Open Sans"/>
+                <a:cs typeface="Open Sans"/>
               </a:rPr>
               <a:t>Index Page</a:t>
             </a:r>
@@ -5682,7 +5621,8 @@
                 <a:solidFill>
                   <a:srgbClr val="F1C232"/>
                 </a:solidFill>
-                <a:latin typeface="Soria" pitchFamily="2" charset="0"/>
+                <a:latin typeface="Open Sans"/>
+                <a:cs typeface="Open Sans"/>
               </a:rPr>
               <a:t>Other Pages</a:t>
             </a:r>
@@ -5694,7 +5634,7 @@
   <p:clrMapOvr>
     <a:masterClrMapping/>
   </p:clrMapOvr>
-  <p:transition spd="slow">
+  <p:transition xmlns:p14="http://schemas.microsoft.com/office/powerpoint/2010/main" spd="slow">
     <p:fade/>
   </p:transition>
 </p:sld>
@@ -5750,9 +5690,8 @@
             </a:pPr>
             <a:r>
               <a:rPr lang="en" dirty="0">
-                <a:latin typeface="Droid Serif" panose="02020600060500020200" pitchFamily="18" charset="0"/>
-                <a:ea typeface="Droid Serif" panose="02020600060500020200" pitchFamily="18" charset="0"/>
-                <a:cs typeface="Droid Serif" panose="02020600060500020200" pitchFamily="18" charset="0"/>
+                <a:latin typeface="Slabo 13px"/>
+                <a:cs typeface="Slabo 13px"/>
               </a:rPr>
               <a:t>Map Coding</a:t>
             </a:r>
@@ -5775,7 +5714,7 @@
         </p:blipFill>
         <p:spPr>
           <a:xfrm>
-            <a:off x="722775" y="1402238"/>
+            <a:off x="722775" y="1156575"/>
             <a:ext cx="2835445" cy="3416398"/>
           </a:xfrm>
           <a:prstGeom prst="rect">
@@ -5809,7 +5748,7 @@
         </p:blipFill>
         <p:spPr>
           <a:xfrm>
-            <a:off x="4901174" y="1402238"/>
+            <a:off x="4901174" y="1156575"/>
             <a:ext cx="3520049" cy="3511324"/>
           </a:xfrm>
           <a:prstGeom prst="rect">
@@ -5832,7 +5771,7 @@
   <p:clrMapOvr>
     <a:masterClrMapping/>
   </p:clrMapOvr>
-  <p:transition spd="slow">
+  <p:transition xmlns:p14="http://schemas.microsoft.com/office/powerpoint/2010/main" spd="slow">
     <p:fade/>
   </p:transition>
 </p:sld>
@@ -5888,9 +5827,8 @@
             </a:pPr>
             <a:r>
               <a:rPr lang="en" dirty="0">
-                <a:latin typeface="Droid Serif" panose="02020600060500020200" pitchFamily="18" charset="0"/>
-                <a:ea typeface="Droid Serif" panose="02020600060500020200" pitchFamily="18" charset="0"/>
-                <a:cs typeface="Droid Serif" panose="02020600060500020200" pitchFamily="18" charset="0"/>
+                <a:latin typeface="Slabo 13px"/>
+                <a:cs typeface="Slabo 13px"/>
               </a:rPr>
               <a:t>Coverr Video Coding</a:t>
             </a:r>
@@ -6034,7 +5972,8 @@
                 <a:solidFill>
                   <a:srgbClr val="F1C232"/>
                 </a:solidFill>
-                <a:latin typeface="Soria" pitchFamily="2" charset="0"/>
+                <a:latin typeface="Open Sans"/>
+                <a:cs typeface="Open Sans"/>
               </a:rPr>
               <a:t>HTML</a:t>
             </a:r>
@@ -6077,7 +6016,8 @@
                 <a:solidFill>
                   <a:srgbClr val="F1C232"/>
                 </a:solidFill>
-                <a:latin typeface="Soria" pitchFamily="2" charset="0"/>
+                <a:latin typeface="Open Sans"/>
+                <a:cs typeface="Open Sans"/>
               </a:rPr>
               <a:t>CSS</a:t>
             </a:r>
@@ -6120,7 +6060,8 @@
                 <a:solidFill>
                   <a:srgbClr val="F1C232"/>
                 </a:solidFill>
-                <a:latin typeface="Soria" pitchFamily="2" charset="0"/>
+                <a:latin typeface="Open Sans"/>
+                <a:cs typeface="Open Sans"/>
               </a:rPr>
               <a:t>JS</a:t>
             </a:r>
@@ -6132,7 +6073,7 @@
   <p:clrMapOvr>
     <a:masterClrMapping/>
   </p:clrMapOvr>
-  <p:transition spd="slow">
+  <p:transition xmlns:p14="http://schemas.microsoft.com/office/powerpoint/2010/main" spd="slow">
     <p:fade/>
   </p:transition>
 </p:sld>
@@ -6187,13 +6128,82 @@
               <a:buNone/>
             </a:pPr>
             <a:r>
-              <a:rPr lang="en">
-                <a:latin typeface="Droid Serif" panose="02020600060500020200" pitchFamily="18" charset="0"/>
-                <a:ea typeface="Droid Serif" panose="02020600060500020200" pitchFamily="18" charset="0"/>
-                <a:cs typeface="Droid Serif" panose="02020600060500020200" pitchFamily="18" charset="0"/>
+              <a:rPr lang="en" dirty="0">
+                <a:latin typeface="Slabo 13px"/>
+                <a:cs typeface="Slabo 13px"/>
               </a:rPr>
               <a:t>Written Content</a:t>
             </a:r>
+          </a:p>
+        </p:txBody>
+      </p:sp>
+      <p:sp>
+        <p:nvSpPr>
+          <p:cNvPr id="101" name="Shape 101"/>
+          <p:cNvSpPr txBox="1">
+            <a:spLocks noGrp="1"/>
+          </p:cNvSpPr>
+          <p:nvPr>
+            <p:ph type="body" idx="1"/>
+          </p:nvPr>
+        </p:nvSpPr>
+        <p:spPr>
+          <a:xfrm>
+            <a:off x="311700" y="1152475"/>
+            <a:ext cx="3999900" cy="3416400"/>
+          </a:xfrm>
+          <a:prstGeom prst="rect">
+            <a:avLst/>
+          </a:prstGeom>
+        </p:spPr>
+        <p:txBody>
+          <a:bodyPr lIns="91425" tIns="91425" rIns="91425" bIns="91425" anchor="t" anchorCtr="0">
+            <a:noAutofit/>
+          </a:bodyPr>
+          <a:lstStyle/>
+          <a:p>
+            <a:pPr lvl="0">
+              <a:spcBef>
+                <a:spcPts val="0"/>
+              </a:spcBef>
+              <a:buNone/>
+            </a:pPr>
+            <a:endParaRPr/>
+          </a:p>
+        </p:txBody>
+      </p:sp>
+      <p:sp>
+        <p:nvSpPr>
+          <p:cNvPr id="102" name="Shape 102"/>
+          <p:cNvSpPr txBox="1">
+            <a:spLocks noGrp="1"/>
+          </p:cNvSpPr>
+          <p:nvPr>
+            <p:ph type="body" idx="2"/>
+          </p:nvPr>
+        </p:nvSpPr>
+        <p:spPr>
+          <a:xfrm>
+            <a:off x="9286450" y="1213825"/>
+            <a:ext cx="3999900" cy="3416400"/>
+          </a:xfrm>
+          <a:prstGeom prst="rect">
+            <a:avLst/>
+          </a:prstGeom>
+        </p:spPr>
+        <p:txBody>
+          <a:bodyPr lIns="91425" tIns="91425" rIns="91425" bIns="91425" anchor="t" anchorCtr="0">
+            <a:noAutofit/>
+          </a:bodyPr>
+          <a:lstStyle/>
+          <a:p>
+            <a:pPr lvl="0">
+              <a:spcBef>
+                <a:spcPts val="0"/>
+              </a:spcBef>
+              <a:buNone/>
+            </a:pPr>
+            <a:endParaRPr/>
           </a:p>
         </p:txBody>
       </p:sp>
@@ -6338,7 +6348,7 @@
   <p:clrMapOvr>
     <a:masterClrMapping/>
   </p:clrMapOvr>
-  <p:transition spd="slow">
+  <p:transition xmlns:p14="http://schemas.microsoft.com/office/powerpoint/2010/main" spd="slow">
     <p:fade/>
   </p:transition>
 </p:sld>
@@ -6394,12 +6404,22 @@
             </a:pPr>
             <a:r>
               <a:rPr lang="en" dirty="0">
-                <a:latin typeface="Droid Serif" panose="02020600060500020200" pitchFamily="18" charset="0"/>
-                <a:ea typeface="Droid Serif" panose="02020600060500020200" pitchFamily="18" charset="0"/>
-                <a:cs typeface="Droid Serif" panose="02020600060500020200" pitchFamily="18" charset="0"/>
+                <a:latin typeface="Slabo 13px"/>
+                <a:cs typeface="Slabo 13px"/>
               </a:rPr>
-              <a:t>Images Collected</a:t>
+              <a:t>Images </a:t>
             </a:r>
+            <a:r>
+              <a:rPr lang="en" dirty="0" smtClean="0">
+                <a:latin typeface="Slabo 13px"/>
+                <a:cs typeface="Slabo 13px"/>
+              </a:rPr>
+              <a:t>Collected</a:t>
+            </a:r>
+            <a:endParaRPr lang="en" dirty="0">
+              <a:latin typeface="Slabo 13px"/>
+              <a:cs typeface="Slabo 13px"/>
+            </a:endParaRPr>
           </a:p>
           <a:p>
             <a:pPr lvl="0">
@@ -6408,11 +6428,7 @@
               </a:spcBef>
               <a:buNone/>
             </a:pPr>
-            <a:endParaRPr dirty="0">
-              <a:latin typeface="Droid Serif" panose="02020600060500020200" pitchFamily="18" charset="0"/>
-              <a:ea typeface="Droid Serif" panose="02020600060500020200" pitchFamily="18" charset="0"/>
-              <a:cs typeface="Droid Serif" panose="02020600060500020200" pitchFamily="18" charset="0"/>
-            </a:endParaRPr>
+            <a:endParaRPr dirty="0"/>
           </a:p>
         </p:txBody>
       </p:sp>
@@ -6455,7 +6471,7 @@
   <p:clrMapOvr>
     <a:masterClrMapping/>
   </p:clrMapOvr>
-  <p:transition spd="slow">
+  <p:transition xmlns:p14="http://schemas.microsoft.com/office/powerpoint/2010/main" spd="slow">
     <p:fade/>
   </p:transition>
 </p:sld>
@@ -6510,13 +6526,47 @@
               <a:buNone/>
             </a:pPr>
             <a:r>
-              <a:rPr lang="en">
-                <a:latin typeface="Droid Serif" panose="02020600060500020200" pitchFamily="18" charset="0"/>
-                <a:ea typeface="Droid Serif" panose="02020600060500020200" pitchFamily="18" charset="0"/>
-                <a:cs typeface="Droid Serif" panose="02020600060500020200" pitchFamily="18" charset="0"/>
+              <a:rPr lang="en" dirty="0">
+                <a:latin typeface="Slabo 13px"/>
+                <a:cs typeface="Slabo 13px"/>
               </a:rPr>
               <a:t>Github Account</a:t>
             </a:r>
+          </a:p>
+        </p:txBody>
+      </p:sp>
+      <p:sp>
+        <p:nvSpPr>
+          <p:cNvPr id="118" name="Shape 118"/>
+          <p:cNvSpPr txBox="1">
+            <a:spLocks noGrp="1"/>
+          </p:cNvSpPr>
+          <p:nvPr>
+            <p:ph type="body" idx="2"/>
+          </p:nvPr>
+        </p:nvSpPr>
+        <p:spPr>
+          <a:xfrm>
+            <a:off x="4832400" y="1152475"/>
+            <a:ext cx="3999900" cy="3416400"/>
+          </a:xfrm>
+          <a:prstGeom prst="rect">
+            <a:avLst/>
+          </a:prstGeom>
+        </p:spPr>
+        <p:txBody>
+          <a:bodyPr lIns="91425" tIns="91425" rIns="91425" bIns="91425" anchor="t" anchorCtr="0">
+            <a:noAutofit/>
+          </a:bodyPr>
+          <a:lstStyle/>
+          <a:p>
+            <a:pPr lvl="0">
+              <a:spcBef>
+                <a:spcPts val="0"/>
+              </a:spcBef>
+              <a:buNone/>
+            </a:pPr>
+            <a:endParaRPr/>
           </a:p>
         </p:txBody>
       </p:sp>
@@ -6627,7 +6677,7 @@
   <p:clrMapOvr>
     <a:masterClrMapping/>
   </p:clrMapOvr>
-  <p:transition spd="slow">
+  <p:transition xmlns:p14="http://schemas.microsoft.com/office/powerpoint/2010/main" spd="slow">
     <p:fade/>
   </p:transition>
 </p:sld>
@@ -6638,7 +6688,7 @@
   <p:cSld>
     <p:spTree>
       <p:nvGrpSpPr>
-        <p:cNvPr id="1" name="Shape 125"/>
+        <p:cNvPr id="1" name="Shape 131"/>
         <p:cNvGrpSpPr/>
         <p:nvPr/>
       </p:nvGrpSpPr>
@@ -6652,7 +6702,7 @@
       </p:grpSpPr>
       <p:sp>
         <p:nvSpPr>
-          <p:cNvPr id="126" name="Shape 126"/>
+          <p:cNvPr id="132" name="Shape 132"/>
           <p:cNvSpPr txBox="1">
             <a:spLocks noGrp="1"/>
           </p:cNvSpPr>
@@ -6662,7 +6712,7 @@
         </p:nvSpPr>
         <p:spPr>
           <a:xfrm>
-            <a:off x="311700" y="445025"/>
+            <a:off x="311700" y="185945"/>
             <a:ext cx="8520600" cy="572700"/>
           </a:xfrm>
           <a:prstGeom prst="rect">
@@ -6682,55 +6732,71 @@
               <a:buNone/>
             </a:pPr>
             <a:r>
-              <a:rPr lang="en">
-                <a:latin typeface="Droid Serif" panose="02020600060500020200" pitchFamily="18" charset="0"/>
-                <a:ea typeface="Droid Serif" panose="02020600060500020200" pitchFamily="18" charset="0"/>
-                <a:cs typeface="Droid Serif" panose="02020600060500020200" pitchFamily="18" charset="0"/>
+              <a:rPr lang="en" dirty="0">
+                <a:latin typeface="Slabo 13px"/>
+                <a:cs typeface="Slabo 13px"/>
               </a:rPr>
-              <a:t>School Logo</a:t>
+              <a:t>Style Tile</a:t>
             </a:r>
-          </a:p>
-          <a:p>
-            <a:pPr lvl="0">
-              <a:spcBef>
-                <a:spcPts val="0"/>
-              </a:spcBef>
-              <a:buNone/>
-            </a:pPr>
-            <a:endParaRPr>
-              <a:latin typeface="Droid Serif" panose="02020600060500020200" pitchFamily="18" charset="0"/>
-              <a:ea typeface="Droid Serif" panose="02020600060500020200" pitchFamily="18" charset="0"/>
-              <a:cs typeface="Droid Serif" panose="02020600060500020200" pitchFamily="18" charset="0"/>
-            </a:endParaRPr>
           </a:p>
         </p:txBody>
       </p:sp>
       <p:pic>
         <p:nvPicPr>
-          <p:cNvPr id="127" name="Shape 127"/>
-          <p:cNvPicPr preferRelativeResize="0"/>
+          <p:cNvPr id="2" name="Picture 1"/>
+          <p:cNvPicPr>
+            <a:picLocks noChangeAspect="1"/>
+          </p:cNvPicPr>
           <p:nvPr/>
         </p:nvPicPr>
-        <p:blipFill>
+        <p:blipFill rotWithShape="1">
           <a:blip r:embed="rId3">
-            <a:alphaModFix/>
+            <a:extLst>
+              <a:ext uri="{28A0092B-C50C-407E-A947-70E740481C1C}">
+                <a14:useLocalDpi xmlns:a14="http://schemas.microsoft.com/office/drawing/2010/main" val="0"/>
+              </a:ext>
+            </a:extLst>
           </a:blip>
-          <a:stretch>
-            <a:fillRect/>
-          </a:stretch>
+          <a:srcRect t="3851" b="32309"/>
+          <a:stretch/>
         </p:blipFill>
         <p:spPr>
           <a:xfrm>
-            <a:off x="2428875" y="603625"/>
-            <a:ext cx="4111249" cy="4111249"/>
-          </a:xfrm>
-          <a:prstGeom prst="rect">
-            <a:avLst/>
-          </a:prstGeom>
-          <a:noFill/>
-          <a:ln>
-            <a:noFill/>
-          </a:ln>
+            <a:off x="424180" y="1017725"/>
+            <a:ext cx="4298244" cy="3875515"/>
+          </a:xfrm>
+          <a:prstGeom prst="rect">
+            <a:avLst/>
+          </a:prstGeom>
+        </p:spPr>
+      </p:pic>
+      <p:pic>
+        <p:nvPicPr>
+          <p:cNvPr id="5" name="Picture 4"/>
+          <p:cNvPicPr>
+            <a:picLocks noChangeAspect="1"/>
+          </p:cNvPicPr>
+          <p:nvPr/>
+        </p:nvPicPr>
+        <p:blipFill rotWithShape="1">
+          <a:blip r:embed="rId3">
+            <a:extLst>
+              <a:ext uri="{28A0092B-C50C-407E-A947-70E740481C1C}">
+                <a14:useLocalDpi xmlns:a14="http://schemas.microsoft.com/office/drawing/2010/main" val="0"/>
+              </a:ext>
+            </a:extLst>
+          </a:blip>
+          <a:srcRect t="67456"/>
+          <a:stretch/>
+        </p:blipFill>
+        <p:spPr>
+          <a:xfrm>
+            <a:off x="4866044" y="1998417"/>
+            <a:ext cx="4164376" cy="1914130"/>
+          </a:xfrm>
+          <a:prstGeom prst="rect">
+            <a:avLst/>
+          </a:prstGeom>
         </p:spPr>
       </p:pic>
     </p:spTree>
@@ -6738,7 +6804,7 @@
   <p:clrMapOvr>
     <a:masterClrMapping/>
   </p:clrMapOvr>
-  <p:transition spd="slow">
+  <p:transition xmlns:p14="http://schemas.microsoft.com/office/powerpoint/2010/main" spd="slow">
     <p:fade/>
   </p:transition>
 </p:sld>
